--- a/data_analysis_presentation_206100968_311128847.pptx
+++ b/data_analysis_presentation_206100968_311128847.pptx
@@ -7,13 +7,19 @@
   <p:sldIdLst>
     <p:sldId id="256" r:id="rId2"/>
     <p:sldId id="260" r:id="rId3"/>
-    <p:sldId id="257" r:id="rId4"/>
+    <p:sldId id="273" r:id="rId4"/>
     <p:sldId id="258" r:id="rId5"/>
     <p:sldId id="261" r:id="rId6"/>
-    <p:sldId id="264" r:id="rId7"/>
-    <p:sldId id="262" r:id="rId8"/>
-    <p:sldId id="263" r:id="rId9"/>
-    <p:sldId id="265" r:id="rId10"/>
+    <p:sldId id="267" r:id="rId7"/>
+    <p:sldId id="264" r:id="rId8"/>
+    <p:sldId id="262" r:id="rId9"/>
+    <p:sldId id="263" r:id="rId10"/>
+    <p:sldId id="265" r:id="rId11"/>
+    <p:sldId id="268" r:id="rId12"/>
+    <p:sldId id="269" r:id="rId13"/>
+    <p:sldId id="270" r:id="rId14"/>
+    <p:sldId id="271" r:id="rId15"/>
+    <p:sldId id="272" r:id="rId16"/>
   </p:sldIdLst>
   <p:sldSz cx="12192000" cy="6858000"/>
   <p:notesSz cx="6858000" cy="9144000"/>
@@ -112,6 +118,11 @@
       </a:defRPr>
     </a:lvl9pPr>
   </p:defaultTextStyle>
+  <p:extLst>
+    <p:ext uri="{EFAFB233-063F-42B5-8137-9DF3F51BA10A}">
+      <p15:sldGuideLst xmlns:p15="http://schemas.microsoft.com/office/powerpoint/2012/main"/>
+    </p:ext>
+  </p:extLst>
 </p:presentation>
 </file>
 
@@ -285,7 +296,7 @@
           <a:p>
             <a:fld id="{747DA4F2-3971-4632-8C00-1FB4E6419D22}" type="datetimeFigureOut">
               <a:rPr lang="LID4096" smtClean="0"/>
-              <a:t>07/05/2023</a:t>
+              <a:t>07/06/2023</a:t>
             </a:fld>
             <a:endParaRPr lang="LID4096"/>
           </a:p>
@@ -552,7 +563,7 @@
           <a:p>
             <a:fld id="{747DA4F2-3971-4632-8C00-1FB4E6419D22}" type="datetimeFigureOut">
               <a:rPr lang="LID4096" smtClean="0"/>
-              <a:t>07/05/2023</a:t>
+              <a:t>07/06/2023</a:t>
             </a:fld>
             <a:endParaRPr lang="LID4096"/>
           </a:p>
@@ -783,7 +794,7 @@
           <a:p>
             <a:fld id="{747DA4F2-3971-4632-8C00-1FB4E6419D22}" type="datetimeFigureOut">
               <a:rPr lang="LID4096" smtClean="0"/>
-              <a:t>07/05/2023</a:t>
+              <a:t>07/06/2023</a:t>
             </a:fld>
             <a:endParaRPr lang="LID4096"/>
           </a:p>
@@ -1093,7 +1104,7 @@
           <a:p>
             <a:fld id="{747DA4F2-3971-4632-8C00-1FB4E6419D22}" type="datetimeFigureOut">
               <a:rPr lang="LID4096" smtClean="0"/>
-              <a:t>07/05/2023</a:t>
+              <a:t>07/06/2023</a:t>
             </a:fld>
             <a:endParaRPr lang="LID4096"/>
           </a:p>
@@ -1566,7 +1577,7 @@
           <a:p>
             <a:fld id="{747DA4F2-3971-4632-8C00-1FB4E6419D22}" type="datetimeFigureOut">
               <a:rPr lang="LID4096" smtClean="0"/>
-              <a:t>07/05/2023</a:t>
+              <a:t>07/06/2023</a:t>
             </a:fld>
             <a:endParaRPr lang="LID4096"/>
           </a:p>
@@ -2113,7 +2124,7 @@
           <a:p>
             <a:fld id="{747DA4F2-3971-4632-8C00-1FB4E6419D22}" type="datetimeFigureOut">
               <a:rPr lang="LID4096" smtClean="0"/>
-              <a:t>07/05/2023</a:t>
+              <a:t>07/06/2023</a:t>
             </a:fld>
             <a:endParaRPr lang="LID4096"/>
           </a:p>
@@ -2887,7 +2898,7 @@
           <a:p>
             <a:fld id="{747DA4F2-3971-4632-8C00-1FB4E6419D22}" type="datetimeFigureOut">
               <a:rPr lang="LID4096" smtClean="0"/>
-              <a:t>07/05/2023</a:t>
+              <a:t>07/06/2023</a:t>
             </a:fld>
             <a:endParaRPr lang="LID4096"/>
           </a:p>
@@ -3062,7 +3073,7 @@
           <a:p>
             <a:fld id="{747DA4F2-3971-4632-8C00-1FB4E6419D22}" type="datetimeFigureOut">
               <a:rPr lang="LID4096" smtClean="0"/>
-              <a:t>07/05/2023</a:t>
+              <a:t>07/06/2023</a:t>
             </a:fld>
             <a:endParaRPr lang="LID4096"/>
           </a:p>
@@ -3285,7 +3296,7 @@
           <a:p>
             <a:fld id="{747DA4F2-3971-4632-8C00-1FB4E6419D22}" type="datetimeFigureOut">
               <a:rPr lang="LID4096" smtClean="0"/>
-              <a:t>07/05/2023</a:t>
+              <a:t>07/06/2023</a:t>
             </a:fld>
             <a:endParaRPr lang="LID4096"/>
           </a:p>
@@ -3465,7 +3476,7 @@
           <a:p>
             <a:fld id="{747DA4F2-3971-4632-8C00-1FB4E6419D22}" type="datetimeFigureOut">
               <a:rPr lang="LID4096" smtClean="0"/>
-              <a:t>07/05/2023</a:t>
+              <a:t>07/06/2023</a:t>
             </a:fld>
             <a:endParaRPr lang="LID4096"/>
           </a:p>
@@ -3754,7 +3765,7 @@
           <a:p>
             <a:fld id="{747DA4F2-3971-4632-8C00-1FB4E6419D22}" type="datetimeFigureOut">
               <a:rPr lang="LID4096" smtClean="0"/>
-              <a:t>07/05/2023</a:t>
+              <a:t>07/06/2023</a:t>
             </a:fld>
             <a:endParaRPr lang="LID4096"/>
           </a:p>
@@ -3996,7 +4007,7 @@
           <a:p>
             <a:fld id="{747DA4F2-3971-4632-8C00-1FB4E6419D22}" type="datetimeFigureOut">
               <a:rPr lang="LID4096" smtClean="0"/>
-              <a:t>07/05/2023</a:t>
+              <a:t>07/06/2023</a:t>
             </a:fld>
             <a:endParaRPr lang="LID4096"/>
           </a:p>
@@ -4375,7 +4386,7 @@
           <a:p>
             <a:fld id="{747DA4F2-3971-4632-8C00-1FB4E6419D22}" type="datetimeFigureOut">
               <a:rPr lang="LID4096" smtClean="0"/>
-              <a:t>07/05/2023</a:t>
+              <a:t>07/06/2023</a:t>
             </a:fld>
             <a:endParaRPr lang="LID4096"/>
           </a:p>
@@ -4493,7 +4504,7 @@
           <a:p>
             <a:fld id="{747DA4F2-3971-4632-8C00-1FB4E6419D22}" type="datetimeFigureOut">
               <a:rPr lang="LID4096" smtClean="0"/>
-              <a:t>07/05/2023</a:t>
+              <a:t>07/06/2023</a:t>
             </a:fld>
             <a:endParaRPr lang="LID4096"/>
           </a:p>
@@ -4588,7 +4599,7 @@
           <a:p>
             <a:fld id="{747DA4F2-3971-4632-8C00-1FB4E6419D22}" type="datetimeFigureOut">
               <a:rPr lang="LID4096" smtClean="0"/>
-              <a:t>07/05/2023</a:t>
+              <a:t>07/06/2023</a:t>
             </a:fld>
             <a:endParaRPr lang="LID4096"/>
           </a:p>
@@ -4837,7 +4848,7 @@
           <a:p>
             <a:fld id="{747DA4F2-3971-4632-8C00-1FB4E6419D22}" type="datetimeFigureOut">
               <a:rPr lang="LID4096" smtClean="0"/>
-              <a:t>07/05/2023</a:t>
+              <a:t>07/06/2023</a:t>
             </a:fld>
             <a:endParaRPr lang="LID4096"/>
           </a:p>
@@ -5094,7 +5105,7 @@
           <a:p>
             <a:fld id="{747DA4F2-3971-4632-8C00-1FB4E6419D22}" type="datetimeFigureOut">
               <a:rPr lang="LID4096" smtClean="0"/>
-              <a:t>07/05/2023</a:t>
+              <a:t>07/06/2023</a:t>
             </a:fld>
             <a:endParaRPr lang="LID4096"/>
           </a:p>
@@ -5337,7 +5348,7 @@
           <a:p>
             <a:fld id="{747DA4F2-3971-4632-8C00-1FB4E6419D22}" type="datetimeFigureOut">
               <a:rPr lang="LID4096" smtClean="0"/>
-              <a:t>07/05/2023</a:t>
+              <a:t>07/06/2023</a:t>
             </a:fld>
             <a:endParaRPr lang="LID4096"/>
           </a:p>
@@ -5810,10 +5821,759 @@
           </a:p>
         </p:txBody>
       </p:sp>
+      <p:sp>
+        <p:nvSpPr>
+          <p:cNvPr id="4" name="TextBox 3">
+            <a:extLst>
+              <a:ext uri="{FF2B5EF4-FFF2-40B4-BE49-F238E27FC236}">
+                <a16:creationId xmlns:a16="http://schemas.microsoft.com/office/drawing/2014/main" id="{17542EF8-2195-6FC8-F4DF-2990E8D0BAFB}"/>
+              </a:ext>
+            </a:extLst>
+          </p:cNvPr>
+          <p:cNvSpPr txBox="1"/>
+          <p:nvPr/>
+        </p:nvSpPr>
+        <p:spPr>
+          <a:xfrm>
+            <a:off x="8249920" y="538480"/>
+            <a:ext cx="3352800" cy="646331"/>
+          </a:xfrm>
+          <a:prstGeom prst="rect">
+            <a:avLst/>
+          </a:prstGeom>
+          <a:noFill/>
+        </p:spPr>
+        <p:txBody>
+          <a:bodyPr wrap="square" rtlCol="0">
+            <a:spAutoFit/>
+          </a:bodyPr>
+          <a:lstStyle/>
+          <a:p>
+            <a:r>
+              <a:rPr lang="en-US" dirty="0"/>
+              <a:t>Niv Yosef – 206100968</a:t>
+            </a:r>
+          </a:p>
+          <a:p>
+            <a:r>
+              <a:rPr lang="en-US" dirty="0"/>
+              <a:t>Omer Etzion – 311128847 </a:t>
+            </a:r>
+            <a:endParaRPr lang="LID4096" dirty="0"/>
+          </a:p>
+        </p:txBody>
+      </p:sp>
     </p:spTree>
     <p:extLst>
       <p:ext uri="{BB962C8B-B14F-4D97-AF65-F5344CB8AC3E}">
         <p14:creationId xmlns:p14="http://schemas.microsoft.com/office/powerpoint/2010/main" val="3089800546"/>
+      </p:ext>
+    </p:extLst>
+  </p:cSld>
+  <p:clrMapOvr>
+    <a:masterClrMapping/>
+  </p:clrMapOvr>
+</p:sld>
+</file>
+
+<file path=ppt/slides/slide10.xml><?xml version="1.0" encoding="utf-8"?>
+<p:sld xmlns:a="http://schemas.openxmlformats.org/drawingml/2006/main" xmlns:r="http://schemas.openxmlformats.org/officeDocument/2006/relationships" xmlns:p="http://schemas.openxmlformats.org/presentationml/2006/main">
+  <p:cSld>
+    <p:spTree>
+      <p:nvGrpSpPr>
+        <p:cNvPr id="1" name=""/>
+        <p:cNvGrpSpPr/>
+        <p:nvPr/>
+      </p:nvGrpSpPr>
+      <p:grpSpPr>
+        <a:xfrm>
+          <a:off x="0" y="0"/>
+          <a:ext cx="0" cy="0"/>
+          <a:chOff x="0" y="0"/>
+          <a:chExt cx="0" cy="0"/>
+        </a:xfrm>
+      </p:grpSpPr>
+      <p:sp>
+        <p:nvSpPr>
+          <p:cNvPr id="2" name="Title 1">
+            <a:extLst>
+              <a:ext uri="{FF2B5EF4-FFF2-40B4-BE49-F238E27FC236}">
+                <a16:creationId xmlns:a16="http://schemas.microsoft.com/office/drawing/2014/main" id="{7E4A59BF-4524-1B0F-D230-23E10D3EADC0}"/>
+              </a:ext>
+            </a:extLst>
+          </p:cNvPr>
+          <p:cNvSpPr>
+            <a:spLocks noGrp="1"/>
+          </p:cNvSpPr>
+          <p:nvPr>
+            <p:ph type="title"/>
+          </p:nvPr>
+        </p:nvSpPr>
+        <p:spPr/>
+        <p:txBody>
+          <a:bodyPr>
+            <a:normAutofit/>
+          </a:bodyPr>
+          <a:lstStyle/>
+          <a:p>
+            <a:pPr algn="ctr"/>
+            <a:r>
+              <a:rPr lang="en-US" sz="3600" dirty="0"/>
+              <a:t>Improvements to the algorithm</a:t>
+            </a:r>
+            <a:endParaRPr lang="LID4096" sz="3600" dirty="0"/>
+          </a:p>
+        </p:txBody>
+      </p:sp>
+      <p:sp>
+        <p:nvSpPr>
+          <p:cNvPr id="3" name="Content Placeholder 2">
+            <a:extLst>
+              <a:ext uri="{FF2B5EF4-FFF2-40B4-BE49-F238E27FC236}">
+                <a16:creationId xmlns:a16="http://schemas.microsoft.com/office/drawing/2014/main" id="{50397489-80B8-0A40-CF36-6E0FCB13A9B4}"/>
+              </a:ext>
+            </a:extLst>
+          </p:cNvPr>
+          <p:cNvSpPr>
+            <a:spLocks noGrp="1"/>
+          </p:cNvSpPr>
+          <p:nvPr>
+            <p:ph idx="1"/>
+          </p:nvPr>
+        </p:nvSpPr>
+        <p:spPr/>
+        <p:txBody>
+          <a:bodyPr>
+            <a:normAutofit lnSpcReduction="10000"/>
+          </a:bodyPr>
+          <a:lstStyle/>
+          <a:p>
+            <a:pPr>
+              <a:lnSpc>
+                <a:spcPct val="150000"/>
+              </a:lnSpc>
+            </a:pPr>
+            <a:r>
+              <a:rPr lang="en-US" b="1" u="sng" dirty="0"/>
+              <a:t>feedbackModel.predict2():</a:t>
+            </a:r>
+            <a:r>
+              <a:rPr lang="en-US" b="1" dirty="0"/>
+              <a:t> </a:t>
+            </a:r>
+            <a:r>
+              <a:rPr lang="en-US" dirty="0"/>
+              <a:t>If an example doesn’t fit any law – guess the </a:t>
+            </a:r>
+            <a:r>
+              <a:rPr lang="en-US" b="1" dirty="0"/>
+              <a:t>best fitting law</a:t>
+            </a:r>
+            <a:r>
+              <a:rPr lang="en-US" dirty="0"/>
+              <a:t> instead of the default label. </a:t>
+            </a:r>
+            <a:r>
+              <a:rPr lang="en-US" b="1" dirty="0"/>
+              <a:t> - improves performance</a:t>
+            </a:r>
+            <a:endParaRPr lang="en-US" dirty="0"/>
+          </a:p>
+          <a:p>
+            <a:pPr>
+              <a:lnSpc>
+                <a:spcPct val="150000"/>
+              </a:lnSpc>
+            </a:pPr>
+            <a:r>
+              <a:rPr lang="en-US" b="1" u="sng" dirty="0"/>
+              <a:t>Teacher3:</a:t>
+            </a:r>
+            <a:r>
+              <a:rPr lang="en-US" b="1" dirty="0"/>
+              <a:t>  - improves stability</a:t>
+            </a:r>
+            <a:endParaRPr lang="en-US" dirty="0"/>
+          </a:p>
+          <a:p>
+            <a:pPr lvl="1">
+              <a:lnSpc>
+                <a:spcPct val="150000"/>
+              </a:lnSpc>
+              <a:buFont typeface="Wingdings" panose="05000000000000000000" pitchFamily="2" charset="2"/>
+              <a:buChar char="§"/>
+            </a:pPr>
+            <a:r>
+              <a:rPr lang="en-US" dirty="0"/>
+              <a:t>Array of Teacher2s.</a:t>
+            </a:r>
+          </a:p>
+          <a:p>
+            <a:pPr lvl="1">
+              <a:lnSpc>
+                <a:spcPct val="150000"/>
+              </a:lnSpc>
+              <a:buFont typeface="Wingdings" panose="05000000000000000000" pitchFamily="2" charset="2"/>
+              <a:buChar char="§"/>
+            </a:pPr>
+            <a:r>
+              <a:rPr lang="en-US" dirty="0"/>
+              <a:t>Each teacher gets a random subset of the dataset.</a:t>
+            </a:r>
+          </a:p>
+          <a:p>
+            <a:pPr lvl="1">
+              <a:lnSpc>
+                <a:spcPct val="150000"/>
+              </a:lnSpc>
+              <a:buFont typeface="Wingdings" panose="05000000000000000000" pitchFamily="2" charset="2"/>
+              <a:buChar char="§"/>
+            </a:pPr>
+            <a:r>
+              <a:rPr lang="en-US" dirty="0"/>
+              <a:t>Each Teacher2 gives a “discriminative score” to the discriminative feature it suggests.</a:t>
+            </a:r>
+          </a:p>
+          <a:p>
+            <a:pPr lvl="1">
+              <a:lnSpc>
+                <a:spcPct val="150000"/>
+              </a:lnSpc>
+              <a:buFont typeface="Wingdings" panose="05000000000000000000" pitchFamily="2" charset="2"/>
+              <a:buChar char="§"/>
+            </a:pPr>
+            <a:r>
+              <a:rPr lang="en-US" dirty="0"/>
+              <a:t>Teacher3 returns the feature that had the max sum of “discriminative scores” .</a:t>
+            </a:r>
+            <a:endParaRPr lang="LID4096" dirty="0"/>
+          </a:p>
+        </p:txBody>
+      </p:sp>
+    </p:spTree>
+    <p:extLst>
+      <p:ext uri="{BB962C8B-B14F-4D97-AF65-F5344CB8AC3E}">
+        <p14:creationId xmlns:p14="http://schemas.microsoft.com/office/powerpoint/2010/main" val="3486056161"/>
+      </p:ext>
+    </p:extLst>
+  </p:cSld>
+  <p:clrMapOvr>
+    <a:masterClrMapping/>
+  </p:clrMapOvr>
+</p:sld>
+</file>
+
+<file path=ppt/slides/slide11.xml><?xml version="1.0" encoding="utf-8"?>
+<p:sld xmlns:a="http://schemas.openxmlformats.org/drawingml/2006/main" xmlns:r="http://schemas.openxmlformats.org/officeDocument/2006/relationships" xmlns:p="http://schemas.openxmlformats.org/presentationml/2006/main">
+  <p:cSld>
+    <p:spTree>
+      <p:nvGrpSpPr>
+        <p:cNvPr id="1" name=""/>
+        <p:cNvGrpSpPr/>
+        <p:nvPr/>
+      </p:nvGrpSpPr>
+      <p:grpSpPr>
+        <a:xfrm>
+          <a:off x="0" y="0"/>
+          <a:ext cx="0" cy="0"/>
+          <a:chOff x="0" y="0"/>
+          <a:chExt cx="0" cy="0"/>
+        </a:xfrm>
+      </p:grpSpPr>
+      <p:sp>
+        <p:nvSpPr>
+          <p:cNvPr id="2" name="Title 1">
+            <a:extLst>
+              <a:ext uri="{FF2B5EF4-FFF2-40B4-BE49-F238E27FC236}">
+                <a16:creationId xmlns:a16="http://schemas.microsoft.com/office/drawing/2014/main" id="{7E4A59BF-4524-1B0F-D230-23E10D3EADC0}"/>
+              </a:ext>
+            </a:extLst>
+          </p:cNvPr>
+          <p:cNvSpPr>
+            <a:spLocks noGrp="1"/>
+          </p:cNvSpPr>
+          <p:nvPr>
+            <p:ph type="title"/>
+          </p:nvPr>
+        </p:nvSpPr>
+        <p:spPr/>
+        <p:txBody>
+          <a:bodyPr>
+            <a:normAutofit/>
+          </a:bodyPr>
+          <a:lstStyle/>
+          <a:p>
+            <a:pPr algn="ctr"/>
+            <a:r>
+              <a:rPr lang="en-US" sz="3600" dirty="0"/>
+              <a:t>Improvements to the algorithm</a:t>
+            </a:r>
+            <a:endParaRPr lang="LID4096" sz="3600" dirty="0"/>
+          </a:p>
+        </p:txBody>
+      </p:sp>
+      <p:sp>
+        <p:nvSpPr>
+          <p:cNvPr id="3" name="Content Placeholder 2">
+            <a:extLst>
+              <a:ext uri="{FF2B5EF4-FFF2-40B4-BE49-F238E27FC236}">
+                <a16:creationId xmlns:a16="http://schemas.microsoft.com/office/drawing/2014/main" id="{50397489-80B8-0A40-CF36-6E0FCB13A9B4}"/>
+              </a:ext>
+            </a:extLst>
+          </p:cNvPr>
+          <p:cNvSpPr>
+            <a:spLocks noGrp="1"/>
+          </p:cNvSpPr>
+          <p:nvPr>
+            <p:ph idx="1"/>
+          </p:nvPr>
+        </p:nvSpPr>
+        <p:spPr/>
+        <p:txBody>
+          <a:bodyPr>
+            <a:normAutofit/>
+          </a:bodyPr>
+          <a:lstStyle/>
+          <a:p>
+            <a:pPr>
+              <a:lnSpc>
+                <a:spcPct val="150000"/>
+              </a:lnSpc>
+            </a:pPr>
+            <a:r>
+              <a:rPr lang="en-US" b="1" u="sng" dirty="0"/>
+              <a:t>Teacher4:</a:t>
+            </a:r>
+            <a:r>
+              <a:rPr lang="en-US" b="1" dirty="0"/>
+              <a:t>  - improves stability</a:t>
+            </a:r>
+            <a:endParaRPr lang="en-US" dirty="0"/>
+          </a:p>
+          <a:p>
+            <a:pPr lvl="1">
+              <a:lnSpc>
+                <a:spcPct val="150000"/>
+              </a:lnSpc>
+              <a:buFont typeface="Wingdings" panose="05000000000000000000" pitchFamily="2" charset="2"/>
+              <a:buChar char="§"/>
+            </a:pPr>
+            <a:r>
+              <a:rPr lang="en-US" dirty="0"/>
+              <a:t>Instead of returning one most discriminative feature (like Teacher2), randomly chooses a number </a:t>
+            </a:r>
+            <a:r>
+              <a:rPr lang="en-US" b="1" dirty="0"/>
+              <a:t>n</a:t>
+            </a:r>
+            <a:r>
+              <a:rPr lang="en-US" dirty="0"/>
+              <a:t> and returns the </a:t>
+            </a:r>
+            <a:r>
+              <a:rPr lang="en-US" b="1" dirty="0"/>
+              <a:t>n</a:t>
+            </a:r>
+            <a:r>
+              <a:rPr lang="en-US" dirty="0"/>
+              <a:t> </a:t>
+            </a:r>
+            <a:r>
+              <a:rPr lang="en-US" b="1" dirty="0"/>
+              <a:t>most discriminative features.</a:t>
+            </a:r>
+          </a:p>
+          <a:p>
+            <a:pPr lvl="1">
+              <a:lnSpc>
+                <a:spcPct val="150000"/>
+              </a:lnSpc>
+              <a:buFont typeface="Wingdings" panose="05000000000000000000" pitchFamily="2" charset="2"/>
+              <a:buChar char="§"/>
+            </a:pPr>
+            <a:r>
+              <a:rPr lang="en-US" dirty="0"/>
+              <a:t>This </a:t>
+            </a:r>
+            <a:r>
+              <a:rPr lang="en-US" b="1" dirty="0"/>
+              <a:t>n</a:t>
+            </a:r>
+            <a:r>
+              <a:rPr lang="en-US" dirty="0"/>
+              <a:t> is not chosen uniformly, there is a much higher chance of choosing a lower number (closer to 1).</a:t>
+            </a:r>
+            <a:endParaRPr lang="LID4096" dirty="0"/>
+          </a:p>
+        </p:txBody>
+      </p:sp>
+    </p:spTree>
+    <p:extLst>
+      <p:ext uri="{BB962C8B-B14F-4D97-AF65-F5344CB8AC3E}">
+        <p14:creationId xmlns:p14="http://schemas.microsoft.com/office/powerpoint/2010/main" val="3497507604"/>
+      </p:ext>
+    </p:extLst>
+  </p:cSld>
+  <p:clrMapOvr>
+    <a:masterClrMapping/>
+  </p:clrMapOvr>
+</p:sld>
+</file>
+
+<file path=ppt/slides/slide12.xml><?xml version="1.0" encoding="utf-8"?>
+<p:sld xmlns:a="http://schemas.openxmlformats.org/drawingml/2006/main" xmlns:r="http://schemas.openxmlformats.org/officeDocument/2006/relationships" xmlns:p="http://schemas.openxmlformats.org/presentationml/2006/main">
+  <p:cSld>
+    <p:spTree>
+      <p:nvGrpSpPr>
+        <p:cNvPr id="1" name=""/>
+        <p:cNvGrpSpPr/>
+        <p:nvPr/>
+      </p:nvGrpSpPr>
+      <p:grpSpPr>
+        <a:xfrm>
+          <a:off x="0" y="0"/>
+          <a:ext cx="0" cy="0"/>
+          <a:chOff x="0" y="0"/>
+          <a:chExt cx="0" cy="0"/>
+        </a:xfrm>
+      </p:grpSpPr>
+      <p:sp>
+        <p:nvSpPr>
+          <p:cNvPr id="2" name="Title 1">
+            <a:extLst>
+              <a:ext uri="{FF2B5EF4-FFF2-40B4-BE49-F238E27FC236}">
+                <a16:creationId xmlns:a16="http://schemas.microsoft.com/office/drawing/2014/main" id="{E06EC966-2BC4-D6E0-36C0-66086E80E9F6}"/>
+              </a:ext>
+            </a:extLst>
+          </p:cNvPr>
+          <p:cNvSpPr>
+            <a:spLocks noGrp="1"/>
+          </p:cNvSpPr>
+          <p:nvPr>
+            <p:ph type="title"/>
+          </p:nvPr>
+        </p:nvSpPr>
+        <p:spPr/>
+        <p:txBody>
+          <a:bodyPr/>
+          <a:lstStyle/>
+          <a:p>
+            <a:pPr algn="ctr"/>
+            <a:r>
+              <a:rPr lang="en-US" dirty="0"/>
+              <a:t>Results Of teacher3</a:t>
+            </a:r>
+            <a:br>
+              <a:rPr lang="en-US" dirty="0"/>
+            </a:br>
+            <a:r>
+              <a:rPr lang="en-US" dirty="0"/>
+              <a:t>on WIFI_localization dataset</a:t>
+            </a:r>
+            <a:endParaRPr lang="LID4096" dirty="0"/>
+          </a:p>
+        </p:txBody>
+      </p:sp>
+      <p:sp>
+        <p:nvSpPr>
+          <p:cNvPr id="3" name="Content Placeholder 2">
+            <a:extLst>
+              <a:ext uri="{FF2B5EF4-FFF2-40B4-BE49-F238E27FC236}">
+                <a16:creationId xmlns:a16="http://schemas.microsoft.com/office/drawing/2014/main" id="{CA70DECE-EC2B-78C3-FBE4-665A57726CC1}"/>
+              </a:ext>
+            </a:extLst>
+          </p:cNvPr>
+          <p:cNvSpPr>
+            <a:spLocks noGrp="1"/>
+          </p:cNvSpPr>
+          <p:nvPr>
+            <p:ph idx="1"/>
+          </p:nvPr>
+        </p:nvSpPr>
+        <p:spPr/>
+        <p:txBody>
+          <a:bodyPr/>
+          <a:lstStyle/>
+          <a:p>
+            <a:endParaRPr lang="LID4096" dirty="0"/>
+          </a:p>
+        </p:txBody>
+      </p:sp>
+    </p:spTree>
+    <p:extLst>
+      <p:ext uri="{BB962C8B-B14F-4D97-AF65-F5344CB8AC3E}">
+        <p14:creationId xmlns:p14="http://schemas.microsoft.com/office/powerpoint/2010/main" val="915443420"/>
+      </p:ext>
+    </p:extLst>
+  </p:cSld>
+  <p:clrMapOvr>
+    <a:masterClrMapping/>
+  </p:clrMapOvr>
+</p:sld>
+</file>
+
+<file path=ppt/slides/slide13.xml><?xml version="1.0" encoding="utf-8"?>
+<p:sld xmlns:a="http://schemas.openxmlformats.org/drawingml/2006/main" xmlns:r="http://schemas.openxmlformats.org/officeDocument/2006/relationships" xmlns:p="http://schemas.openxmlformats.org/presentationml/2006/main">
+  <p:cSld>
+    <p:spTree>
+      <p:nvGrpSpPr>
+        <p:cNvPr id="1" name=""/>
+        <p:cNvGrpSpPr/>
+        <p:nvPr/>
+      </p:nvGrpSpPr>
+      <p:grpSpPr>
+        <a:xfrm>
+          <a:off x="0" y="0"/>
+          <a:ext cx="0" cy="0"/>
+          <a:chOff x="0" y="0"/>
+          <a:chExt cx="0" cy="0"/>
+        </a:xfrm>
+      </p:grpSpPr>
+      <p:sp>
+        <p:nvSpPr>
+          <p:cNvPr id="2" name="Title 1">
+            <a:extLst>
+              <a:ext uri="{FF2B5EF4-FFF2-40B4-BE49-F238E27FC236}">
+                <a16:creationId xmlns:a16="http://schemas.microsoft.com/office/drawing/2014/main" id="{E06EC966-2BC4-D6E0-36C0-66086E80E9F6}"/>
+              </a:ext>
+            </a:extLst>
+          </p:cNvPr>
+          <p:cNvSpPr>
+            <a:spLocks noGrp="1"/>
+          </p:cNvSpPr>
+          <p:nvPr>
+            <p:ph type="title"/>
+          </p:nvPr>
+        </p:nvSpPr>
+        <p:spPr/>
+        <p:txBody>
+          <a:bodyPr/>
+          <a:lstStyle/>
+          <a:p>
+            <a:pPr algn="ctr"/>
+            <a:r>
+              <a:rPr lang="en-US" dirty="0"/>
+              <a:t>Results Of teacher4</a:t>
+            </a:r>
+            <a:br>
+              <a:rPr lang="en-US" dirty="0"/>
+            </a:br>
+            <a:r>
+              <a:rPr lang="en-US" dirty="0"/>
+              <a:t>on WIFI_localization dataset</a:t>
+            </a:r>
+            <a:endParaRPr lang="LID4096" dirty="0"/>
+          </a:p>
+        </p:txBody>
+      </p:sp>
+      <p:sp>
+        <p:nvSpPr>
+          <p:cNvPr id="3" name="Content Placeholder 2">
+            <a:extLst>
+              <a:ext uri="{FF2B5EF4-FFF2-40B4-BE49-F238E27FC236}">
+                <a16:creationId xmlns:a16="http://schemas.microsoft.com/office/drawing/2014/main" id="{CA70DECE-EC2B-78C3-FBE4-665A57726CC1}"/>
+              </a:ext>
+            </a:extLst>
+          </p:cNvPr>
+          <p:cNvSpPr>
+            <a:spLocks noGrp="1"/>
+          </p:cNvSpPr>
+          <p:nvPr>
+            <p:ph idx="1"/>
+          </p:nvPr>
+        </p:nvSpPr>
+        <p:spPr/>
+        <p:txBody>
+          <a:bodyPr/>
+          <a:lstStyle/>
+          <a:p>
+            <a:endParaRPr lang="LID4096" dirty="0"/>
+          </a:p>
+        </p:txBody>
+      </p:sp>
+    </p:spTree>
+    <p:extLst>
+      <p:ext uri="{BB962C8B-B14F-4D97-AF65-F5344CB8AC3E}">
+        <p14:creationId xmlns:p14="http://schemas.microsoft.com/office/powerpoint/2010/main" val="4364419"/>
+      </p:ext>
+    </p:extLst>
+  </p:cSld>
+  <p:clrMapOvr>
+    <a:masterClrMapping/>
+  </p:clrMapOvr>
+</p:sld>
+</file>
+
+<file path=ppt/slides/slide14.xml><?xml version="1.0" encoding="utf-8"?>
+<p:sld xmlns:a="http://schemas.openxmlformats.org/drawingml/2006/main" xmlns:r="http://schemas.openxmlformats.org/officeDocument/2006/relationships" xmlns:p="http://schemas.openxmlformats.org/presentationml/2006/main">
+  <p:cSld>
+    <p:spTree>
+      <p:nvGrpSpPr>
+        <p:cNvPr id="1" name=""/>
+        <p:cNvGrpSpPr/>
+        <p:nvPr/>
+      </p:nvGrpSpPr>
+      <p:grpSpPr>
+        <a:xfrm>
+          <a:off x="0" y="0"/>
+          <a:ext cx="0" cy="0"/>
+          <a:chOff x="0" y="0"/>
+          <a:chExt cx="0" cy="0"/>
+        </a:xfrm>
+      </p:grpSpPr>
+      <p:sp>
+        <p:nvSpPr>
+          <p:cNvPr id="2" name="Title 1">
+            <a:extLst>
+              <a:ext uri="{FF2B5EF4-FFF2-40B4-BE49-F238E27FC236}">
+                <a16:creationId xmlns:a16="http://schemas.microsoft.com/office/drawing/2014/main" id="{E06EC966-2BC4-D6E0-36C0-66086E80E9F6}"/>
+              </a:ext>
+            </a:extLst>
+          </p:cNvPr>
+          <p:cNvSpPr>
+            <a:spLocks noGrp="1"/>
+          </p:cNvSpPr>
+          <p:nvPr>
+            <p:ph type="title"/>
+          </p:nvPr>
+        </p:nvSpPr>
+        <p:spPr/>
+        <p:txBody>
+          <a:bodyPr>
+            <a:normAutofit fontScale="90000"/>
+          </a:bodyPr>
+          <a:lstStyle/>
+          <a:p>
+            <a:pPr algn="ctr"/>
+            <a:r>
+              <a:rPr lang="en-US" dirty="0"/>
+              <a:t>Average Results Of All teachers</a:t>
+            </a:r>
+            <a:br>
+              <a:rPr lang="en-US" dirty="0"/>
+            </a:br>
+            <a:r>
+              <a:rPr lang="en-US" dirty="0"/>
+              <a:t>on WIFI_localization dataset</a:t>
+            </a:r>
+            <a:endParaRPr lang="LID4096" dirty="0"/>
+          </a:p>
+        </p:txBody>
+      </p:sp>
+      <p:sp>
+        <p:nvSpPr>
+          <p:cNvPr id="3" name="Content Placeholder 2">
+            <a:extLst>
+              <a:ext uri="{FF2B5EF4-FFF2-40B4-BE49-F238E27FC236}">
+                <a16:creationId xmlns:a16="http://schemas.microsoft.com/office/drawing/2014/main" id="{CA70DECE-EC2B-78C3-FBE4-665A57726CC1}"/>
+              </a:ext>
+            </a:extLst>
+          </p:cNvPr>
+          <p:cNvSpPr>
+            <a:spLocks noGrp="1"/>
+          </p:cNvSpPr>
+          <p:nvPr>
+            <p:ph idx="1"/>
+          </p:nvPr>
+        </p:nvSpPr>
+        <p:spPr/>
+        <p:txBody>
+          <a:bodyPr/>
+          <a:lstStyle/>
+          <a:p>
+            <a:endParaRPr lang="LID4096" dirty="0"/>
+          </a:p>
+        </p:txBody>
+      </p:sp>
+    </p:spTree>
+    <p:extLst>
+      <p:ext uri="{BB962C8B-B14F-4D97-AF65-F5344CB8AC3E}">
+        <p14:creationId xmlns:p14="http://schemas.microsoft.com/office/powerpoint/2010/main" val="3268215302"/>
+      </p:ext>
+    </p:extLst>
+  </p:cSld>
+  <p:clrMapOvr>
+    <a:masterClrMapping/>
+  </p:clrMapOvr>
+</p:sld>
+</file>
+
+<file path=ppt/slides/slide15.xml><?xml version="1.0" encoding="utf-8"?>
+<p:sld xmlns:a="http://schemas.openxmlformats.org/drawingml/2006/main" xmlns:r="http://schemas.openxmlformats.org/officeDocument/2006/relationships" xmlns:p="http://schemas.openxmlformats.org/presentationml/2006/main">
+  <p:cSld>
+    <p:spTree>
+      <p:nvGrpSpPr>
+        <p:cNvPr id="1" name=""/>
+        <p:cNvGrpSpPr/>
+        <p:nvPr/>
+      </p:nvGrpSpPr>
+      <p:grpSpPr>
+        <a:xfrm>
+          <a:off x="0" y="0"/>
+          <a:ext cx="0" cy="0"/>
+          <a:chOff x="0" y="0"/>
+          <a:chExt cx="0" cy="0"/>
+        </a:xfrm>
+      </p:grpSpPr>
+      <p:sp>
+        <p:nvSpPr>
+          <p:cNvPr id="2" name="Title 1">
+            <a:extLst>
+              <a:ext uri="{FF2B5EF4-FFF2-40B4-BE49-F238E27FC236}">
+                <a16:creationId xmlns:a16="http://schemas.microsoft.com/office/drawing/2014/main" id="{D6DE0B5C-5265-478D-7095-3B59B58FA3DE}"/>
+              </a:ext>
+            </a:extLst>
+          </p:cNvPr>
+          <p:cNvSpPr>
+            <a:spLocks noGrp="1"/>
+          </p:cNvSpPr>
+          <p:nvPr>
+            <p:ph type="title"/>
+          </p:nvPr>
+        </p:nvSpPr>
+        <p:spPr/>
+        <p:txBody>
+          <a:bodyPr/>
+          <a:lstStyle/>
+          <a:p>
+            <a:pPr algn="ctr"/>
+            <a:r>
+              <a:rPr lang="en-US" dirty="0"/>
+              <a:t>conclusion</a:t>
+            </a:r>
+            <a:endParaRPr lang="LID4096" dirty="0"/>
+          </a:p>
+        </p:txBody>
+      </p:sp>
+      <p:sp>
+        <p:nvSpPr>
+          <p:cNvPr id="3" name="Content Placeholder 2">
+            <a:extLst>
+              <a:ext uri="{FF2B5EF4-FFF2-40B4-BE49-F238E27FC236}">
+                <a16:creationId xmlns:a16="http://schemas.microsoft.com/office/drawing/2014/main" id="{BD1FB012-CD74-62C7-1602-31E71412F279}"/>
+              </a:ext>
+            </a:extLst>
+          </p:cNvPr>
+          <p:cNvSpPr>
+            <a:spLocks noGrp="1"/>
+          </p:cNvSpPr>
+          <p:nvPr>
+            <p:ph idx="1"/>
+          </p:nvPr>
+        </p:nvSpPr>
+        <p:spPr/>
+        <p:txBody>
+          <a:bodyPr/>
+          <a:lstStyle/>
+          <a:p>
+            <a:endParaRPr lang="LID4096"/>
+          </a:p>
+        </p:txBody>
+      </p:sp>
+    </p:spTree>
+    <p:extLst>
+      <p:ext uri="{BB962C8B-B14F-4D97-AF65-F5344CB8AC3E}">
+        <p14:creationId xmlns:p14="http://schemas.microsoft.com/office/powerpoint/2010/main" val="586585148"/>
       </p:ext>
     </p:extLst>
   </p:cSld>
@@ -5916,49 +6676,1150 @@
             <p:ph type="title"/>
           </p:nvPr>
         </p:nvSpPr>
-        <p:spPr/>
-        <p:txBody>
-          <a:bodyPr/>
+        <p:spPr>
+          <a:xfrm>
+            <a:off x="2895600" y="764373"/>
+            <a:ext cx="7546410" cy="1190656"/>
+          </a:xfrm>
+        </p:spPr>
+        <p:txBody>
+          <a:bodyPr>
+            <a:normAutofit/>
+          </a:bodyPr>
           <a:lstStyle/>
           <a:p>
             <a:pPr algn="ctr"/>
             <a:r>
-              <a:rPr lang="en-US" dirty="0"/>
+              <a:rPr lang="en-US" sz="3600" dirty="0"/>
               <a:t>Overview</a:t>
             </a:r>
-            <a:endParaRPr lang="LID4096" dirty="0"/>
-          </a:p>
-        </p:txBody>
-      </p:sp>
-      <p:sp>
-        <p:nvSpPr>
-          <p:cNvPr id="3" name="Content Placeholder 2">
+            <a:endParaRPr lang="LID4096" sz="3600" dirty="0"/>
+          </a:p>
+        </p:txBody>
+      </p:sp>
+      <p:sp>
+        <p:nvSpPr>
+          <p:cNvPr id="12" name="Rectangle: Rounded Corners 11">
             <a:extLst>
               <a:ext uri="{FF2B5EF4-FFF2-40B4-BE49-F238E27FC236}">
-                <a16:creationId xmlns:a16="http://schemas.microsoft.com/office/drawing/2014/main" id="{0D995552-E2F6-9117-3985-E46F3B4CDB2C}"/>
+                <a16:creationId xmlns:a16="http://schemas.microsoft.com/office/drawing/2014/main" id="{6A3B29D8-8B48-B38C-273C-E419F86BFD61}"/>
               </a:ext>
             </a:extLst>
           </p:cNvPr>
-          <p:cNvSpPr>
-            <a:spLocks noGrp="1"/>
-          </p:cNvSpPr>
-          <p:nvPr>
-            <p:ph idx="1"/>
-          </p:nvPr>
-        </p:nvSpPr>
-        <p:spPr/>
-        <p:txBody>
-          <a:bodyPr/>
-          <a:lstStyle/>
-          <a:p>
-            <a:endParaRPr lang="LID4096" dirty="0"/>
+          <p:cNvSpPr/>
+          <p:nvPr/>
+        </p:nvSpPr>
+        <p:spPr>
+          <a:xfrm>
+            <a:off x="5647464" y="2036189"/>
+            <a:ext cx="1981722" cy="782810"/>
+          </a:xfrm>
+          <a:prstGeom prst="roundRect">
+            <a:avLst/>
+          </a:prstGeom>
+          <a:solidFill>
+            <a:schemeClr val="accent6">
+              <a:lumMod val="40000"/>
+              <a:lumOff val="60000"/>
+            </a:schemeClr>
+          </a:solidFill>
+          <a:ln>
+            <a:noFill/>
+          </a:ln>
+        </p:spPr>
+        <p:style>
+          <a:lnRef idx="2">
+            <a:schemeClr val="accent1">
+              <a:shade val="15000"/>
+            </a:schemeClr>
+          </a:lnRef>
+          <a:fillRef idx="1">
+            <a:schemeClr val="accent1"/>
+          </a:fillRef>
+          <a:effectRef idx="0">
+            <a:schemeClr val="accent1"/>
+          </a:effectRef>
+          <a:fontRef idx="minor">
+            <a:schemeClr val="lt1"/>
+          </a:fontRef>
+        </p:style>
+        <p:txBody>
+          <a:bodyPr rtlCol="0" anchor="ctr" anchorCtr="0"/>
+          <a:lstStyle/>
+          <a:p>
+            <a:pPr algn="ctr"/>
+            <a:endParaRPr lang="en-US" sz="1600" b="1" dirty="0">
+              <a:solidFill>
+                <a:schemeClr val="tx1"/>
+              </a:solidFill>
+            </a:endParaRPr>
+          </a:p>
+          <a:p>
+            <a:pPr algn="ctr"/>
+            <a:r>
+              <a:rPr lang="en-US" sz="1600" b="1" dirty="0" err="1">
+                <a:solidFill>
+                  <a:schemeClr val="tx1"/>
+                </a:solidFill>
+              </a:rPr>
+              <a:t>FeedbackModel</a:t>
+            </a:r>
+            <a:endParaRPr lang="en-US" sz="1100" dirty="0">
+              <a:solidFill>
+                <a:schemeClr val="tx1"/>
+              </a:solidFill>
+            </a:endParaRPr>
+          </a:p>
+          <a:p>
+            <a:pPr marL="171450" indent="-171450">
+              <a:lnSpc>
+                <a:spcPct val="150000"/>
+              </a:lnSpc>
+              <a:buFont typeface="Arial" panose="020B0604020202020204" pitchFamily="34" charset="0"/>
+              <a:buChar char="•"/>
+            </a:pPr>
+            <a:endParaRPr lang="LID4096" sz="1100" dirty="0">
+              <a:solidFill>
+                <a:schemeClr val="tx1"/>
+              </a:solidFill>
+            </a:endParaRPr>
+          </a:p>
+        </p:txBody>
+      </p:sp>
+      <p:sp>
+        <p:nvSpPr>
+          <p:cNvPr id="3" name="Rectangle: Rounded Corners 2">
+            <a:extLst>
+              <a:ext uri="{FF2B5EF4-FFF2-40B4-BE49-F238E27FC236}">
+                <a16:creationId xmlns:a16="http://schemas.microsoft.com/office/drawing/2014/main" id="{C39147FA-B8B9-ED4B-379C-A376336657AE}"/>
+              </a:ext>
+            </a:extLst>
+          </p:cNvPr>
+          <p:cNvSpPr/>
+          <p:nvPr/>
+        </p:nvSpPr>
+        <p:spPr>
+          <a:xfrm>
+            <a:off x="3269224" y="3139085"/>
+            <a:ext cx="1981722" cy="715788"/>
+          </a:xfrm>
+          <a:prstGeom prst="roundRect">
+            <a:avLst/>
+          </a:prstGeom>
+          <a:solidFill>
+            <a:schemeClr val="accent6">
+              <a:lumMod val="20000"/>
+              <a:lumOff val="80000"/>
+            </a:schemeClr>
+          </a:solidFill>
+          <a:ln>
+            <a:noFill/>
+          </a:ln>
+        </p:spPr>
+        <p:style>
+          <a:lnRef idx="2">
+            <a:schemeClr val="accent1">
+              <a:shade val="15000"/>
+            </a:schemeClr>
+          </a:lnRef>
+          <a:fillRef idx="1">
+            <a:schemeClr val="accent1"/>
+          </a:fillRef>
+          <a:effectRef idx="0">
+            <a:schemeClr val="accent1"/>
+          </a:effectRef>
+          <a:fontRef idx="minor">
+            <a:schemeClr val="lt1"/>
+          </a:fontRef>
+        </p:style>
+        <p:txBody>
+          <a:bodyPr rtlCol="0" anchor="ctr" anchorCtr="0"/>
+          <a:lstStyle/>
+          <a:p>
+            <a:pPr algn="ctr"/>
+            <a:endParaRPr lang="en-US" sz="1600" b="1" dirty="0">
+              <a:solidFill>
+                <a:schemeClr val="tx1"/>
+              </a:solidFill>
+            </a:endParaRPr>
+          </a:p>
+          <a:p>
+            <a:pPr algn="ctr"/>
+            <a:r>
+              <a:rPr lang="en-US" sz="1600" b="1" dirty="0">
+                <a:solidFill>
+                  <a:schemeClr val="tx1"/>
+                </a:solidFill>
+              </a:rPr>
+              <a:t>Teacher </a:t>
+            </a:r>
+            <a:r>
+              <a:rPr lang="en-US" sz="1600" dirty="0">
+                <a:solidFill>
+                  <a:schemeClr val="tx1"/>
+                </a:solidFill>
+              </a:rPr>
+              <a:t>(abstract)</a:t>
+            </a:r>
+            <a:endParaRPr lang="en-US" sz="1100" dirty="0">
+              <a:solidFill>
+                <a:schemeClr val="tx1"/>
+              </a:solidFill>
+            </a:endParaRPr>
+          </a:p>
+          <a:p>
+            <a:pPr marL="171450" indent="-171450">
+              <a:lnSpc>
+                <a:spcPct val="150000"/>
+              </a:lnSpc>
+              <a:buFont typeface="Arial" panose="020B0604020202020204" pitchFamily="34" charset="0"/>
+              <a:buChar char="•"/>
+            </a:pPr>
+            <a:endParaRPr lang="LID4096" sz="1100" dirty="0">
+              <a:solidFill>
+                <a:schemeClr val="tx1"/>
+              </a:solidFill>
+            </a:endParaRPr>
+          </a:p>
+        </p:txBody>
+      </p:sp>
+      <p:sp>
+        <p:nvSpPr>
+          <p:cNvPr id="4" name="Rectangle: Rounded Corners 3">
+            <a:extLst>
+              <a:ext uri="{FF2B5EF4-FFF2-40B4-BE49-F238E27FC236}">
+                <a16:creationId xmlns:a16="http://schemas.microsoft.com/office/drawing/2014/main" id="{BF4BD261-1A56-5031-5E94-6AB82EF8E8E7}"/>
+              </a:ext>
+            </a:extLst>
+          </p:cNvPr>
+          <p:cNvSpPr/>
+          <p:nvPr/>
+        </p:nvSpPr>
+        <p:spPr>
+          <a:xfrm>
+            <a:off x="8201720" y="3152404"/>
+            <a:ext cx="1981722" cy="782810"/>
+          </a:xfrm>
+          <a:prstGeom prst="roundRect">
+            <a:avLst/>
+          </a:prstGeom>
+          <a:solidFill>
+            <a:schemeClr val="accent6">
+              <a:lumMod val="40000"/>
+              <a:lumOff val="60000"/>
+            </a:schemeClr>
+          </a:solidFill>
+          <a:ln>
+            <a:noFill/>
+          </a:ln>
+        </p:spPr>
+        <p:style>
+          <a:lnRef idx="2">
+            <a:schemeClr val="accent1">
+              <a:shade val="15000"/>
+            </a:schemeClr>
+          </a:lnRef>
+          <a:fillRef idx="1">
+            <a:schemeClr val="accent1"/>
+          </a:fillRef>
+          <a:effectRef idx="0">
+            <a:schemeClr val="accent1"/>
+          </a:effectRef>
+          <a:fontRef idx="minor">
+            <a:schemeClr val="lt1"/>
+          </a:fontRef>
+        </p:style>
+        <p:txBody>
+          <a:bodyPr rtlCol="0" anchor="ctr" anchorCtr="0"/>
+          <a:lstStyle/>
+          <a:p>
+            <a:pPr algn="ctr"/>
+            <a:endParaRPr lang="en-US" sz="1600" b="1" dirty="0">
+              <a:solidFill>
+                <a:schemeClr val="tx1"/>
+              </a:solidFill>
+            </a:endParaRPr>
+          </a:p>
+          <a:p>
+            <a:pPr algn="ctr"/>
+            <a:r>
+              <a:rPr lang="en-US" sz="1600" b="1" dirty="0">
+                <a:solidFill>
+                  <a:schemeClr val="tx1"/>
+                </a:solidFill>
+              </a:rPr>
+              <a:t>Law</a:t>
+            </a:r>
+            <a:endParaRPr lang="en-US" sz="1100" dirty="0">
+              <a:solidFill>
+                <a:schemeClr val="tx1"/>
+              </a:solidFill>
+            </a:endParaRPr>
+          </a:p>
+          <a:p>
+            <a:pPr marL="171450" indent="-171450">
+              <a:lnSpc>
+                <a:spcPct val="150000"/>
+              </a:lnSpc>
+              <a:buFont typeface="Arial" panose="020B0604020202020204" pitchFamily="34" charset="0"/>
+              <a:buChar char="•"/>
+            </a:pPr>
+            <a:endParaRPr lang="LID4096" sz="1100" dirty="0">
+              <a:solidFill>
+                <a:schemeClr val="tx1"/>
+              </a:solidFill>
+            </a:endParaRPr>
+          </a:p>
+        </p:txBody>
+      </p:sp>
+      <p:sp>
+        <p:nvSpPr>
+          <p:cNvPr id="5" name="Rectangle: Rounded Corners 4">
+            <a:extLst>
+              <a:ext uri="{FF2B5EF4-FFF2-40B4-BE49-F238E27FC236}">
+                <a16:creationId xmlns:a16="http://schemas.microsoft.com/office/drawing/2014/main" id="{70EFD248-CF1B-618E-EDFE-71DDD7EE788C}"/>
+              </a:ext>
+            </a:extLst>
+          </p:cNvPr>
+          <p:cNvSpPr/>
+          <p:nvPr/>
+        </p:nvSpPr>
+        <p:spPr>
+          <a:xfrm>
+            <a:off x="5477615" y="4152924"/>
+            <a:ext cx="1527545" cy="715788"/>
+          </a:xfrm>
+          <a:prstGeom prst="roundRect">
+            <a:avLst/>
+          </a:prstGeom>
+          <a:solidFill>
+            <a:schemeClr val="accent6">
+              <a:lumMod val="40000"/>
+              <a:lumOff val="60000"/>
+            </a:schemeClr>
+          </a:solidFill>
+          <a:ln>
+            <a:noFill/>
+          </a:ln>
+        </p:spPr>
+        <p:style>
+          <a:lnRef idx="2">
+            <a:schemeClr val="accent1">
+              <a:shade val="15000"/>
+            </a:schemeClr>
+          </a:lnRef>
+          <a:fillRef idx="1">
+            <a:schemeClr val="accent1"/>
+          </a:fillRef>
+          <a:effectRef idx="0">
+            <a:schemeClr val="accent1"/>
+          </a:effectRef>
+          <a:fontRef idx="minor">
+            <a:schemeClr val="lt1"/>
+          </a:fontRef>
+        </p:style>
+        <p:txBody>
+          <a:bodyPr rtlCol="0" anchor="ctr" anchorCtr="0"/>
+          <a:lstStyle/>
+          <a:p>
+            <a:pPr algn="ctr"/>
+            <a:endParaRPr lang="en-US" sz="1600" b="1" dirty="0">
+              <a:solidFill>
+                <a:schemeClr val="tx1"/>
+              </a:solidFill>
+            </a:endParaRPr>
+          </a:p>
+          <a:p>
+            <a:pPr algn="ctr"/>
+            <a:r>
+              <a:rPr lang="en-US" sz="1600" b="1" dirty="0">
+                <a:solidFill>
+                  <a:schemeClr val="tx1"/>
+                </a:solidFill>
+              </a:rPr>
+              <a:t>Teacher4</a:t>
+            </a:r>
+            <a:endParaRPr lang="en-US" sz="1100" dirty="0">
+              <a:solidFill>
+                <a:schemeClr val="tx1"/>
+              </a:solidFill>
+            </a:endParaRPr>
+          </a:p>
+          <a:p>
+            <a:pPr marL="171450" indent="-171450">
+              <a:lnSpc>
+                <a:spcPct val="150000"/>
+              </a:lnSpc>
+              <a:buFont typeface="Arial" panose="020B0604020202020204" pitchFamily="34" charset="0"/>
+              <a:buChar char="•"/>
+            </a:pPr>
+            <a:endParaRPr lang="LID4096" sz="1100" dirty="0">
+              <a:solidFill>
+                <a:schemeClr val="tx1"/>
+              </a:solidFill>
+            </a:endParaRPr>
+          </a:p>
+        </p:txBody>
+      </p:sp>
+      <p:sp>
+        <p:nvSpPr>
+          <p:cNvPr id="7" name="Rectangle: Rounded Corners 6">
+            <a:extLst>
+              <a:ext uri="{FF2B5EF4-FFF2-40B4-BE49-F238E27FC236}">
+                <a16:creationId xmlns:a16="http://schemas.microsoft.com/office/drawing/2014/main" id="{CD64E31B-A066-ABDB-0E2E-092AA1040E17}"/>
+              </a:ext>
+            </a:extLst>
+          </p:cNvPr>
+          <p:cNvSpPr/>
+          <p:nvPr/>
+        </p:nvSpPr>
+        <p:spPr>
+          <a:xfrm>
+            <a:off x="4832016" y="5168478"/>
+            <a:ext cx="1527545" cy="715788"/>
+          </a:xfrm>
+          <a:prstGeom prst="roundRect">
+            <a:avLst/>
+          </a:prstGeom>
+          <a:solidFill>
+            <a:schemeClr val="accent6">
+              <a:lumMod val="40000"/>
+              <a:lumOff val="60000"/>
+            </a:schemeClr>
+          </a:solidFill>
+          <a:ln>
+            <a:noFill/>
+          </a:ln>
+        </p:spPr>
+        <p:style>
+          <a:lnRef idx="2">
+            <a:schemeClr val="accent1">
+              <a:shade val="15000"/>
+            </a:schemeClr>
+          </a:lnRef>
+          <a:fillRef idx="1">
+            <a:schemeClr val="accent1"/>
+          </a:fillRef>
+          <a:effectRef idx="0">
+            <a:schemeClr val="accent1"/>
+          </a:effectRef>
+          <a:fontRef idx="minor">
+            <a:schemeClr val="lt1"/>
+          </a:fontRef>
+        </p:style>
+        <p:txBody>
+          <a:bodyPr rtlCol="0" anchor="ctr" anchorCtr="0"/>
+          <a:lstStyle/>
+          <a:p>
+            <a:pPr algn="ctr"/>
+            <a:endParaRPr lang="en-US" sz="1600" b="1" dirty="0">
+              <a:solidFill>
+                <a:schemeClr val="tx1"/>
+              </a:solidFill>
+            </a:endParaRPr>
+          </a:p>
+          <a:p>
+            <a:pPr algn="ctr"/>
+            <a:r>
+              <a:rPr lang="en-US" sz="1600" b="1" dirty="0">
+                <a:solidFill>
+                  <a:schemeClr val="tx1"/>
+                </a:solidFill>
+              </a:rPr>
+              <a:t>Teacher3</a:t>
+            </a:r>
+            <a:endParaRPr lang="en-US" sz="1100" dirty="0">
+              <a:solidFill>
+                <a:schemeClr val="tx1"/>
+              </a:solidFill>
+            </a:endParaRPr>
+          </a:p>
+          <a:p>
+            <a:pPr marL="171450" indent="-171450">
+              <a:lnSpc>
+                <a:spcPct val="150000"/>
+              </a:lnSpc>
+              <a:buFont typeface="Arial" panose="020B0604020202020204" pitchFamily="34" charset="0"/>
+              <a:buChar char="•"/>
+            </a:pPr>
+            <a:endParaRPr lang="LID4096" sz="1100" dirty="0">
+              <a:solidFill>
+                <a:schemeClr val="tx1"/>
+              </a:solidFill>
+            </a:endParaRPr>
+          </a:p>
+        </p:txBody>
+      </p:sp>
+      <p:sp>
+        <p:nvSpPr>
+          <p:cNvPr id="8" name="Rectangle: Rounded Corners 7">
+            <a:extLst>
+              <a:ext uri="{FF2B5EF4-FFF2-40B4-BE49-F238E27FC236}">
+                <a16:creationId xmlns:a16="http://schemas.microsoft.com/office/drawing/2014/main" id="{9D6B62D7-BF75-273D-EE27-028E9EAC912D}"/>
+              </a:ext>
+            </a:extLst>
+          </p:cNvPr>
+          <p:cNvSpPr/>
+          <p:nvPr/>
+        </p:nvSpPr>
+        <p:spPr>
+          <a:xfrm>
+            <a:off x="2274081" y="5166762"/>
+            <a:ext cx="1527545" cy="715788"/>
+          </a:xfrm>
+          <a:prstGeom prst="roundRect">
+            <a:avLst/>
+          </a:prstGeom>
+          <a:solidFill>
+            <a:schemeClr val="accent6">
+              <a:lumMod val="40000"/>
+              <a:lumOff val="60000"/>
+            </a:schemeClr>
+          </a:solidFill>
+          <a:ln>
+            <a:noFill/>
+          </a:ln>
+        </p:spPr>
+        <p:style>
+          <a:lnRef idx="2">
+            <a:schemeClr val="accent1">
+              <a:shade val="15000"/>
+            </a:schemeClr>
+          </a:lnRef>
+          <a:fillRef idx="1">
+            <a:schemeClr val="accent1"/>
+          </a:fillRef>
+          <a:effectRef idx="0">
+            <a:schemeClr val="accent1"/>
+          </a:effectRef>
+          <a:fontRef idx="minor">
+            <a:schemeClr val="lt1"/>
+          </a:fontRef>
+        </p:style>
+        <p:txBody>
+          <a:bodyPr rtlCol="0" anchor="ctr" anchorCtr="0"/>
+          <a:lstStyle/>
+          <a:p>
+            <a:pPr algn="ctr"/>
+            <a:endParaRPr lang="en-US" sz="1600" b="1" dirty="0">
+              <a:solidFill>
+                <a:schemeClr val="tx1"/>
+              </a:solidFill>
+            </a:endParaRPr>
+          </a:p>
+          <a:p>
+            <a:pPr algn="ctr"/>
+            <a:r>
+              <a:rPr lang="en-US" sz="1600" b="1" dirty="0">
+                <a:solidFill>
+                  <a:schemeClr val="tx1"/>
+                </a:solidFill>
+              </a:rPr>
+              <a:t>Teacher2</a:t>
+            </a:r>
+            <a:endParaRPr lang="en-US" sz="1100" dirty="0">
+              <a:solidFill>
+                <a:schemeClr val="tx1"/>
+              </a:solidFill>
+            </a:endParaRPr>
+          </a:p>
+          <a:p>
+            <a:pPr marL="171450" indent="-171450">
+              <a:lnSpc>
+                <a:spcPct val="150000"/>
+              </a:lnSpc>
+              <a:buFont typeface="Arial" panose="020B0604020202020204" pitchFamily="34" charset="0"/>
+              <a:buChar char="•"/>
+            </a:pPr>
+            <a:endParaRPr lang="LID4096" sz="1100" dirty="0">
+              <a:solidFill>
+                <a:schemeClr val="tx1"/>
+              </a:solidFill>
+            </a:endParaRPr>
+          </a:p>
+        </p:txBody>
+      </p:sp>
+      <p:sp>
+        <p:nvSpPr>
+          <p:cNvPr id="9" name="Rectangle: Rounded Corners 8">
+            <a:extLst>
+              <a:ext uri="{FF2B5EF4-FFF2-40B4-BE49-F238E27FC236}">
+                <a16:creationId xmlns:a16="http://schemas.microsoft.com/office/drawing/2014/main" id="{DDA599C8-A515-25A9-9216-9668069BBE8F}"/>
+              </a:ext>
+            </a:extLst>
+          </p:cNvPr>
+          <p:cNvSpPr/>
+          <p:nvPr/>
+        </p:nvSpPr>
+        <p:spPr>
+          <a:xfrm>
+            <a:off x="1583637" y="4156498"/>
+            <a:ext cx="1527545" cy="715788"/>
+          </a:xfrm>
+          <a:prstGeom prst="roundRect">
+            <a:avLst/>
+          </a:prstGeom>
+          <a:solidFill>
+            <a:schemeClr val="accent6">
+              <a:lumMod val="40000"/>
+              <a:lumOff val="60000"/>
+            </a:schemeClr>
+          </a:solidFill>
+          <a:ln>
+            <a:noFill/>
+          </a:ln>
+        </p:spPr>
+        <p:style>
+          <a:lnRef idx="2">
+            <a:schemeClr val="accent1">
+              <a:shade val="15000"/>
+            </a:schemeClr>
+          </a:lnRef>
+          <a:fillRef idx="1">
+            <a:schemeClr val="accent1"/>
+          </a:fillRef>
+          <a:effectRef idx="0">
+            <a:schemeClr val="accent1"/>
+          </a:effectRef>
+          <a:fontRef idx="minor">
+            <a:schemeClr val="lt1"/>
+          </a:fontRef>
+        </p:style>
+        <p:txBody>
+          <a:bodyPr rtlCol="0" anchor="ctr" anchorCtr="0"/>
+          <a:lstStyle/>
+          <a:p>
+            <a:pPr algn="ctr"/>
+            <a:endParaRPr lang="en-US" sz="1600" b="1" dirty="0">
+              <a:solidFill>
+                <a:schemeClr val="tx1"/>
+              </a:solidFill>
+            </a:endParaRPr>
+          </a:p>
+          <a:p>
+            <a:pPr algn="ctr"/>
+            <a:r>
+              <a:rPr lang="en-US" sz="1600" b="1" dirty="0">
+                <a:solidFill>
+                  <a:schemeClr val="tx1"/>
+                </a:solidFill>
+              </a:rPr>
+              <a:t>Teacher1</a:t>
+            </a:r>
+            <a:endParaRPr lang="en-US" sz="1100" dirty="0">
+              <a:solidFill>
+                <a:schemeClr val="tx1"/>
+              </a:solidFill>
+            </a:endParaRPr>
+          </a:p>
+          <a:p>
+            <a:pPr marL="171450" indent="-171450">
+              <a:lnSpc>
+                <a:spcPct val="150000"/>
+              </a:lnSpc>
+              <a:buFont typeface="Arial" panose="020B0604020202020204" pitchFamily="34" charset="0"/>
+              <a:buChar char="•"/>
+            </a:pPr>
+            <a:endParaRPr lang="LID4096" sz="1100" dirty="0">
+              <a:solidFill>
+                <a:schemeClr val="tx1"/>
+              </a:solidFill>
+            </a:endParaRPr>
+          </a:p>
+        </p:txBody>
+      </p:sp>
+      <p:cxnSp>
+        <p:nvCxnSpPr>
+          <p:cNvPr id="11" name="Straight Arrow Connector 10">
+            <a:extLst>
+              <a:ext uri="{FF2B5EF4-FFF2-40B4-BE49-F238E27FC236}">
+                <a16:creationId xmlns:a16="http://schemas.microsoft.com/office/drawing/2014/main" id="{B87033F3-650B-38D7-CB4F-CFEC87527BA4}"/>
+              </a:ext>
+            </a:extLst>
+          </p:cNvPr>
+          <p:cNvCxnSpPr>
+            <a:stCxn id="4" idx="0"/>
+            <a:endCxn id="12" idx="3"/>
+          </p:cNvCxnSpPr>
+          <p:nvPr/>
+        </p:nvCxnSpPr>
+        <p:spPr>
+          <a:xfrm flipH="1" flipV="1">
+            <a:off x="7629186" y="2427594"/>
+            <a:ext cx="1563395" cy="724810"/>
+          </a:xfrm>
+          <a:prstGeom prst="straightConnector1">
+            <a:avLst/>
+          </a:prstGeom>
+          <a:ln>
+            <a:solidFill>
+              <a:schemeClr val="dk1"/>
+            </a:solidFill>
+            <a:tailEnd type="triangle"/>
+          </a:ln>
+        </p:spPr>
+        <p:style>
+          <a:lnRef idx="1">
+            <a:schemeClr val="dk1"/>
+          </a:lnRef>
+          <a:fillRef idx="0">
+            <a:schemeClr val="dk1"/>
+          </a:fillRef>
+          <a:effectRef idx="0">
+            <a:schemeClr val="dk1"/>
+          </a:effectRef>
+          <a:fontRef idx="minor">
+            <a:schemeClr val="tx1"/>
+          </a:fontRef>
+        </p:style>
+      </p:cxnSp>
+      <p:cxnSp>
+        <p:nvCxnSpPr>
+          <p:cNvPr id="15" name="Straight Arrow Connector 14">
+            <a:extLst>
+              <a:ext uri="{FF2B5EF4-FFF2-40B4-BE49-F238E27FC236}">
+                <a16:creationId xmlns:a16="http://schemas.microsoft.com/office/drawing/2014/main" id="{6568DB14-36E9-9D6C-5D68-E3432CE8B373}"/>
+              </a:ext>
+            </a:extLst>
+          </p:cNvPr>
+          <p:cNvCxnSpPr>
+            <a:stCxn id="3" idx="0"/>
+            <a:endCxn id="12" idx="1"/>
+          </p:cNvCxnSpPr>
+          <p:nvPr/>
+        </p:nvCxnSpPr>
+        <p:spPr>
+          <a:xfrm flipV="1">
+            <a:off x="4260085" y="2427594"/>
+            <a:ext cx="1387379" cy="711491"/>
+          </a:xfrm>
+          <a:prstGeom prst="straightConnector1">
+            <a:avLst/>
+          </a:prstGeom>
+          <a:ln>
+            <a:solidFill>
+              <a:schemeClr val="dk1"/>
+            </a:solidFill>
+            <a:tailEnd type="triangle"/>
+          </a:ln>
+        </p:spPr>
+        <p:style>
+          <a:lnRef idx="1">
+            <a:schemeClr val="dk1"/>
+          </a:lnRef>
+          <a:fillRef idx="0">
+            <a:schemeClr val="dk1"/>
+          </a:fillRef>
+          <a:effectRef idx="0">
+            <a:schemeClr val="dk1"/>
+          </a:effectRef>
+          <a:fontRef idx="minor">
+            <a:schemeClr val="tx1"/>
+          </a:fontRef>
+        </p:style>
+      </p:cxnSp>
+      <p:cxnSp>
+        <p:nvCxnSpPr>
+          <p:cNvPr id="18" name="Straight Arrow Connector 17">
+            <a:extLst>
+              <a:ext uri="{FF2B5EF4-FFF2-40B4-BE49-F238E27FC236}">
+                <a16:creationId xmlns:a16="http://schemas.microsoft.com/office/drawing/2014/main" id="{AB5B18E8-7CB2-ACBE-D9B1-54D9629C1DB8}"/>
+              </a:ext>
+            </a:extLst>
+          </p:cNvPr>
+          <p:cNvCxnSpPr>
+            <a:cxnSpLocks/>
+            <a:stCxn id="9" idx="0"/>
+            <a:endCxn id="3" idx="1"/>
+          </p:cNvCxnSpPr>
+          <p:nvPr/>
+        </p:nvCxnSpPr>
+        <p:spPr>
+          <a:xfrm flipV="1">
+            <a:off x="2347410" y="3496979"/>
+            <a:ext cx="921814" cy="659519"/>
+          </a:xfrm>
+          <a:prstGeom prst="straightConnector1">
+            <a:avLst/>
+          </a:prstGeom>
+          <a:ln>
+            <a:tailEnd type="triangle"/>
+          </a:ln>
+        </p:spPr>
+        <p:style>
+          <a:lnRef idx="1">
+            <a:schemeClr val="dk1"/>
+          </a:lnRef>
+          <a:fillRef idx="0">
+            <a:schemeClr val="dk1"/>
+          </a:fillRef>
+          <a:effectRef idx="0">
+            <a:schemeClr val="dk1"/>
+          </a:effectRef>
+          <a:fontRef idx="minor">
+            <a:schemeClr val="tx1"/>
+          </a:fontRef>
+        </p:style>
+      </p:cxnSp>
+      <p:cxnSp>
+        <p:nvCxnSpPr>
+          <p:cNvPr id="21" name="Straight Arrow Connector 20">
+            <a:extLst>
+              <a:ext uri="{FF2B5EF4-FFF2-40B4-BE49-F238E27FC236}">
+                <a16:creationId xmlns:a16="http://schemas.microsoft.com/office/drawing/2014/main" id="{88C42CD6-C7FF-42EE-948E-28C23D06399C}"/>
+              </a:ext>
+            </a:extLst>
+          </p:cNvPr>
+          <p:cNvCxnSpPr>
+            <a:cxnSpLocks/>
+            <a:stCxn id="8" idx="0"/>
+          </p:cNvCxnSpPr>
+          <p:nvPr/>
+        </p:nvCxnSpPr>
+        <p:spPr>
+          <a:xfrm flipV="1">
+            <a:off x="3037854" y="3850576"/>
+            <a:ext cx="657878" cy="1316186"/>
+          </a:xfrm>
+          <a:prstGeom prst="straightConnector1">
+            <a:avLst/>
+          </a:prstGeom>
+          <a:ln>
+            <a:tailEnd type="triangle"/>
+          </a:ln>
+        </p:spPr>
+        <p:style>
+          <a:lnRef idx="1">
+            <a:schemeClr val="dk1"/>
+          </a:lnRef>
+          <a:fillRef idx="0">
+            <a:schemeClr val="dk1"/>
+          </a:fillRef>
+          <a:effectRef idx="0">
+            <a:schemeClr val="dk1"/>
+          </a:effectRef>
+          <a:fontRef idx="minor">
+            <a:schemeClr val="tx1"/>
+          </a:fontRef>
+        </p:style>
+      </p:cxnSp>
+      <p:cxnSp>
+        <p:nvCxnSpPr>
+          <p:cNvPr id="45" name="Straight Arrow Connector 44">
+            <a:extLst>
+              <a:ext uri="{FF2B5EF4-FFF2-40B4-BE49-F238E27FC236}">
+                <a16:creationId xmlns:a16="http://schemas.microsoft.com/office/drawing/2014/main" id="{2B41A4FD-8ACB-ADBC-595E-5A07B6CF1B3D}"/>
+              </a:ext>
+            </a:extLst>
+          </p:cNvPr>
+          <p:cNvCxnSpPr>
+            <a:cxnSpLocks/>
+            <a:stCxn id="7" idx="0"/>
+          </p:cNvCxnSpPr>
+          <p:nvPr/>
+        </p:nvCxnSpPr>
+        <p:spPr>
+          <a:xfrm flipH="1" flipV="1">
+            <a:off x="4832016" y="3850576"/>
+            <a:ext cx="763773" cy="1317902"/>
+          </a:xfrm>
+          <a:prstGeom prst="straightConnector1">
+            <a:avLst/>
+          </a:prstGeom>
+          <a:ln>
+            <a:tailEnd type="triangle"/>
+          </a:ln>
+        </p:spPr>
+        <p:style>
+          <a:lnRef idx="1">
+            <a:schemeClr val="dk1"/>
+          </a:lnRef>
+          <a:fillRef idx="0">
+            <a:schemeClr val="dk1"/>
+          </a:fillRef>
+          <a:effectRef idx="0">
+            <a:schemeClr val="dk1"/>
+          </a:effectRef>
+          <a:fontRef idx="minor">
+            <a:schemeClr val="tx1"/>
+          </a:fontRef>
+        </p:style>
+      </p:cxnSp>
+      <p:cxnSp>
+        <p:nvCxnSpPr>
+          <p:cNvPr id="48" name="Straight Arrow Connector 47">
+            <a:extLst>
+              <a:ext uri="{FF2B5EF4-FFF2-40B4-BE49-F238E27FC236}">
+                <a16:creationId xmlns:a16="http://schemas.microsoft.com/office/drawing/2014/main" id="{68EE5BE7-8FDB-13CC-AF80-9602A1443C72}"/>
+              </a:ext>
+            </a:extLst>
+          </p:cNvPr>
+          <p:cNvCxnSpPr>
+            <a:cxnSpLocks/>
+            <a:stCxn id="5" idx="0"/>
+            <a:endCxn id="3" idx="3"/>
+          </p:cNvCxnSpPr>
+          <p:nvPr/>
+        </p:nvCxnSpPr>
+        <p:spPr>
+          <a:xfrm flipH="1" flipV="1">
+            <a:off x="5250946" y="3496979"/>
+            <a:ext cx="990442" cy="655945"/>
+          </a:xfrm>
+          <a:prstGeom prst="straightConnector1">
+            <a:avLst/>
+          </a:prstGeom>
+          <a:ln>
+            <a:tailEnd type="triangle"/>
+          </a:ln>
+        </p:spPr>
+        <p:style>
+          <a:lnRef idx="1">
+            <a:schemeClr val="dk1"/>
+          </a:lnRef>
+          <a:fillRef idx="0">
+            <a:schemeClr val="dk1"/>
+          </a:fillRef>
+          <a:effectRef idx="0">
+            <a:schemeClr val="dk1"/>
+          </a:effectRef>
+          <a:fontRef idx="minor">
+            <a:schemeClr val="tx1"/>
+          </a:fontRef>
+        </p:style>
+      </p:cxnSp>
+      <p:cxnSp>
+        <p:nvCxnSpPr>
+          <p:cNvPr id="51" name="Straight Arrow Connector 50">
+            <a:extLst>
+              <a:ext uri="{FF2B5EF4-FFF2-40B4-BE49-F238E27FC236}">
+                <a16:creationId xmlns:a16="http://schemas.microsoft.com/office/drawing/2014/main" id="{D60B287D-88AC-3DA3-713E-B0168F31979F}"/>
+              </a:ext>
+            </a:extLst>
+          </p:cNvPr>
+          <p:cNvCxnSpPr>
+            <a:cxnSpLocks/>
+            <a:stCxn id="8" idx="3"/>
+            <a:endCxn id="7" idx="1"/>
+          </p:cNvCxnSpPr>
+          <p:nvPr/>
+        </p:nvCxnSpPr>
+        <p:spPr>
+          <a:xfrm>
+            <a:off x="3801626" y="5524656"/>
+            <a:ext cx="1030390" cy="1716"/>
+          </a:xfrm>
+          <a:prstGeom prst="straightConnector1">
+            <a:avLst/>
+          </a:prstGeom>
+          <a:ln>
+            <a:tailEnd type="triangle"/>
+          </a:ln>
+        </p:spPr>
+        <p:style>
+          <a:lnRef idx="1">
+            <a:schemeClr val="dk1"/>
+          </a:lnRef>
+          <a:fillRef idx="0">
+            <a:schemeClr val="dk1"/>
+          </a:fillRef>
+          <a:effectRef idx="0">
+            <a:schemeClr val="dk1"/>
+          </a:effectRef>
+          <a:fontRef idx="minor">
+            <a:schemeClr val="tx1"/>
+          </a:fontRef>
+        </p:style>
+      </p:cxnSp>
+      <p:sp>
+        <p:nvSpPr>
+          <p:cNvPr id="62" name="TextBox 61">
+            <a:extLst>
+              <a:ext uri="{FF2B5EF4-FFF2-40B4-BE49-F238E27FC236}">
+                <a16:creationId xmlns:a16="http://schemas.microsoft.com/office/drawing/2014/main" id="{4BD4F7F1-EA1A-916A-CDF6-EED9F504BFD8}"/>
+              </a:ext>
+            </a:extLst>
+          </p:cNvPr>
+          <p:cNvSpPr txBox="1"/>
+          <p:nvPr/>
+        </p:nvSpPr>
+        <p:spPr>
+          <a:xfrm>
+            <a:off x="3478621" y="5227722"/>
+            <a:ext cx="1676400" cy="261610"/>
+          </a:xfrm>
+          <a:prstGeom prst="rect">
+            <a:avLst/>
+          </a:prstGeom>
+          <a:noFill/>
+        </p:spPr>
+        <p:txBody>
+          <a:bodyPr wrap="square" rtlCol="0">
+            <a:spAutoFit/>
+          </a:bodyPr>
+          <a:lstStyle/>
+          <a:p>
+            <a:pPr algn="ctr"/>
+            <a:r>
+              <a:rPr lang="en-US" sz="1100" b="1" dirty="0"/>
+              <a:t>teachers</a:t>
+            </a:r>
+            <a:endParaRPr lang="LID4096" sz="1100" b="1" dirty="0"/>
+          </a:p>
+        </p:txBody>
+      </p:sp>
+      <p:sp>
+        <p:nvSpPr>
+          <p:cNvPr id="63" name="TextBox 62">
+            <a:extLst>
+              <a:ext uri="{FF2B5EF4-FFF2-40B4-BE49-F238E27FC236}">
+                <a16:creationId xmlns:a16="http://schemas.microsoft.com/office/drawing/2014/main" id="{6E1C00A8-E7F3-C23E-160C-76E6E52EE309}"/>
+              </a:ext>
+            </a:extLst>
+          </p:cNvPr>
+          <p:cNvSpPr txBox="1"/>
+          <p:nvPr/>
+        </p:nvSpPr>
+        <p:spPr>
+          <a:xfrm>
+            <a:off x="3478621" y="5573656"/>
+            <a:ext cx="1676400" cy="261610"/>
+          </a:xfrm>
+          <a:prstGeom prst="rect">
+            <a:avLst/>
+          </a:prstGeom>
+          <a:noFill/>
+        </p:spPr>
+        <p:txBody>
+          <a:bodyPr wrap="square" rtlCol="0">
+            <a:spAutoFit/>
+          </a:bodyPr>
+          <a:lstStyle/>
+          <a:p>
+            <a:pPr algn="ctr"/>
+            <a:r>
+              <a:rPr lang="en-US" sz="1100" b="1" dirty="0"/>
+              <a:t>0…*</a:t>
+            </a:r>
+            <a:endParaRPr lang="LID4096" sz="1100" b="1" dirty="0"/>
+          </a:p>
+        </p:txBody>
+      </p:sp>
+      <p:sp>
+        <p:nvSpPr>
+          <p:cNvPr id="64" name="TextBox 63">
+            <a:extLst>
+              <a:ext uri="{FF2B5EF4-FFF2-40B4-BE49-F238E27FC236}">
+                <a16:creationId xmlns:a16="http://schemas.microsoft.com/office/drawing/2014/main" id="{20BE3BD6-88F7-1302-EE08-FD16C88A2089}"/>
+              </a:ext>
+            </a:extLst>
+          </p:cNvPr>
+          <p:cNvSpPr txBox="1"/>
+          <p:nvPr/>
+        </p:nvSpPr>
+        <p:spPr>
+          <a:xfrm>
+            <a:off x="7586569" y="2437301"/>
+            <a:ext cx="1676400" cy="261610"/>
+          </a:xfrm>
+          <a:prstGeom prst="rect">
+            <a:avLst/>
+          </a:prstGeom>
+          <a:noFill/>
+        </p:spPr>
+        <p:txBody>
+          <a:bodyPr wrap="square" rtlCol="0">
+            <a:spAutoFit/>
+          </a:bodyPr>
+          <a:lstStyle/>
+          <a:p>
+            <a:pPr algn="ctr"/>
+            <a:r>
+              <a:rPr lang="en-US" sz="1100" b="1" dirty="0"/>
+              <a:t>laws</a:t>
+            </a:r>
+            <a:endParaRPr lang="LID4096" sz="1100" b="1" dirty="0"/>
+          </a:p>
+        </p:txBody>
+      </p:sp>
+      <p:sp>
+        <p:nvSpPr>
+          <p:cNvPr id="65" name="TextBox 64">
+            <a:extLst>
+              <a:ext uri="{FF2B5EF4-FFF2-40B4-BE49-F238E27FC236}">
+                <a16:creationId xmlns:a16="http://schemas.microsoft.com/office/drawing/2014/main" id="{31F01737-AC60-4BA3-5F8B-2BD742A0204B}"/>
+              </a:ext>
+            </a:extLst>
+          </p:cNvPr>
+          <p:cNvSpPr txBox="1"/>
+          <p:nvPr/>
+        </p:nvSpPr>
+        <p:spPr>
+          <a:xfrm>
+            <a:off x="7286417" y="2749478"/>
+            <a:ext cx="1676400" cy="261610"/>
+          </a:xfrm>
+          <a:prstGeom prst="rect">
+            <a:avLst/>
+          </a:prstGeom>
+          <a:noFill/>
+        </p:spPr>
+        <p:txBody>
+          <a:bodyPr wrap="square" rtlCol="0">
+            <a:spAutoFit/>
+          </a:bodyPr>
+          <a:lstStyle/>
+          <a:p>
+            <a:pPr algn="ctr"/>
+            <a:r>
+              <a:rPr lang="en-US" sz="1100" b="1" dirty="0"/>
+              <a:t>0…*</a:t>
+            </a:r>
+            <a:endParaRPr lang="LID4096" sz="1100" b="1" dirty="0"/>
+          </a:p>
+        </p:txBody>
+      </p:sp>
+      <p:sp>
+        <p:nvSpPr>
+          <p:cNvPr id="66" name="TextBox 65">
+            <a:extLst>
+              <a:ext uri="{FF2B5EF4-FFF2-40B4-BE49-F238E27FC236}">
+                <a16:creationId xmlns:a16="http://schemas.microsoft.com/office/drawing/2014/main" id="{10748381-F749-5C1F-0065-7D7955790D6D}"/>
+              </a:ext>
+            </a:extLst>
+          </p:cNvPr>
+          <p:cNvSpPr txBox="1"/>
+          <p:nvPr/>
+        </p:nvSpPr>
+        <p:spPr>
+          <a:xfrm>
+            <a:off x="3875533" y="2500503"/>
+            <a:ext cx="1676400" cy="261610"/>
+          </a:xfrm>
+          <a:prstGeom prst="rect">
+            <a:avLst/>
+          </a:prstGeom>
+          <a:noFill/>
+        </p:spPr>
+        <p:txBody>
+          <a:bodyPr wrap="square" rtlCol="0">
+            <a:spAutoFit/>
+          </a:bodyPr>
+          <a:lstStyle/>
+          <a:p>
+            <a:pPr algn="ctr"/>
+            <a:r>
+              <a:rPr lang="en-US" sz="1100" b="1" dirty="0"/>
+              <a:t>teacher</a:t>
+            </a:r>
+            <a:endParaRPr lang="LID4096" sz="1100" b="1" dirty="0"/>
           </a:p>
         </p:txBody>
       </p:sp>
     </p:spTree>
     <p:extLst>
       <p:ext uri="{BB962C8B-B14F-4D97-AF65-F5344CB8AC3E}">
-        <p14:creationId xmlns:p14="http://schemas.microsoft.com/office/powerpoint/2010/main" val="4136318445"/>
+        <p14:creationId xmlns:p14="http://schemas.microsoft.com/office/powerpoint/2010/main" val="731814716"/>
       </p:ext>
     </p:extLst>
   </p:cSld>
@@ -6024,31 +7885,100 @@
           </a:p>
         </p:txBody>
       </p:sp>
-      <p:sp>
-        <p:nvSpPr>
-          <p:cNvPr id="3" name="Content Placeholder 2">
+      <p:pic>
+        <p:nvPicPr>
+          <p:cNvPr id="2050" name="Picture 2">
             <a:extLst>
               <a:ext uri="{FF2B5EF4-FFF2-40B4-BE49-F238E27FC236}">
-                <a16:creationId xmlns:a16="http://schemas.microsoft.com/office/drawing/2014/main" id="{D11957BC-B012-23F3-91F3-C7D780F66CB8}"/>
+                <a16:creationId xmlns:a16="http://schemas.microsoft.com/office/drawing/2014/main" id="{1164F94D-D7A4-C177-AD22-17AFC53D7BF6}"/>
               </a:ext>
             </a:extLst>
           </p:cNvPr>
-          <p:cNvSpPr>
-            <a:spLocks noGrp="1"/>
-          </p:cNvSpPr>
-          <p:nvPr>
-            <p:ph idx="1"/>
-          </p:nvPr>
-        </p:nvSpPr>
-        <p:spPr/>
-        <p:txBody>
-          <a:bodyPr/>
-          <a:lstStyle/>
-          <a:p>
-            <a:endParaRPr lang="LID4096"/>
-          </a:p>
-        </p:txBody>
-      </p:sp>
+          <p:cNvPicPr>
+            <a:picLocks noChangeAspect="1" noChangeArrowheads="1"/>
+          </p:cNvPicPr>
+          <p:nvPr/>
+        </p:nvPicPr>
+        <p:blipFill>
+          <a:blip r:embed="rId2">
+            <a:extLst>
+              <a:ext uri="{28A0092B-C50C-407E-A947-70E740481C1C}">
+                <a14:useLocalDpi xmlns:a14="http://schemas.microsoft.com/office/drawing/2010/main" val="0"/>
+              </a:ext>
+            </a:extLst>
+          </a:blip>
+          <a:srcRect/>
+          <a:stretch>
+            <a:fillRect/>
+          </a:stretch>
+        </p:blipFill>
+        <p:spPr bwMode="auto">
+          <a:xfrm>
+            <a:off x="0" y="1783080"/>
+            <a:ext cx="6319520" cy="4739640"/>
+          </a:xfrm>
+          <a:prstGeom prst="rect">
+            <a:avLst/>
+          </a:prstGeom>
+          <a:noFill/>
+          <a:extLst>
+            <a:ext uri="{909E8E84-426E-40DD-AFC4-6F175D3DCCD1}">
+              <a14:hiddenFill xmlns:a14="http://schemas.microsoft.com/office/drawing/2010/main">
+                <a:solidFill>
+                  <a:srgbClr val="FFFFFF"/>
+                </a:solidFill>
+              </a14:hiddenFill>
+            </a:ext>
+          </a:extLst>
+        </p:spPr>
+      </p:pic>
+      <p:pic>
+        <p:nvPicPr>
+          <p:cNvPr id="2052" name="Picture 4">
+            <a:extLst>
+              <a:ext uri="{FF2B5EF4-FFF2-40B4-BE49-F238E27FC236}">
+                <a16:creationId xmlns:a16="http://schemas.microsoft.com/office/drawing/2014/main" id="{7A7756FB-82B0-06E4-2F07-754519359A98}"/>
+              </a:ext>
+            </a:extLst>
+          </p:cNvPr>
+          <p:cNvPicPr>
+            <a:picLocks noChangeAspect="1" noChangeArrowheads="1"/>
+          </p:cNvPicPr>
+          <p:nvPr/>
+        </p:nvPicPr>
+        <p:blipFill>
+          <a:blip r:embed="rId3">
+            <a:extLst>
+              <a:ext uri="{28A0092B-C50C-407E-A947-70E740481C1C}">
+                <a14:useLocalDpi xmlns:a14="http://schemas.microsoft.com/office/drawing/2010/main" val="0"/>
+              </a:ext>
+            </a:extLst>
+          </a:blip>
+          <a:srcRect/>
+          <a:stretch>
+            <a:fillRect/>
+          </a:stretch>
+        </p:blipFill>
+        <p:spPr bwMode="auto">
+          <a:xfrm>
+            <a:off x="5864859" y="1783079"/>
+            <a:ext cx="6319519" cy="4739639"/>
+          </a:xfrm>
+          <a:prstGeom prst="rect">
+            <a:avLst/>
+          </a:prstGeom>
+          <a:noFill/>
+          <a:extLst>
+            <a:ext uri="{909E8E84-426E-40DD-AFC4-6F175D3DCCD1}">
+              <a14:hiddenFill xmlns:a14="http://schemas.microsoft.com/office/drawing/2010/main">
+                <a:solidFill>
+                  <a:srgbClr val="FFFFFF"/>
+                </a:solidFill>
+              </a14:hiddenFill>
+            </a:ext>
+          </a:extLst>
+        </p:spPr>
+      </p:pic>
     </p:spTree>
     <p:extLst>
       <p:ext uri="{BB962C8B-B14F-4D97-AF65-F5344CB8AC3E}">
@@ -6112,7 +8042,7 @@
             </a:br>
             <a:r>
               <a:rPr lang="en-US" sz="3200" dirty="0"/>
-              <a:t>on zoo and nursery datasets</a:t>
+              <a:t>on zoo dataset</a:t>
             </a:r>
             <a:endParaRPr lang="LID4096" sz="3200" dirty="0"/>
           </a:p>
@@ -6178,7 +8108,7 @@
           <p:cNvPr id="2" name="Title 1">
             <a:extLst>
               <a:ext uri="{FF2B5EF4-FFF2-40B4-BE49-F238E27FC236}">
-                <a16:creationId xmlns:a16="http://schemas.microsoft.com/office/drawing/2014/main" id="{D6DE0B5C-5265-478D-7095-3B59B58FA3DE}"/>
+                <a16:creationId xmlns:a16="http://schemas.microsoft.com/office/drawing/2014/main" id="{36033CDE-21B4-A42D-5576-24B0188001B3}"/>
               </a:ext>
             </a:extLst>
           </p:cNvPr>
@@ -6191,15 +8121,24 @@
         </p:nvSpPr>
         <p:spPr/>
         <p:txBody>
-          <a:bodyPr/>
+          <a:bodyPr>
+            <a:normAutofit/>
+          </a:bodyPr>
           <a:lstStyle/>
           <a:p>
             <a:pPr algn="ctr"/>
             <a:r>
-              <a:rPr lang="en-US" dirty="0"/>
-              <a:t>conclusion</a:t>
-            </a:r>
-            <a:endParaRPr lang="LID4096" dirty="0"/>
+              <a:rPr lang="en-US" sz="3200" dirty="0"/>
+              <a:t>Decision lists of teachers 1,2</a:t>
+            </a:r>
+            <a:br>
+              <a:rPr lang="en-US" sz="3200" dirty="0"/>
+            </a:br>
+            <a:r>
+              <a:rPr lang="en-US" sz="3200" dirty="0"/>
+              <a:t>on Nursery dataset</a:t>
+            </a:r>
+            <a:endParaRPr lang="LID4096" sz="3200" dirty="0"/>
           </a:p>
         </p:txBody>
       </p:sp>
@@ -6208,7 +8147,7 @@
           <p:cNvPr id="3" name="Content Placeholder 2">
             <a:extLst>
               <a:ext uri="{FF2B5EF4-FFF2-40B4-BE49-F238E27FC236}">
-                <a16:creationId xmlns:a16="http://schemas.microsoft.com/office/drawing/2014/main" id="{BD1FB012-CD74-62C7-1602-31E71412F279}"/>
+                <a16:creationId xmlns:a16="http://schemas.microsoft.com/office/drawing/2014/main" id="{D11957BC-B012-23F3-91F3-C7D780F66CB8}"/>
               </a:ext>
             </a:extLst>
           </p:cNvPr>
@@ -6231,7 +8170,7 @@
     </p:spTree>
     <p:extLst>
       <p:ext uri="{BB962C8B-B14F-4D97-AF65-F5344CB8AC3E}">
-        <p14:creationId xmlns:p14="http://schemas.microsoft.com/office/powerpoint/2010/main" val="3122263022"/>
+        <p14:creationId xmlns:p14="http://schemas.microsoft.com/office/powerpoint/2010/main" val="3845273675"/>
       </p:ext>
     </p:extLst>
   </p:cSld>
@@ -6263,7 +8202,7 @@
           <p:cNvPr id="2" name="Title 1">
             <a:extLst>
               <a:ext uri="{FF2B5EF4-FFF2-40B4-BE49-F238E27FC236}">
-                <a16:creationId xmlns:a16="http://schemas.microsoft.com/office/drawing/2014/main" id="{2E421BE1-DDFA-A2ED-D191-96DB64F3EF03}"/>
+                <a16:creationId xmlns:a16="http://schemas.microsoft.com/office/drawing/2014/main" id="{D6DE0B5C-5265-478D-7095-3B59B58FA3DE}"/>
               </a:ext>
             </a:extLst>
           </p:cNvPr>
@@ -6271,7 +8210,7 @@
             <a:spLocks noGrp="1"/>
           </p:cNvSpPr>
           <p:nvPr>
-            <p:ph type="ctrTitle"/>
+            <p:ph type="title"/>
           </p:nvPr>
         </p:nvSpPr>
         <p:spPr/>
@@ -6282,16 +8221,41 @@
             <a:pPr algn="ctr"/>
             <a:r>
               <a:rPr lang="en-US" dirty="0"/>
-              <a:t>Part b</a:t>
+              <a:t>conclusion</a:t>
             </a:r>
             <a:endParaRPr lang="LID4096" dirty="0"/>
+          </a:p>
+        </p:txBody>
+      </p:sp>
+      <p:sp>
+        <p:nvSpPr>
+          <p:cNvPr id="3" name="Content Placeholder 2">
+            <a:extLst>
+              <a:ext uri="{FF2B5EF4-FFF2-40B4-BE49-F238E27FC236}">
+                <a16:creationId xmlns:a16="http://schemas.microsoft.com/office/drawing/2014/main" id="{BD1FB012-CD74-62C7-1602-31E71412F279}"/>
+              </a:ext>
+            </a:extLst>
+          </p:cNvPr>
+          <p:cNvSpPr>
+            <a:spLocks noGrp="1"/>
+          </p:cNvSpPr>
+          <p:nvPr>
+            <p:ph idx="1"/>
+          </p:nvPr>
+        </p:nvSpPr>
+        <p:spPr/>
+        <p:txBody>
+          <a:bodyPr/>
+          <a:lstStyle/>
+          <a:p>
+            <a:endParaRPr lang="LID4096"/>
           </a:p>
         </p:txBody>
       </p:sp>
     </p:spTree>
     <p:extLst>
       <p:ext uri="{BB962C8B-B14F-4D97-AF65-F5344CB8AC3E}">
-        <p14:creationId xmlns:p14="http://schemas.microsoft.com/office/powerpoint/2010/main" val="2921607320"/>
+        <p14:creationId xmlns:p14="http://schemas.microsoft.com/office/powerpoint/2010/main" val="3122263022"/>
       </p:ext>
     </p:extLst>
   </p:cSld>
@@ -6323,7 +8287,7 @@
           <p:cNvPr id="2" name="Title 1">
             <a:extLst>
               <a:ext uri="{FF2B5EF4-FFF2-40B4-BE49-F238E27FC236}">
-                <a16:creationId xmlns:a16="http://schemas.microsoft.com/office/drawing/2014/main" id="{AC4D309A-D1F8-2D80-0248-F4A9E565526E}"/>
+                <a16:creationId xmlns:a16="http://schemas.microsoft.com/office/drawing/2014/main" id="{2E421BE1-DDFA-A2ED-D191-96DB64F3EF03}"/>
               </a:ext>
             </a:extLst>
           </p:cNvPr>
@@ -6331,7 +8295,7 @@
             <a:spLocks noGrp="1"/>
           </p:cNvSpPr>
           <p:nvPr>
-            <p:ph type="title"/>
+            <p:ph type="ctrTitle"/>
           </p:nvPr>
         </p:nvSpPr>
         <p:spPr/>
@@ -6342,117 +8306,7 @@
             <a:pPr algn="ctr"/>
             <a:r>
               <a:rPr lang="en-US" dirty="0"/>
-              <a:t>The new dataset</a:t>
-            </a:r>
-            <a:endParaRPr lang="LID4096" dirty="0"/>
-          </a:p>
-        </p:txBody>
-      </p:sp>
-      <p:sp>
-        <p:nvSpPr>
-          <p:cNvPr id="3" name="Content Placeholder 2">
-            <a:extLst>
-              <a:ext uri="{FF2B5EF4-FFF2-40B4-BE49-F238E27FC236}">
-                <a16:creationId xmlns:a16="http://schemas.microsoft.com/office/drawing/2014/main" id="{18F840A2-EA5C-1EB6-7122-EC9444CCABCE}"/>
-              </a:ext>
-            </a:extLst>
-          </p:cNvPr>
-          <p:cNvSpPr>
-            <a:spLocks noGrp="1"/>
-          </p:cNvSpPr>
-          <p:nvPr>
-            <p:ph idx="1"/>
-          </p:nvPr>
-        </p:nvSpPr>
-        <p:spPr/>
-        <p:txBody>
-          <a:bodyPr/>
-          <a:lstStyle/>
-          <a:p>
-            <a:pPr>
-              <a:lnSpc>
-                <a:spcPct val="150000"/>
-              </a:lnSpc>
-            </a:pPr>
-            <a:r>
-              <a:rPr lang="en-US" dirty="0"/>
-              <a:t>The dataset: </a:t>
-            </a:r>
-            <a:r>
-              <a:rPr lang="en-US" dirty="0" err="1">
-                <a:hlinkClick r:id="rId2"/>
-              </a:rPr>
-              <a:t>online_shoppers_purchasing_intention</a:t>
-            </a:r>
-            <a:endParaRPr lang="en-US" dirty="0"/>
-          </a:p>
-          <a:p>
-            <a:pPr>
-              <a:lnSpc>
-                <a:spcPct val="150000"/>
-              </a:lnSpc>
-            </a:pPr>
-            <a:r>
-              <a:rPr lang="en-US" dirty="0"/>
-              <a:t>The dataset predicts if the shopper completed a purchase based on a number of parameters.</a:t>
-            </a:r>
-          </a:p>
-          <a:p>
-            <a:pPr>
-              <a:lnSpc>
-                <a:spcPct val="150000"/>
-              </a:lnSpc>
-            </a:pPr>
-            <a:r>
-              <a:rPr lang="en-US" b="1" dirty="0"/>
-              <a:t>Number of instances: </a:t>
-            </a:r>
-            <a:r>
-              <a:rPr lang="en-IL" b="0" i="0" dirty="0">
-                <a:solidFill>
-                  <a:srgbClr val="303030"/>
-                </a:solidFill>
-                <a:effectLst/>
-                <a:latin typeface="ui-sans-serif"/>
-              </a:rPr>
-              <a:t>12330</a:t>
-            </a:r>
-            <a:endParaRPr lang="en-US" b="0" i="0" dirty="0">
-              <a:solidFill>
-                <a:srgbClr val="303030"/>
-              </a:solidFill>
-              <a:effectLst/>
-              <a:latin typeface="ui-sans-serif"/>
-            </a:endParaRPr>
-          </a:p>
-          <a:p>
-            <a:pPr>
-              <a:lnSpc>
-                <a:spcPct val="150000"/>
-              </a:lnSpc>
-            </a:pPr>
-            <a:r>
-              <a:rPr lang="en-US" b="1" dirty="0"/>
-              <a:t>Number of attributes per instance: </a:t>
-            </a:r>
-            <a:r>
-              <a:rPr lang="en-US" dirty="0"/>
-              <a:t>18</a:t>
-            </a:r>
-          </a:p>
-          <a:p>
-            <a:pPr>
-              <a:lnSpc>
-                <a:spcPct val="150000"/>
-              </a:lnSpc>
-            </a:pPr>
-            <a:r>
-              <a:rPr lang="en-US" b="1" dirty="0"/>
-              <a:t>Labels: </a:t>
-            </a:r>
-            <a:r>
-              <a:rPr lang="en-US" dirty="0"/>
-              <a:t>True, False (if the shopper completed the purchase or not)</a:t>
+              <a:t>Part b</a:t>
             </a:r>
             <a:endParaRPr lang="LID4096" dirty="0"/>
           </a:p>
@@ -6461,7 +8315,7 @@
     </p:spTree>
     <p:extLst>
       <p:ext uri="{BB962C8B-B14F-4D97-AF65-F5344CB8AC3E}">
-        <p14:creationId xmlns:p14="http://schemas.microsoft.com/office/powerpoint/2010/main" val="3991079006"/>
+        <p14:creationId xmlns:p14="http://schemas.microsoft.com/office/powerpoint/2010/main" val="2921607320"/>
       </p:ext>
     </p:extLst>
   </p:cSld>
@@ -6493,7 +8347,7 @@
           <p:cNvPr id="2" name="Title 1">
             <a:extLst>
               <a:ext uri="{FF2B5EF4-FFF2-40B4-BE49-F238E27FC236}">
-                <a16:creationId xmlns:a16="http://schemas.microsoft.com/office/drawing/2014/main" id="{7E4A59BF-4524-1B0F-D230-23E10D3EADC0}"/>
+                <a16:creationId xmlns:a16="http://schemas.microsoft.com/office/drawing/2014/main" id="{AC4D309A-D1F8-2D80-0248-F4A9E565526E}"/>
               </a:ext>
             </a:extLst>
           </p:cNvPr>
@@ -6506,17 +8360,15 @@
         </p:nvSpPr>
         <p:spPr/>
         <p:txBody>
-          <a:bodyPr>
-            <a:normAutofit/>
-          </a:bodyPr>
+          <a:bodyPr/>
           <a:lstStyle/>
           <a:p>
             <a:pPr algn="ctr"/>
             <a:r>
-              <a:rPr lang="en-US" sz="3600" dirty="0"/>
-              <a:t>Improvements to the algorithm</a:t>
-            </a:r>
-            <a:endParaRPr lang="LID4096" sz="3600" dirty="0"/>
+              <a:rPr lang="en-US" dirty="0"/>
+              <a:t>The new dataset</a:t>
+            </a:r>
+            <a:endParaRPr lang="LID4096" dirty="0"/>
           </a:p>
         </p:txBody>
       </p:sp>
@@ -6525,7 +8377,7 @@
           <p:cNvPr id="3" name="Content Placeholder 2">
             <a:extLst>
               <a:ext uri="{FF2B5EF4-FFF2-40B4-BE49-F238E27FC236}">
-                <a16:creationId xmlns:a16="http://schemas.microsoft.com/office/drawing/2014/main" id="{50397489-80B8-0A40-CF36-6E0FCB13A9B4}"/>
+                <a16:creationId xmlns:a16="http://schemas.microsoft.com/office/drawing/2014/main" id="{18F840A2-EA5C-1EB6-7122-EC9444CCABCE}"/>
               </a:ext>
             </a:extLst>
           </p:cNvPr>
@@ -6548,107 +8400,88 @@
             </a:pPr>
             <a:r>
               <a:rPr lang="en-US" b="1" dirty="0"/>
-              <a:t>Improvement to the feedback model:</a:t>
-            </a:r>
-          </a:p>
-          <a:p>
-            <a:pPr lvl="1">
+              <a:t>The dataset: </a:t>
+            </a:r>
+            <a:r>
+              <a:rPr lang="en-US" dirty="0">
+                <a:hlinkClick r:id="rId2"/>
+              </a:rPr>
+              <a:t>wifi_localization</a:t>
+            </a:r>
+            <a:endParaRPr lang="en-US" dirty="0"/>
+          </a:p>
+          <a:p>
+            <a:pPr>
               <a:lnSpc>
                 <a:spcPct val="150000"/>
               </a:lnSpc>
-              <a:buFont typeface="Wingdings" panose="05000000000000000000" pitchFamily="2" charset="2"/>
-              <a:buChar char="§"/>
             </a:pPr>
             <a:r>
+              <a:rPr lang="en-US" b="1" dirty="0"/>
+              <a:t>Explanation: </a:t>
+            </a:r>
+            <a:r>
               <a:rPr lang="en-US" dirty="0"/>
-              <a:t>If an example doesn’t fit any law – guess the </a:t>
-            </a:r>
-            <a:r>
-              <a:rPr lang="en-US" b="1" u="sng" dirty="0"/>
-              <a:t>best fitting law</a:t>
+              <a:t>predicts the location of a smartphone (1 of 4 rooms) based on the strength of 7 different </a:t>
+            </a:r>
+            <a:r>
+              <a:rPr lang="en-US" dirty="0" err="1"/>
+              <a:t>wifi</a:t>
             </a:r>
             <a:r>
               <a:rPr lang="en-US" dirty="0"/>
-              <a:t> instead of the default label. </a:t>
-            </a:r>
-            <a:r>
-              <a:rPr lang="en-US" b="1" dirty="0"/>
-              <a:t> - improves performance</a:t>
-            </a:r>
-            <a:endParaRPr lang="en-US" dirty="0"/>
-          </a:p>
-          <a:p>
-            <a:pPr lvl="1">
+              <a:t> signals</a:t>
+            </a:r>
+          </a:p>
+          <a:p>
+            <a:pPr>
               <a:lnSpc>
                 <a:spcPct val="150000"/>
               </a:lnSpc>
-              <a:buFont typeface="Wingdings" panose="05000000000000000000" pitchFamily="2" charset="2"/>
-              <a:buChar char="§"/>
             </a:pPr>
             <a:r>
-              <a:rPr lang="en-US" dirty="0"/>
-              <a:t>Teacher3: </a:t>
-            </a:r>
-            <a:r>
               <a:rPr lang="en-US" b="1" dirty="0"/>
-              <a:t> - improves performance (slightly) </a:t>
-            </a:r>
-            <a:r>
-              <a:rPr lang="en-US" b="1"/>
-              <a:t>and stability</a:t>
-            </a:r>
-            <a:endParaRPr lang="en-US" dirty="0"/>
-          </a:p>
-          <a:p>
-            <a:pPr lvl="2">
+              <a:t>Number of instances: </a:t>
+            </a:r>
+            <a:r>
+              <a:rPr lang="en-US" b="0" i="0" dirty="0">
+                <a:solidFill>
+                  <a:srgbClr val="303030"/>
+                </a:solidFill>
+                <a:effectLst/>
+                <a:latin typeface="ui-sans-serif"/>
+              </a:rPr>
+              <a:t>2000</a:t>
+            </a:r>
+          </a:p>
+          <a:p>
+            <a:pPr>
               <a:lnSpc>
                 <a:spcPct val="150000"/>
               </a:lnSpc>
-              <a:buFont typeface="Courier New" panose="02070309020205020404" pitchFamily="49" charset="0"/>
-              <a:buChar char="o"/>
             </a:pPr>
             <a:r>
+              <a:rPr lang="en-US" b="1" dirty="0"/>
+              <a:t>Number of attributes per instance: </a:t>
+            </a:r>
+            <a:r>
               <a:rPr lang="en-US" dirty="0"/>
-              <a:t>Array of Teacher2s</a:t>
-            </a:r>
-          </a:p>
-          <a:p>
-            <a:pPr lvl="2">
+              <a:t>7</a:t>
+            </a:r>
+          </a:p>
+          <a:p>
+            <a:pPr>
               <a:lnSpc>
                 <a:spcPct val="150000"/>
               </a:lnSpc>
-              <a:buFont typeface="Courier New" panose="02070309020205020404" pitchFamily="49" charset="0"/>
-              <a:buChar char="o"/>
             </a:pPr>
             <a:r>
+              <a:rPr lang="en-US" b="1" dirty="0"/>
+              <a:t>Labels: </a:t>
+            </a:r>
+            <a:r>
               <a:rPr lang="en-US" dirty="0"/>
-              <a:t>Each teacher gets a random subset of the dataset</a:t>
-            </a:r>
-          </a:p>
-          <a:p>
-            <a:pPr lvl="2">
-              <a:lnSpc>
-                <a:spcPct val="150000"/>
-              </a:lnSpc>
-              <a:buFont typeface="Courier New" panose="02070309020205020404" pitchFamily="49" charset="0"/>
-              <a:buChar char="o"/>
-            </a:pPr>
-            <a:r>
-              <a:rPr lang="en-US" dirty="0"/>
-              <a:t>Each Teacher2 gives a “discriminative score” to the discriminative feature it suggests</a:t>
-            </a:r>
-          </a:p>
-          <a:p>
-            <a:pPr lvl="2">
-              <a:lnSpc>
-                <a:spcPct val="150000"/>
-              </a:lnSpc>
-              <a:buFont typeface="Courier New" panose="02070309020205020404" pitchFamily="49" charset="0"/>
-              <a:buChar char="o"/>
-            </a:pPr>
-            <a:r>
-              <a:rPr lang="en-US" dirty="0"/>
-              <a:t>Teacher3 returns the feature that had the max sum of “discriminative scores” </a:t>
+              <a:t>1 - 4</a:t>
             </a:r>
             <a:endParaRPr lang="LID4096" dirty="0"/>
           </a:p>
@@ -6657,7 +8490,7 @@
     </p:spTree>
     <p:extLst>
       <p:ext uri="{BB962C8B-B14F-4D97-AF65-F5344CB8AC3E}">
-        <p14:creationId xmlns:p14="http://schemas.microsoft.com/office/powerpoint/2010/main" val="3486056161"/>
+        <p14:creationId xmlns:p14="http://schemas.microsoft.com/office/powerpoint/2010/main" val="3991079006"/>
       </p:ext>
     </p:extLst>
   </p:cSld>

--- a/data_analysis_presentation_206100968_311128847.pptx
+++ b/data_analysis_presentation_206100968_311128847.pptx
@@ -10,16 +10,15 @@
     <p:sldId id="273" r:id="rId4"/>
     <p:sldId id="258" r:id="rId5"/>
     <p:sldId id="261" r:id="rId6"/>
-    <p:sldId id="267" r:id="rId7"/>
-    <p:sldId id="264" r:id="rId8"/>
-    <p:sldId id="262" r:id="rId9"/>
-    <p:sldId id="263" r:id="rId10"/>
-    <p:sldId id="265" r:id="rId11"/>
-    <p:sldId id="268" r:id="rId12"/>
-    <p:sldId id="269" r:id="rId13"/>
-    <p:sldId id="270" r:id="rId14"/>
-    <p:sldId id="271" r:id="rId15"/>
-    <p:sldId id="272" r:id="rId16"/>
+    <p:sldId id="262" r:id="rId7"/>
+    <p:sldId id="274" r:id="rId8"/>
+    <p:sldId id="263" r:id="rId9"/>
+    <p:sldId id="265" r:id="rId10"/>
+    <p:sldId id="268" r:id="rId11"/>
+    <p:sldId id="276" r:id="rId12"/>
+    <p:sldId id="275" r:id="rId13"/>
+    <p:sldId id="271" r:id="rId14"/>
+    <p:sldId id="272" r:id="rId15"/>
   </p:sldIdLst>
   <p:sldSz cx="12192000" cy="6858000"/>
   <p:notesSz cx="6858000" cy="9144000"/>
@@ -5925,135 +5924,269 @@
           </a:p>
         </p:txBody>
       </p:sp>
-      <p:sp>
-        <p:nvSpPr>
-          <p:cNvPr id="3" name="Content Placeholder 2">
-            <a:extLst>
-              <a:ext uri="{FF2B5EF4-FFF2-40B4-BE49-F238E27FC236}">
-                <a16:creationId xmlns:a16="http://schemas.microsoft.com/office/drawing/2014/main" id="{50397489-80B8-0A40-CF36-6E0FCB13A9B4}"/>
-              </a:ext>
-            </a:extLst>
-          </p:cNvPr>
-          <p:cNvSpPr>
-            <a:spLocks noGrp="1"/>
-          </p:cNvSpPr>
-          <p:nvPr>
-            <p:ph idx="1"/>
-          </p:nvPr>
-        </p:nvSpPr>
-        <p:spPr/>
-        <p:txBody>
-          <a:bodyPr>
-            <a:normAutofit lnSpcReduction="10000"/>
-          </a:bodyPr>
-          <a:lstStyle/>
-          <a:p>
-            <a:pPr>
-              <a:lnSpc>
-                <a:spcPct val="150000"/>
-              </a:lnSpc>
-            </a:pPr>
-            <a:r>
-              <a:rPr lang="en-US" b="1" u="sng" dirty="0"/>
-              <a:t>feedbackModel.predict2():</a:t>
-            </a:r>
-            <a:r>
-              <a:rPr lang="en-US" b="1" dirty="0"/>
-              <a:t> </a:t>
-            </a:r>
-            <a:r>
-              <a:rPr lang="en-US" dirty="0"/>
-              <a:t>If an example doesn’t fit any law – guess the </a:t>
-            </a:r>
-            <a:r>
-              <a:rPr lang="en-US" b="1" dirty="0"/>
-              <a:t>best fitting law</a:t>
-            </a:r>
-            <a:r>
-              <a:rPr lang="en-US" dirty="0"/>
-              <a:t> instead of the default label. </a:t>
-            </a:r>
-            <a:r>
-              <a:rPr lang="en-US" b="1" dirty="0"/>
-              <a:t> - improves performance</a:t>
-            </a:r>
-            <a:endParaRPr lang="en-US" dirty="0"/>
-          </a:p>
-          <a:p>
-            <a:pPr>
-              <a:lnSpc>
-                <a:spcPct val="150000"/>
-              </a:lnSpc>
-            </a:pPr>
-            <a:r>
-              <a:rPr lang="en-US" b="1" u="sng" dirty="0"/>
-              <a:t>Teacher3:</a:t>
-            </a:r>
-            <a:r>
-              <a:rPr lang="en-US" b="1" dirty="0"/>
-              <a:t>  - improves stability</a:t>
-            </a:r>
-            <a:endParaRPr lang="en-US" dirty="0"/>
-          </a:p>
-          <a:p>
-            <a:pPr lvl="1">
-              <a:lnSpc>
-                <a:spcPct val="150000"/>
-              </a:lnSpc>
-              <a:buFont typeface="Wingdings" panose="05000000000000000000" pitchFamily="2" charset="2"/>
-              <a:buChar char="§"/>
-            </a:pPr>
-            <a:r>
-              <a:rPr lang="en-US" dirty="0"/>
-              <a:t>Array of Teacher2s.</a:t>
-            </a:r>
-          </a:p>
-          <a:p>
-            <a:pPr lvl="1">
-              <a:lnSpc>
-                <a:spcPct val="150000"/>
-              </a:lnSpc>
-              <a:buFont typeface="Wingdings" panose="05000000000000000000" pitchFamily="2" charset="2"/>
-              <a:buChar char="§"/>
-            </a:pPr>
-            <a:r>
-              <a:rPr lang="en-US" dirty="0"/>
-              <a:t>Each teacher gets a random subset of the dataset.</a:t>
-            </a:r>
-          </a:p>
-          <a:p>
-            <a:pPr lvl="1">
-              <a:lnSpc>
-                <a:spcPct val="150000"/>
-              </a:lnSpc>
-              <a:buFont typeface="Wingdings" panose="05000000000000000000" pitchFamily="2" charset="2"/>
-              <a:buChar char="§"/>
-            </a:pPr>
-            <a:r>
-              <a:rPr lang="en-US" dirty="0"/>
-              <a:t>Each Teacher2 gives a “discriminative score” to the discriminative feature it suggests.</a:t>
-            </a:r>
-          </a:p>
-          <a:p>
-            <a:pPr lvl="1">
-              <a:lnSpc>
-                <a:spcPct val="150000"/>
-              </a:lnSpc>
-              <a:buFont typeface="Wingdings" panose="05000000000000000000" pitchFamily="2" charset="2"/>
-              <a:buChar char="§"/>
-            </a:pPr>
-            <a:r>
-              <a:rPr lang="en-US" dirty="0"/>
-              <a:t>Teacher3 returns the feature that had the max sum of “discriminative scores” .</a:t>
-            </a:r>
-            <a:endParaRPr lang="LID4096" dirty="0"/>
-          </a:p>
-        </p:txBody>
-      </p:sp>
+      <mc:AlternateContent xmlns:mc="http://schemas.openxmlformats.org/markup-compatibility/2006">
+        <mc:Choice xmlns:a14="http://schemas.microsoft.com/office/drawing/2010/main" Requires="a14">
+          <p:sp>
+            <p:nvSpPr>
+              <p:cNvPr id="3" name="Content Placeholder 2">
+                <a:extLst>
+                  <a:ext uri="{FF2B5EF4-FFF2-40B4-BE49-F238E27FC236}">
+                    <a16:creationId xmlns:a16="http://schemas.microsoft.com/office/drawing/2014/main" id="{50397489-80B8-0A40-CF36-6E0FCB13A9B4}"/>
+                  </a:ext>
+                </a:extLst>
+              </p:cNvPr>
+              <p:cNvSpPr>
+                <a:spLocks noGrp="1"/>
+              </p:cNvSpPr>
+              <p:nvPr>
+                <p:ph idx="1"/>
+              </p:nvPr>
+            </p:nvSpPr>
+            <p:spPr/>
+            <p:txBody>
+              <a:bodyPr>
+                <a:normAutofit/>
+              </a:bodyPr>
+              <a:lstStyle/>
+              <a:p>
+                <a:pPr>
+                  <a:lnSpc>
+                    <a:spcPct val="150000"/>
+                  </a:lnSpc>
+                </a:pPr>
+                <a:r>
+                  <a:rPr lang="en-US" b="1" u="sng" dirty="0"/>
+                  <a:t>Teacher4:</a:t>
+                </a:r>
+                <a:r>
+                  <a:rPr lang="en-US" b="1" dirty="0"/>
+                  <a:t>  </a:t>
+                </a:r>
+              </a:p>
+              <a:p>
+                <a:pPr lvl="1">
+                  <a:lnSpc>
+                    <a:spcPct val="150000"/>
+                  </a:lnSpc>
+                  <a:buFont typeface="Wingdings" panose="05000000000000000000" pitchFamily="2" charset="2"/>
+                  <a:buChar char="§"/>
+                </a:pPr>
+                <a:r>
+                  <a:rPr lang="en-US" dirty="0"/>
+                  <a:t>Instead of returning one most discriminative feature (like Teacher2), randomly chooses a number </a:t>
+                </a:r>
+                <a:r>
+                  <a:rPr lang="en-US" b="1" dirty="0"/>
+                  <a:t>n</a:t>
+                </a:r>
+                <a:r>
+                  <a:rPr lang="en-US" dirty="0"/>
+                  <a:t> and returns the </a:t>
+                </a:r>
+                <a:r>
+                  <a:rPr lang="en-US" b="1" dirty="0"/>
+                  <a:t>n</a:t>
+                </a:r>
+                <a:r>
+                  <a:rPr lang="en-US" dirty="0"/>
+                  <a:t> </a:t>
+                </a:r>
+                <a:r>
+                  <a:rPr lang="en-US" b="1" dirty="0"/>
+                  <a:t>most discriminative features.</a:t>
+                </a:r>
+              </a:p>
+              <a:p>
+                <a:pPr lvl="1">
+                  <a:lnSpc>
+                    <a:spcPct val="150000"/>
+                  </a:lnSpc>
+                  <a:buFont typeface="Wingdings" panose="05000000000000000000" pitchFamily="2" charset="2"/>
+                  <a:buChar char="§"/>
+                </a:pPr>
+                <a14:m>
+                  <m:oMath xmlns:m="http://schemas.openxmlformats.org/officeDocument/2006/math">
+                    <m:r>
+                      <a:rPr lang="en-US" i="1" smtClean="0">
+                        <a:latin typeface="Cambria Math" panose="02040503050406030204" pitchFamily="18" charset="0"/>
+                      </a:rPr>
+                      <m:t>1≤</m:t>
+                    </m:r>
+                    <m:r>
+                      <a:rPr lang="en-US" i="1" smtClean="0">
+                        <a:latin typeface="Cambria Math" panose="02040503050406030204" pitchFamily="18" charset="0"/>
+                      </a:rPr>
+                      <m:t>𝑛</m:t>
+                    </m:r>
+                    <m:r>
+                      <a:rPr lang="en-US" i="1" smtClean="0">
+                        <a:latin typeface="Cambria Math" panose="02040503050406030204" pitchFamily="18" charset="0"/>
+                      </a:rPr>
+                      <m:t>≤</m:t>
+                    </m:r>
+                    <m:r>
+                      <a:rPr lang="en-US" i="1" smtClean="0">
+                        <a:latin typeface="Cambria Math" panose="02040503050406030204" pitchFamily="18" charset="0"/>
+                      </a:rPr>
+                      <m:t>𝑛𝑢𝑚𝑏𝑒𝑟</m:t>
+                    </m:r>
+                    <m:r>
+                      <a:rPr lang="en-US" i="1" smtClean="0">
+                        <a:latin typeface="Cambria Math" panose="02040503050406030204" pitchFamily="18" charset="0"/>
+                      </a:rPr>
+                      <m:t> </m:t>
+                    </m:r>
+                    <m:r>
+                      <a:rPr lang="en-US" i="1" smtClean="0">
+                        <a:latin typeface="Cambria Math" panose="02040503050406030204" pitchFamily="18" charset="0"/>
+                      </a:rPr>
+                      <m:t>𝑜𝑓</m:t>
+                    </m:r>
+                    <m:r>
+                      <a:rPr lang="en-US" i="1" smtClean="0">
+                        <a:latin typeface="Cambria Math" panose="02040503050406030204" pitchFamily="18" charset="0"/>
+                      </a:rPr>
+                      <m:t> </m:t>
+                    </m:r>
+                    <m:r>
+                      <a:rPr lang="en-US" i="1" smtClean="0">
+                        <a:latin typeface="Cambria Math" panose="02040503050406030204" pitchFamily="18" charset="0"/>
+                      </a:rPr>
+                      <m:t>𝑑𝑖𝑓𝑓𝑒𝑟𝑒𝑛𝑡</m:t>
+                    </m:r>
+                    <m:r>
+                      <a:rPr lang="en-US" i="1" smtClean="0">
+                        <a:latin typeface="Cambria Math" panose="02040503050406030204" pitchFamily="18" charset="0"/>
+                      </a:rPr>
+                      <m:t> </m:t>
+                    </m:r>
+                    <m:r>
+                      <a:rPr lang="en-US" i="1" smtClean="0">
+                        <a:latin typeface="Cambria Math" panose="02040503050406030204" pitchFamily="18" charset="0"/>
+                      </a:rPr>
+                      <m:t>𝑓𝑒𝑎𝑡𝑢𝑟𝑒𝑠</m:t>
+                    </m:r>
+                    <m:r>
+                      <a:rPr lang="en-US" i="1" smtClean="0">
+                        <a:latin typeface="Cambria Math" panose="02040503050406030204" pitchFamily="18" charset="0"/>
+                      </a:rPr>
+                      <m:t> </m:t>
+                    </m:r>
+                    <m:r>
+                      <a:rPr lang="en-US" i="1" smtClean="0">
+                        <a:latin typeface="Cambria Math" panose="02040503050406030204" pitchFamily="18" charset="0"/>
+                      </a:rPr>
+                      <m:t>𝑏𝑒𝑡𝑤𝑒𝑒𝑛</m:t>
+                    </m:r>
+                    <m:r>
+                      <a:rPr lang="en-US" i="1" smtClean="0">
+                        <a:latin typeface="Cambria Math" panose="02040503050406030204" pitchFamily="18" charset="0"/>
+                      </a:rPr>
+                      <m:t> </m:t>
+                    </m:r>
+                    <m:r>
+                      <a:rPr lang="en-US" i="1" smtClean="0">
+                        <a:latin typeface="Cambria Math" panose="02040503050406030204" pitchFamily="18" charset="0"/>
+                      </a:rPr>
+                      <m:t>𝑒𝑥𝑎𝑚𝑝𝑙𝑒</m:t>
+                    </m:r>
+                    <m:r>
+                      <a:rPr lang="en-US" i="1" smtClean="0">
+                        <a:latin typeface="Cambria Math" panose="02040503050406030204" pitchFamily="18" charset="0"/>
+                      </a:rPr>
+                      <m:t> </m:t>
+                    </m:r>
+                    <m:r>
+                      <a:rPr lang="en-US" i="1" smtClean="0">
+                        <a:latin typeface="Cambria Math" panose="02040503050406030204" pitchFamily="18" charset="0"/>
+                      </a:rPr>
+                      <m:t>𝑎𝑛𝑑</m:t>
+                    </m:r>
+                    <m:r>
+                      <a:rPr lang="en-US" i="1" smtClean="0">
+                        <a:latin typeface="Cambria Math" panose="02040503050406030204" pitchFamily="18" charset="0"/>
+                      </a:rPr>
+                      <m:t> </m:t>
+                    </m:r>
+                    <m:r>
+                      <a:rPr lang="en-US" i="1" smtClean="0">
+                        <a:latin typeface="Cambria Math" panose="02040503050406030204" pitchFamily="18" charset="0"/>
+                      </a:rPr>
+                      <m:t>𝑒𝑥𝑝𝑙𝑎𝑛𝑎𝑡𝑖𝑜𝑛</m:t>
+                    </m:r>
+                  </m:oMath>
+                </a14:m>
+                <a:endParaRPr lang="en-US" b="1" dirty="0"/>
+              </a:p>
+              <a:p>
+                <a:pPr lvl="1">
+                  <a:lnSpc>
+                    <a:spcPct val="150000"/>
+                  </a:lnSpc>
+                  <a:buFont typeface="Wingdings" panose="05000000000000000000" pitchFamily="2" charset="2"/>
+                  <a:buChar char="§"/>
+                </a:pPr>
+                <a:r>
+                  <a:rPr lang="en-US" dirty="0"/>
+                  <a:t>This </a:t>
+                </a:r>
+                <a:r>
+                  <a:rPr lang="en-US" b="1" dirty="0"/>
+                  <a:t>n</a:t>
+                </a:r>
+                <a:r>
+                  <a:rPr lang="en-US" dirty="0"/>
+                  <a:t> is not chosen uniformly, there is a much higher chance of choosing a lower number (closer to 1).</a:t>
+                </a:r>
+                <a:endParaRPr lang="LID4096" dirty="0"/>
+              </a:p>
+            </p:txBody>
+          </p:sp>
+        </mc:Choice>
+        <mc:Fallback>
+          <p:sp>
+            <p:nvSpPr>
+              <p:cNvPr id="3" name="Content Placeholder 2">
+                <a:extLst>
+                  <a:ext uri="{FF2B5EF4-FFF2-40B4-BE49-F238E27FC236}">
+                    <a16:creationId xmlns:a16="http://schemas.microsoft.com/office/drawing/2014/main" id="{50397489-80B8-0A40-CF36-6E0FCB13A9B4}"/>
+                  </a:ext>
+                </a:extLst>
+              </p:cNvPr>
+              <p:cNvSpPr>
+                <a:spLocks noGrp="1" noRot="1" noChangeAspect="1" noMove="1" noResize="1" noEditPoints="1" noAdjustHandles="1" noChangeArrowheads="1" noChangeShapeType="1" noTextEdit="1"/>
+              </p:cNvSpPr>
+              <p:nvPr>
+                <p:ph idx="1"/>
+              </p:nvPr>
+            </p:nvSpPr>
+            <p:spPr>
+              <a:blipFill>
+                <a:blip r:embed="rId2"/>
+                <a:stretch>
+                  <a:fillRect l="-676" r="-845"/>
+                </a:stretch>
+              </a:blipFill>
+            </p:spPr>
+            <p:txBody>
+              <a:bodyPr/>
+              <a:lstStyle/>
+              <a:p>
+                <a:r>
+                  <a:rPr lang="LID4096">
+                    <a:noFill/>
+                  </a:rPr>
+                  <a:t> </a:t>
+                </a:r>
+              </a:p>
+            </p:txBody>
+          </p:sp>
+        </mc:Fallback>
+      </mc:AlternateContent>
     </p:spTree>
     <p:extLst>
       <p:ext uri="{BB962C8B-B14F-4D97-AF65-F5344CB8AC3E}">
-        <p14:creationId xmlns:p14="http://schemas.microsoft.com/office/powerpoint/2010/main" val="3486056161"/>
+        <p14:creationId xmlns:p14="http://schemas.microsoft.com/office/powerpoint/2010/main" val="3497507604"/>
       </p:ext>
     </p:extLst>
   </p:cSld>
@@ -6080,12 +6213,72 @@
           <a:chExt cx="0" cy="0"/>
         </a:xfrm>
       </p:grpSpPr>
+      <p:pic>
+        <p:nvPicPr>
+          <p:cNvPr id="5" name="Picture 4">
+            <a:extLst>
+              <a:ext uri="{FF2B5EF4-FFF2-40B4-BE49-F238E27FC236}">
+                <a16:creationId xmlns:a16="http://schemas.microsoft.com/office/drawing/2014/main" id="{656315EF-76BE-93F8-9544-F9FF938230FA}"/>
+              </a:ext>
+            </a:extLst>
+          </p:cNvPr>
+          <p:cNvPicPr>
+            <a:picLocks noChangeAspect="1"/>
+          </p:cNvPicPr>
+          <p:nvPr/>
+        </p:nvPicPr>
+        <p:blipFill>
+          <a:blip r:embed="rId2"/>
+          <a:stretch>
+            <a:fillRect/>
+          </a:stretch>
+        </p:blipFill>
+        <p:spPr>
+          <a:xfrm>
+            <a:off x="-139699" y="1717040"/>
+            <a:ext cx="6591299" cy="4943474"/>
+          </a:xfrm>
+          <a:prstGeom prst="rect">
+            <a:avLst/>
+          </a:prstGeom>
+        </p:spPr>
+      </p:pic>
+      <p:pic>
+        <p:nvPicPr>
+          <p:cNvPr id="8" name="Picture 7">
+            <a:extLst>
+              <a:ext uri="{FF2B5EF4-FFF2-40B4-BE49-F238E27FC236}">
+                <a16:creationId xmlns:a16="http://schemas.microsoft.com/office/drawing/2014/main" id="{D2258D54-F5FB-4811-7947-D30D77C2D342}"/>
+              </a:ext>
+            </a:extLst>
+          </p:cNvPr>
+          <p:cNvPicPr>
+            <a:picLocks noChangeAspect="1"/>
+          </p:cNvPicPr>
+          <p:nvPr/>
+        </p:nvPicPr>
+        <p:blipFill>
+          <a:blip r:embed="rId3"/>
+          <a:stretch>
+            <a:fillRect/>
+          </a:stretch>
+        </p:blipFill>
+        <p:spPr>
+          <a:xfrm>
+            <a:off x="5709919" y="1717038"/>
+            <a:ext cx="6591299" cy="4943475"/>
+          </a:xfrm>
+          <a:prstGeom prst="rect">
+            <a:avLst/>
+          </a:prstGeom>
+        </p:spPr>
+      </p:pic>
       <p:sp>
         <p:nvSpPr>
           <p:cNvPr id="2" name="Title 1">
             <a:extLst>
               <a:ext uri="{FF2B5EF4-FFF2-40B4-BE49-F238E27FC236}">
-                <a16:creationId xmlns:a16="http://schemas.microsoft.com/office/drawing/2014/main" id="{7E4A59BF-4524-1B0F-D230-23E10D3EADC0}"/>
+                <a16:creationId xmlns:a16="http://schemas.microsoft.com/office/drawing/2014/main" id="{E06EC966-2BC4-D6E0-36C0-66086E80E9F6}"/>
               </a:ext>
             </a:extLst>
           </p:cNvPr>
@@ -6099,109 +6292,21 @@
         <p:spPr/>
         <p:txBody>
           <a:bodyPr>
-            <a:normAutofit/>
+            <a:normAutofit fontScale="90000"/>
           </a:bodyPr>
           <a:lstStyle/>
           <a:p>
             <a:pPr algn="ctr"/>
             <a:r>
-              <a:rPr lang="en-US" sz="3600" dirty="0"/>
-              <a:t>Improvements to the algorithm</a:t>
-            </a:r>
-            <a:endParaRPr lang="LID4096" sz="3600" dirty="0"/>
-          </a:p>
-        </p:txBody>
-      </p:sp>
-      <p:sp>
-        <p:nvSpPr>
-          <p:cNvPr id="3" name="Content Placeholder 2">
-            <a:extLst>
-              <a:ext uri="{FF2B5EF4-FFF2-40B4-BE49-F238E27FC236}">
-                <a16:creationId xmlns:a16="http://schemas.microsoft.com/office/drawing/2014/main" id="{50397489-80B8-0A40-CF36-6E0FCB13A9B4}"/>
-              </a:ext>
-            </a:extLst>
-          </p:cNvPr>
-          <p:cNvSpPr>
-            <a:spLocks noGrp="1"/>
-          </p:cNvSpPr>
-          <p:nvPr>
-            <p:ph idx="1"/>
-          </p:nvPr>
-        </p:nvSpPr>
-        <p:spPr/>
-        <p:txBody>
-          <a:bodyPr>
-            <a:normAutofit/>
-          </a:bodyPr>
-          <a:lstStyle/>
-          <a:p>
-            <a:pPr>
-              <a:lnSpc>
-                <a:spcPct val="150000"/>
-              </a:lnSpc>
-            </a:pPr>
-            <a:r>
-              <a:rPr lang="en-US" b="1" u="sng" dirty="0"/>
-              <a:t>Teacher4:</a:t>
-            </a:r>
-            <a:r>
-              <a:rPr lang="en-US" b="1" dirty="0"/>
-              <a:t>  - improves stability</a:t>
-            </a:r>
-            <a:endParaRPr lang="en-US" dirty="0"/>
-          </a:p>
-          <a:p>
-            <a:pPr lvl="1">
-              <a:lnSpc>
-                <a:spcPct val="150000"/>
-              </a:lnSpc>
-              <a:buFont typeface="Wingdings" panose="05000000000000000000" pitchFamily="2" charset="2"/>
-              <a:buChar char="§"/>
-            </a:pPr>
-            <a:r>
               <a:rPr lang="en-US" dirty="0"/>
-              <a:t>Instead of returning one most discriminative feature (like Teacher2), randomly chooses a number </a:t>
-            </a:r>
-            <a:r>
-              <a:rPr lang="en-US" b="1" dirty="0"/>
-              <a:t>n</a:t>
-            </a:r>
-            <a:r>
+              <a:t>Average Results Of teachers 1, 2</a:t>
+            </a:r>
+            <a:br>
               <a:rPr lang="en-US" dirty="0"/>
-              <a:t> and returns the </a:t>
-            </a:r>
-            <a:r>
-              <a:rPr lang="en-US" b="1" dirty="0"/>
-              <a:t>n</a:t>
-            </a:r>
+            </a:br>
             <a:r>
               <a:rPr lang="en-US" dirty="0"/>
-              <a:t> </a:t>
-            </a:r>
-            <a:r>
-              <a:rPr lang="en-US" b="1" dirty="0"/>
-              <a:t>most discriminative features.</a:t>
-            </a:r>
-          </a:p>
-          <a:p>
-            <a:pPr lvl="1">
-              <a:lnSpc>
-                <a:spcPct val="150000"/>
-              </a:lnSpc>
-              <a:buFont typeface="Wingdings" panose="05000000000000000000" pitchFamily="2" charset="2"/>
-              <a:buChar char="§"/>
-            </a:pPr>
-            <a:r>
-              <a:rPr lang="en-US" dirty="0"/>
-              <a:t>This </a:t>
-            </a:r>
-            <a:r>
-              <a:rPr lang="en-US" b="1" dirty="0"/>
-              <a:t>n</a:t>
-            </a:r>
-            <a:r>
-              <a:rPr lang="en-US" dirty="0"/>
-              <a:t> is not chosen uniformly, there is a much higher chance of choosing a lower number (closer to 1).</a:t>
+              <a:t>on WIFI_localization dataset</a:t>
             </a:r>
             <a:endParaRPr lang="LID4096" dirty="0"/>
           </a:p>
@@ -6210,7 +6315,7 @@
     </p:spTree>
     <p:extLst>
       <p:ext uri="{BB962C8B-B14F-4D97-AF65-F5344CB8AC3E}">
-        <p14:creationId xmlns:p14="http://schemas.microsoft.com/office/powerpoint/2010/main" val="3497507604"/>
+        <p14:creationId xmlns:p14="http://schemas.microsoft.com/office/powerpoint/2010/main" val="388360765"/>
       </p:ext>
     </p:extLst>
   </p:cSld>
@@ -6237,6 +6342,66 @@
           <a:chExt cx="0" cy="0"/>
         </a:xfrm>
       </p:grpSpPr>
+      <p:pic>
+        <p:nvPicPr>
+          <p:cNvPr id="4" name="Picture 3">
+            <a:extLst>
+              <a:ext uri="{FF2B5EF4-FFF2-40B4-BE49-F238E27FC236}">
+                <a16:creationId xmlns:a16="http://schemas.microsoft.com/office/drawing/2014/main" id="{36EAEB1E-1D78-FE0C-DFF1-E4D9C10C4CBB}"/>
+              </a:ext>
+            </a:extLst>
+          </p:cNvPr>
+          <p:cNvPicPr>
+            <a:picLocks noChangeAspect="1"/>
+          </p:cNvPicPr>
+          <p:nvPr/>
+        </p:nvPicPr>
+        <p:blipFill>
+          <a:blip r:embed="rId2"/>
+          <a:stretch>
+            <a:fillRect/>
+          </a:stretch>
+        </p:blipFill>
+        <p:spPr>
+          <a:xfrm>
+            <a:off x="-1" y="1713229"/>
+            <a:ext cx="6588761" cy="4941571"/>
+          </a:xfrm>
+          <a:prstGeom prst="rect">
+            <a:avLst/>
+          </a:prstGeom>
+        </p:spPr>
+      </p:pic>
+      <p:pic>
+        <p:nvPicPr>
+          <p:cNvPr id="6" name="Picture 5">
+            <a:extLst>
+              <a:ext uri="{FF2B5EF4-FFF2-40B4-BE49-F238E27FC236}">
+                <a16:creationId xmlns:a16="http://schemas.microsoft.com/office/drawing/2014/main" id="{3EC0EF51-E6B9-508F-4602-3A25BD6607F9}"/>
+              </a:ext>
+            </a:extLst>
+          </p:cNvPr>
+          <p:cNvPicPr>
+            <a:picLocks noChangeAspect="1"/>
+          </p:cNvPicPr>
+          <p:nvPr/>
+        </p:nvPicPr>
+        <p:blipFill>
+          <a:blip r:embed="rId3"/>
+          <a:stretch>
+            <a:fillRect/>
+          </a:stretch>
+        </p:blipFill>
+        <p:spPr>
+          <a:xfrm>
+            <a:off x="5930902" y="1747521"/>
+            <a:ext cx="6588760" cy="4941570"/>
+          </a:xfrm>
+          <a:prstGeom prst="rect">
+            <a:avLst/>
+          </a:prstGeom>
+        </p:spPr>
+      </p:pic>
       <p:sp>
         <p:nvSpPr>
           <p:cNvPr id="2" name="Title 1">
@@ -6255,13 +6420,15 @@
         </p:nvSpPr>
         <p:spPr/>
         <p:txBody>
-          <a:bodyPr/>
+          <a:bodyPr>
+            <a:normAutofit fontScale="90000"/>
+          </a:bodyPr>
           <a:lstStyle/>
           <a:p>
             <a:pPr algn="ctr"/>
             <a:r>
               <a:rPr lang="en-US" dirty="0"/>
-              <a:t>Results Of teacher3</a:t>
+              <a:t>Average Results Of teachers 3, 4</a:t>
             </a:r>
             <a:br>
               <a:rPr lang="en-US" dirty="0"/>
@@ -6274,35 +6441,10 @@
           </a:p>
         </p:txBody>
       </p:sp>
-      <p:sp>
-        <p:nvSpPr>
-          <p:cNvPr id="3" name="Content Placeholder 2">
-            <a:extLst>
-              <a:ext uri="{FF2B5EF4-FFF2-40B4-BE49-F238E27FC236}">
-                <a16:creationId xmlns:a16="http://schemas.microsoft.com/office/drawing/2014/main" id="{CA70DECE-EC2B-78C3-FBE4-665A57726CC1}"/>
-              </a:ext>
-            </a:extLst>
-          </p:cNvPr>
-          <p:cNvSpPr>
-            <a:spLocks noGrp="1"/>
-          </p:cNvSpPr>
-          <p:nvPr>
-            <p:ph idx="1"/>
-          </p:nvPr>
-        </p:nvSpPr>
-        <p:spPr/>
-        <p:txBody>
-          <a:bodyPr/>
-          <a:lstStyle/>
-          <a:p>
-            <a:endParaRPr lang="LID4096" dirty="0"/>
-          </a:p>
-        </p:txBody>
-      </p:sp>
     </p:spTree>
     <p:extLst>
       <p:ext uri="{BB962C8B-B14F-4D97-AF65-F5344CB8AC3E}">
-        <p14:creationId xmlns:p14="http://schemas.microsoft.com/office/powerpoint/2010/main" val="915443420"/>
+        <p14:creationId xmlns:p14="http://schemas.microsoft.com/office/powerpoint/2010/main" val="1722922532"/>
       </p:ext>
     </p:extLst>
   </p:cSld>
@@ -6329,6 +6471,36 @@
           <a:chExt cx="0" cy="0"/>
         </a:xfrm>
       </p:grpSpPr>
+      <p:pic>
+        <p:nvPicPr>
+          <p:cNvPr id="5" name="Picture 4">
+            <a:extLst>
+              <a:ext uri="{FF2B5EF4-FFF2-40B4-BE49-F238E27FC236}">
+                <a16:creationId xmlns:a16="http://schemas.microsoft.com/office/drawing/2014/main" id="{3E418DC2-5A00-9B31-69DB-EDA6EC3E8218}"/>
+              </a:ext>
+            </a:extLst>
+          </p:cNvPr>
+          <p:cNvPicPr>
+            <a:picLocks noChangeAspect="1"/>
+          </p:cNvPicPr>
+          <p:nvPr/>
+        </p:nvPicPr>
+        <p:blipFill>
+          <a:blip r:embed="rId2"/>
+          <a:stretch>
+            <a:fillRect/>
+          </a:stretch>
+        </p:blipFill>
+        <p:spPr>
+          <a:xfrm>
+            <a:off x="2100580" y="1661159"/>
+            <a:ext cx="8610600" cy="5136323"/>
+          </a:xfrm>
+          <a:prstGeom prst="rect">
+            <a:avLst/>
+          </a:prstGeom>
+        </p:spPr>
+      </p:pic>
       <p:sp>
         <p:nvSpPr>
           <p:cNvPr id="2" name="Title 1">
@@ -6347,13 +6519,15 @@
         </p:nvSpPr>
         <p:spPr/>
         <p:txBody>
-          <a:bodyPr/>
+          <a:bodyPr>
+            <a:normAutofit fontScale="90000"/>
+          </a:bodyPr>
           <a:lstStyle/>
           <a:p>
             <a:pPr algn="ctr"/>
             <a:r>
               <a:rPr lang="en-US" dirty="0"/>
-              <a:t>Results Of teacher4</a:t>
+              <a:t>Average Results Of All teachers</a:t>
             </a:r>
             <a:br>
               <a:rPr lang="en-US" dirty="0"/>
@@ -6366,35 +6540,10 @@
           </a:p>
         </p:txBody>
       </p:sp>
-      <p:sp>
-        <p:nvSpPr>
-          <p:cNvPr id="3" name="Content Placeholder 2">
-            <a:extLst>
-              <a:ext uri="{FF2B5EF4-FFF2-40B4-BE49-F238E27FC236}">
-                <a16:creationId xmlns:a16="http://schemas.microsoft.com/office/drawing/2014/main" id="{CA70DECE-EC2B-78C3-FBE4-665A57726CC1}"/>
-              </a:ext>
-            </a:extLst>
-          </p:cNvPr>
-          <p:cNvSpPr>
-            <a:spLocks noGrp="1"/>
-          </p:cNvSpPr>
-          <p:nvPr>
-            <p:ph idx="1"/>
-          </p:nvPr>
-        </p:nvSpPr>
-        <p:spPr/>
-        <p:txBody>
-          <a:bodyPr/>
-          <a:lstStyle/>
-          <a:p>
-            <a:endParaRPr lang="LID4096" dirty="0"/>
-          </a:p>
-        </p:txBody>
-      </p:sp>
     </p:spTree>
     <p:extLst>
       <p:ext uri="{BB962C8B-B14F-4D97-AF65-F5344CB8AC3E}">
-        <p14:creationId xmlns:p14="http://schemas.microsoft.com/office/powerpoint/2010/main" val="4364419"/>
+        <p14:creationId xmlns:p14="http://schemas.microsoft.com/office/powerpoint/2010/main" val="3268215302"/>
       </p:ext>
     </p:extLst>
   </p:cSld>
@@ -6426,100 +6575,6 @@
           <p:cNvPr id="2" name="Title 1">
             <a:extLst>
               <a:ext uri="{FF2B5EF4-FFF2-40B4-BE49-F238E27FC236}">
-                <a16:creationId xmlns:a16="http://schemas.microsoft.com/office/drawing/2014/main" id="{E06EC966-2BC4-D6E0-36C0-66086E80E9F6}"/>
-              </a:ext>
-            </a:extLst>
-          </p:cNvPr>
-          <p:cNvSpPr>
-            <a:spLocks noGrp="1"/>
-          </p:cNvSpPr>
-          <p:nvPr>
-            <p:ph type="title"/>
-          </p:nvPr>
-        </p:nvSpPr>
-        <p:spPr/>
-        <p:txBody>
-          <a:bodyPr>
-            <a:normAutofit fontScale="90000"/>
-          </a:bodyPr>
-          <a:lstStyle/>
-          <a:p>
-            <a:pPr algn="ctr"/>
-            <a:r>
-              <a:rPr lang="en-US" dirty="0"/>
-              <a:t>Average Results Of All teachers</a:t>
-            </a:r>
-            <a:br>
-              <a:rPr lang="en-US" dirty="0"/>
-            </a:br>
-            <a:r>
-              <a:rPr lang="en-US" dirty="0"/>
-              <a:t>on WIFI_localization dataset</a:t>
-            </a:r>
-            <a:endParaRPr lang="LID4096" dirty="0"/>
-          </a:p>
-        </p:txBody>
-      </p:sp>
-      <p:sp>
-        <p:nvSpPr>
-          <p:cNvPr id="3" name="Content Placeholder 2">
-            <a:extLst>
-              <a:ext uri="{FF2B5EF4-FFF2-40B4-BE49-F238E27FC236}">
-                <a16:creationId xmlns:a16="http://schemas.microsoft.com/office/drawing/2014/main" id="{CA70DECE-EC2B-78C3-FBE4-665A57726CC1}"/>
-              </a:ext>
-            </a:extLst>
-          </p:cNvPr>
-          <p:cNvSpPr>
-            <a:spLocks noGrp="1"/>
-          </p:cNvSpPr>
-          <p:nvPr>
-            <p:ph idx="1"/>
-          </p:nvPr>
-        </p:nvSpPr>
-        <p:spPr/>
-        <p:txBody>
-          <a:bodyPr/>
-          <a:lstStyle/>
-          <a:p>
-            <a:endParaRPr lang="LID4096" dirty="0"/>
-          </a:p>
-        </p:txBody>
-      </p:sp>
-    </p:spTree>
-    <p:extLst>
-      <p:ext uri="{BB962C8B-B14F-4D97-AF65-F5344CB8AC3E}">
-        <p14:creationId xmlns:p14="http://schemas.microsoft.com/office/powerpoint/2010/main" val="3268215302"/>
-      </p:ext>
-    </p:extLst>
-  </p:cSld>
-  <p:clrMapOvr>
-    <a:masterClrMapping/>
-  </p:clrMapOvr>
-</p:sld>
-</file>
-
-<file path=ppt/slides/slide15.xml><?xml version="1.0" encoding="utf-8"?>
-<p:sld xmlns:a="http://schemas.openxmlformats.org/drawingml/2006/main" xmlns:r="http://schemas.openxmlformats.org/officeDocument/2006/relationships" xmlns:p="http://schemas.openxmlformats.org/presentationml/2006/main">
-  <p:cSld>
-    <p:spTree>
-      <p:nvGrpSpPr>
-        <p:cNvPr id="1" name=""/>
-        <p:cNvGrpSpPr/>
-        <p:nvPr/>
-      </p:nvGrpSpPr>
-      <p:grpSpPr>
-        <a:xfrm>
-          <a:off x="0" y="0"/>
-          <a:ext cx="0" cy="0"/>
-          <a:chOff x="0" y="0"/>
-          <a:chExt cx="0" cy="0"/>
-        </a:xfrm>
-      </p:grpSpPr>
-      <p:sp>
-        <p:nvSpPr>
-          <p:cNvPr id="2" name="Title 1">
-            <a:extLst>
-              <a:ext uri="{FF2B5EF4-FFF2-40B4-BE49-F238E27FC236}">
                 <a16:creationId xmlns:a16="http://schemas.microsoft.com/office/drawing/2014/main" id="{D6DE0B5C-5265-478D-7095-3B59B58FA3DE}"/>
               </a:ext>
             </a:extLst>
@@ -6563,10 +6618,110 @@
         </p:nvSpPr>
         <p:spPr/>
         <p:txBody>
-          <a:bodyPr/>
+          <a:bodyPr>
+            <a:normAutofit fontScale="92500" lnSpcReduction="20000"/>
+          </a:bodyPr>
           <a:lstStyle/>
           <a:p>
-            <a:endParaRPr lang="LID4096"/>
+            <a:pPr>
+              <a:lnSpc>
+                <a:spcPct val="150000"/>
+              </a:lnSpc>
+            </a:pPr>
+            <a:r>
+              <a:rPr lang="en-US" dirty="0"/>
+              <a:t>The </a:t>
+            </a:r>
+            <a:r>
+              <a:rPr lang="en-US" b="1" dirty="0"/>
+              <a:t>predict</a:t>
+            </a:r>
+            <a:r>
+              <a:rPr lang="en-US" dirty="0"/>
+              <a:t> optimization improved the performance of the model, no matter which teacher was used.</a:t>
+            </a:r>
+          </a:p>
+          <a:p>
+            <a:pPr>
+              <a:lnSpc>
+                <a:spcPct val="150000"/>
+              </a:lnSpc>
+            </a:pPr>
+            <a:r>
+              <a:rPr lang="en-US" dirty="0"/>
+              <a:t>Teacher3 and Teacher4 did not improve the performance consistently enough to be noticeable.</a:t>
+            </a:r>
+          </a:p>
+          <a:p>
+            <a:pPr>
+              <a:lnSpc>
+                <a:spcPct val="150000"/>
+              </a:lnSpc>
+            </a:pPr>
+            <a:r>
+              <a:rPr lang="en-US" dirty="0"/>
+              <a:t>The best performing variation is </a:t>
+            </a:r>
+            <a:r>
+              <a:rPr lang="en-US" b="1" dirty="0"/>
+              <a:t>Teacher3 with the predict optimization.</a:t>
+            </a:r>
+          </a:p>
+          <a:p>
+            <a:pPr lvl="1">
+              <a:lnSpc>
+                <a:spcPct val="150000"/>
+              </a:lnSpc>
+              <a:buFont typeface="Wingdings" panose="05000000000000000000" pitchFamily="2" charset="2"/>
+              <a:buChar char="§"/>
+            </a:pPr>
+            <a:r>
+              <a:rPr lang="en-US" dirty="0"/>
+              <a:t>If we don’t consider runtime.</a:t>
+            </a:r>
+          </a:p>
+          <a:p>
+            <a:pPr lvl="1">
+              <a:lnSpc>
+                <a:spcPct val="150000"/>
+              </a:lnSpc>
+              <a:buFont typeface="Wingdings" panose="05000000000000000000" pitchFamily="2" charset="2"/>
+              <a:buChar char="§"/>
+            </a:pPr>
+            <a:r>
+              <a:rPr lang="en-US" dirty="0"/>
+              <a:t>Compared to Teacher2 with the predict optimization, the improvement is marginal, but the runtime is considerably longer for Teacher3 </a:t>
+            </a:r>
+            <a:r>
+              <a:rPr lang="en-US"/>
+              <a:t>(~3x </a:t>
+            </a:r>
+            <a:r>
+              <a:rPr lang="en-US" dirty="0"/>
+              <a:t>longer).</a:t>
+            </a:r>
+          </a:p>
+          <a:p>
+            <a:pPr lvl="1">
+              <a:lnSpc>
+                <a:spcPct val="150000"/>
+              </a:lnSpc>
+              <a:buFont typeface="Wingdings" panose="05000000000000000000" pitchFamily="2" charset="2"/>
+              <a:buChar char="§"/>
+            </a:pPr>
+            <a:r>
+              <a:rPr lang="en-US" dirty="0"/>
+              <a:t>If runtime is a factor, </a:t>
+            </a:r>
+            <a:r>
+              <a:rPr lang="en-US" b="1" dirty="0"/>
+              <a:t>Teacher2 with the predict optimization </a:t>
+            </a:r>
+            <a:r>
+              <a:rPr lang="en-US" dirty="0"/>
+              <a:t>will be a better choice.</a:t>
+            </a:r>
+            <a:endParaRPr lang="LID4096" dirty="0"/>
           </a:p>
         </p:txBody>
       </p:sp>
@@ -8042,7 +8197,7 @@
             </a:br>
             <a:r>
               <a:rPr lang="en-US" sz="3200" dirty="0"/>
-              <a:t>on zoo dataset</a:t>
+              <a:t>on zoo and nursery datasets</a:t>
             </a:r>
             <a:endParaRPr lang="LID4096" sz="3200" dirty="0"/>
           </a:p>
@@ -8064,12 +8219,563 @@
             <p:ph idx="1"/>
           </p:nvPr>
         </p:nvSpPr>
-        <p:spPr/>
-        <p:txBody>
-          <a:bodyPr/>
+        <p:spPr>
+          <a:xfrm>
+            <a:off x="685800" y="2194560"/>
+            <a:ext cx="5298440" cy="4024125"/>
+          </a:xfrm>
+        </p:spPr>
+        <p:txBody>
+          <a:bodyPr>
+            <a:normAutofit/>
+          </a:bodyPr>
           <a:lstStyle/>
           <a:p>
-            <a:endParaRPr lang="LID4096"/>
+            <a:pPr>
+              <a:lnSpc>
+                <a:spcPct val="150000"/>
+              </a:lnSpc>
+            </a:pPr>
+            <a:r>
+              <a:rPr lang="en-US" b="1" u="sng" dirty="0"/>
+              <a:t>Zoo:</a:t>
+            </a:r>
+          </a:p>
+          <a:p>
+            <a:pPr lvl="1">
+              <a:lnSpc>
+                <a:spcPct val="150000"/>
+              </a:lnSpc>
+              <a:buFont typeface="Wingdings" panose="05000000000000000000" pitchFamily="2" charset="2"/>
+              <a:buChar char="§"/>
+            </a:pPr>
+            <a:r>
+              <a:rPr lang="en-US" b="1" dirty="0"/>
+              <a:t>Teacher1</a:t>
+            </a:r>
+            <a:r>
+              <a:rPr lang="en-US" dirty="0"/>
+              <a:t>:</a:t>
+            </a:r>
+          </a:p>
+          <a:p>
+            <a:pPr lvl="2">
+              <a:lnSpc>
+                <a:spcPct val="150000"/>
+              </a:lnSpc>
+              <a:buFont typeface="Courier New" panose="02070309020205020404" pitchFamily="49" charset="0"/>
+              <a:buChar char="o"/>
+            </a:pPr>
+            <a:r>
+              <a:rPr lang="en-US" dirty="0">
+                <a:hlinkClick r:id="rId2" action="ppaction://hlinkfile"/>
+              </a:rPr>
+              <a:t>Run1</a:t>
+            </a:r>
+            <a:r>
+              <a:rPr lang="en-US" dirty="0"/>
+              <a:t>, </a:t>
+            </a:r>
+            <a:r>
+              <a:rPr lang="en-US" dirty="0">
+                <a:hlinkClick r:id="rId3" action="ppaction://hlinkfile"/>
+              </a:rPr>
+              <a:t>Run2</a:t>
+            </a:r>
+            <a:r>
+              <a:rPr lang="en-US" dirty="0"/>
+              <a:t>, </a:t>
+            </a:r>
+            <a:r>
+              <a:rPr lang="en-US" dirty="0">
+                <a:hlinkClick r:id="rId4" action="ppaction://hlinkfile"/>
+              </a:rPr>
+              <a:t>Run3</a:t>
+            </a:r>
+            <a:r>
+              <a:rPr lang="en-US" dirty="0"/>
+              <a:t>, </a:t>
+            </a:r>
+            <a:r>
+              <a:rPr lang="en-US" dirty="0">
+                <a:hlinkClick r:id="rId5" action="ppaction://hlinkfile"/>
+              </a:rPr>
+              <a:t>Run4</a:t>
+            </a:r>
+            <a:r>
+              <a:rPr lang="en-US" dirty="0"/>
+              <a:t>, </a:t>
+            </a:r>
+            <a:r>
+              <a:rPr lang="en-US" dirty="0">
+                <a:hlinkClick r:id="rId6" action="ppaction://hlinkfile"/>
+              </a:rPr>
+              <a:t>Run5</a:t>
+            </a:r>
+            <a:endParaRPr lang="en-US" dirty="0"/>
+          </a:p>
+          <a:p>
+            <a:pPr lvl="1">
+              <a:lnSpc>
+                <a:spcPct val="150000"/>
+              </a:lnSpc>
+              <a:buFont typeface="Wingdings" panose="05000000000000000000" pitchFamily="2" charset="2"/>
+              <a:buChar char="§"/>
+            </a:pPr>
+            <a:r>
+              <a:rPr lang="en-US" b="1" dirty="0"/>
+              <a:t>Teacher2</a:t>
+            </a:r>
+            <a:r>
+              <a:rPr lang="en-US" dirty="0"/>
+              <a:t>:</a:t>
+            </a:r>
+          </a:p>
+          <a:p>
+            <a:pPr lvl="2">
+              <a:lnSpc>
+                <a:spcPct val="150000"/>
+              </a:lnSpc>
+              <a:buFont typeface="Courier New" panose="02070309020205020404" pitchFamily="49" charset="0"/>
+              <a:buChar char="o"/>
+            </a:pPr>
+            <a:r>
+              <a:rPr lang="en-US" dirty="0">
+                <a:hlinkClick r:id="rId7" action="ppaction://hlinkfile"/>
+              </a:rPr>
+              <a:t>Run1</a:t>
+            </a:r>
+            <a:r>
+              <a:rPr lang="en-US" dirty="0"/>
+              <a:t>, </a:t>
+            </a:r>
+            <a:r>
+              <a:rPr lang="en-US" dirty="0">
+                <a:hlinkClick r:id="rId8" action="ppaction://hlinkfile"/>
+              </a:rPr>
+              <a:t>Run2</a:t>
+            </a:r>
+            <a:r>
+              <a:rPr lang="en-US" dirty="0"/>
+              <a:t>, </a:t>
+            </a:r>
+            <a:r>
+              <a:rPr lang="en-US" dirty="0">
+                <a:hlinkClick r:id="rId9" action="ppaction://hlinkfile"/>
+              </a:rPr>
+              <a:t>Run3</a:t>
+            </a:r>
+            <a:r>
+              <a:rPr lang="en-US" dirty="0"/>
+              <a:t>, </a:t>
+            </a:r>
+            <a:r>
+              <a:rPr lang="en-US" dirty="0">
+                <a:hlinkClick r:id="rId10" action="ppaction://hlinkfile"/>
+              </a:rPr>
+              <a:t>Run4</a:t>
+            </a:r>
+            <a:r>
+              <a:rPr lang="en-US" dirty="0"/>
+              <a:t>, </a:t>
+            </a:r>
+            <a:r>
+              <a:rPr lang="en-US" dirty="0">
+                <a:hlinkClick r:id="rId11" action="ppaction://hlinkfile"/>
+              </a:rPr>
+              <a:t>Run5</a:t>
+            </a:r>
+            <a:endParaRPr lang="en-US" dirty="0"/>
+          </a:p>
+          <a:p>
+            <a:pPr lvl="1">
+              <a:lnSpc>
+                <a:spcPct val="150000"/>
+              </a:lnSpc>
+              <a:buFont typeface="Wingdings" panose="05000000000000000000" pitchFamily="2" charset="2"/>
+              <a:buChar char="§"/>
+            </a:pPr>
+            <a:endParaRPr lang="en-US" dirty="0"/>
+          </a:p>
+          <a:p>
+            <a:pPr lvl="1">
+              <a:lnSpc>
+                <a:spcPct val="150000"/>
+              </a:lnSpc>
+              <a:buFont typeface="Wingdings" panose="05000000000000000000" pitchFamily="2" charset="2"/>
+              <a:buChar char="§"/>
+            </a:pPr>
+            <a:endParaRPr lang="LID4096" dirty="0"/>
+          </a:p>
+        </p:txBody>
+      </p:sp>
+      <p:sp>
+        <p:nvSpPr>
+          <p:cNvPr id="4" name="Content Placeholder 2">
+            <a:extLst>
+              <a:ext uri="{FF2B5EF4-FFF2-40B4-BE49-F238E27FC236}">
+                <a16:creationId xmlns:a16="http://schemas.microsoft.com/office/drawing/2014/main" id="{704BA0F6-BE09-6E81-A8B7-1CB70DFFEC08}"/>
+              </a:ext>
+            </a:extLst>
+          </p:cNvPr>
+          <p:cNvSpPr txBox="1">
+            <a:spLocks/>
+          </p:cNvSpPr>
+          <p:nvPr/>
+        </p:nvSpPr>
+        <p:spPr>
+          <a:xfrm>
+            <a:off x="5984240" y="2194559"/>
+            <a:ext cx="5298440" cy="4024125"/>
+          </a:xfrm>
+          <a:prstGeom prst="rect">
+            <a:avLst/>
+          </a:prstGeom>
+        </p:spPr>
+        <p:txBody>
+          <a:bodyPr vert="horz" lIns="91440" tIns="45720" rIns="91440" bIns="45720" rtlCol="0">
+            <a:normAutofit/>
+          </a:bodyPr>
+          <a:lstStyle>
+            <a:lvl1pPr marL="228600" indent="-228600" algn="l" defTabSz="914400" rtl="0" eaLnBrk="1" latinLnBrk="0" hangingPunct="1">
+              <a:lnSpc>
+                <a:spcPct val="90000"/>
+              </a:lnSpc>
+              <a:spcBef>
+                <a:spcPts val="1000"/>
+              </a:spcBef>
+              <a:buFont typeface="Arial" panose="020B0604020202020204" pitchFamily="34" charset="0"/>
+              <a:buChar char="•"/>
+              <a:defRPr sz="2200" kern="1200">
+                <a:solidFill>
+                  <a:schemeClr val="tx1"/>
+                </a:solidFill>
+                <a:latin typeface="+mn-lt"/>
+                <a:ea typeface="+mn-ea"/>
+                <a:cs typeface="+mn-cs"/>
+              </a:defRPr>
+            </a:lvl1pPr>
+            <a:lvl2pPr marL="685800" indent="-228600" algn="l" defTabSz="914400" rtl="0" eaLnBrk="1" latinLnBrk="0" hangingPunct="1">
+              <a:lnSpc>
+                <a:spcPct val="90000"/>
+              </a:lnSpc>
+              <a:spcBef>
+                <a:spcPts val="500"/>
+              </a:spcBef>
+              <a:buFont typeface="Arial" panose="020B0604020202020204" pitchFamily="34" charset="0"/>
+              <a:buChar char="•"/>
+              <a:defRPr sz="2000" kern="1200">
+                <a:solidFill>
+                  <a:schemeClr val="tx1"/>
+                </a:solidFill>
+                <a:latin typeface="+mn-lt"/>
+                <a:ea typeface="+mn-ea"/>
+                <a:cs typeface="+mn-cs"/>
+              </a:defRPr>
+            </a:lvl2pPr>
+            <a:lvl3pPr marL="1143000" indent="-228600" algn="l" defTabSz="914400" rtl="0" eaLnBrk="1" latinLnBrk="0" hangingPunct="1">
+              <a:lnSpc>
+                <a:spcPct val="90000"/>
+              </a:lnSpc>
+              <a:spcBef>
+                <a:spcPts val="500"/>
+              </a:spcBef>
+              <a:buFont typeface="Arial" panose="020B0604020202020204" pitchFamily="34" charset="0"/>
+              <a:buChar char="•"/>
+              <a:defRPr sz="1800" kern="1200">
+                <a:solidFill>
+                  <a:schemeClr val="tx1"/>
+                </a:solidFill>
+                <a:latin typeface="+mn-lt"/>
+                <a:ea typeface="+mn-ea"/>
+                <a:cs typeface="+mn-cs"/>
+              </a:defRPr>
+            </a:lvl3pPr>
+            <a:lvl4pPr marL="1600200" indent="-228600" algn="l" defTabSz="914400" rtl="0" eaLnBrk="1" latinLnBrk="0" hangingPunct="1">
+              <a:lnSpc>
+                <a:spcPct val="90000"/>
+              </a:lnSpc>
+              <a:spcBef>
+                <a:spcPts val="500"/>
+              </a:spcBef>
+              <a:buFont typeface="Arial" panose="020B0604020202020204" pitchFamily="34" charset="0"/>
+              <a:buChar char="•"/>
+              <a:defRPr sz="1600" kern="1200">
+                <a:solidFill>
+                  <a:schemeClr val="tx1"/>
+                </a:solidFill>
+                <a:latin typeface="+mn-lt"/>
+                <a:ea typeface="+mn-ea"/>
+                <a:cs typeface="+mn-cs"/>
+              </a:defRPr>
+            </a:lvl4pPr>
+            <a:lvl5pPr marL="2057400" indent="-228600" algn="l" defTabSz="914400" rtl="0" eaLnBrk="1" latinLnBrk="0" hangingPunct="1">
+              <a:lnSpc>
+                <a:spcPct val="90000"/>
+              </a:lnSpc>
+              <a:spcBef>
+                <a:spcPts val="500"/>
+              </a:spcBef>
+              <a:buFont typeface="Arial" panose="020B0604020202020204" pitchFamily="34" charset="0"/>
+              <a:buChar char="•"/>
+              <a:defRPr sz="1600" kern="1200">
+                <a:solidFill>
+                  <a:schemeClr val="tx1"/>
+                </a:solidFill>
+                <a:latin typeface="+mn-lt"/>
+                <a:ea typeface="+mn-ea"/>
+                <a:cs typeface="+mn-cs"/>
+              </a:defRPr>
+            </a:lvl5pPr>
+            <a:lvl6pPr marL="2514600" indent="-228600" algn="l" defTabSz="914400" rtl="0" eaLnBrk="1" latinLnBrk="0" hangingPunct="1">
+              <a:lnSpc>
+                <a:spcPct val="90000"/>
+              </a:lnSpc>
+              <a:spcBef>
+                <a:spcPts val="500"/>
+              </a:spcBef>
+              <a:buFont typeface="Arial" panose="020B0604020202020204" pitchFamily="34" charset="0"/>
+              <a:buChar char="•"/>
+              <a:defRPr sz="1600" kern="1200">
+                <a:solidFill>
+                  <a:schemeClr val="tx1"/>
+                </a:solidFill>
+                <a:latin typeface="+mn-lt"/>
+                <a:ea typeface="+mn-ea"/>
+                <a:cs typeface="+mn-cs"/>
+              </a:defRPr>
+            </a:lvl6pPr>
+            <a:lvl7pPr marL="2971800" indent="-228600" algn="l" defTabSz="914400" rtl="0" eaLnBrk="1" latinLnBrk="0" hangingPunct="1">
+              <a:lnSpc>
+                <a:spcPct val="90000"/>
+              </a:lnSpc>
+              <a:spcBef>
+                <a:spcPts val="500"/>
+              </a:spcBef>
+              <a:buFont typeface="Arial" panose="020B0604020202020204" pitchFamily="34" charset="0"/>
+              <a:buChar char="•"/>
+              <a:defRPr sz="1600" kern="1200">
+                <a:solidFill>
+                  <a:schemeClr val="tx1"/>
+                </a:solidFill>
+                <a:latin typeface="+mn-lt"/>
+                <a:ea typeface="+mn-ea"/>
+                <a:cs typeface="+mn-cs"/>
+              </a:defRPr>
+            </a:lvl7pPr>
+            <a:lvl8pPr marL="3429000" indent="-228600" algn="l" defTabSz="914400" rtl="0" eaLnBrk="1" latinLnBrk="0" hangingPunct="1">
+              <a:lnSpc>
+                <a:spcPct val="90000"/>
+              </a:lnSpc>
+              <a:spcBef>
+                <a:spcPts val="500"/>
+              </a:spcBef>
+              <a:buFont typeface="Arial" panose="020B0604020202020204" pitchFamily="34" charset="0"/>
+              <a:buChar char="•"/>
+              <a:defRPr sz="1600" kern="1200">
+                <a:solidFill>
+                  <a:schemeClr val="tx1"/>
+                </a:solidFill>
+                <a:latin typeface="+mn-lt"/>
+                <a:ea typeface="+mn-ea"/>
+                <a:cs typeface="+mn-cs"/>
+              </a:defRPr>
+            </a:lvl8pPr>
+            <a:lvl9pPr marL="3886200" indent="-228600" algn="l" defTabSz="914400" rtl="0" eaLnBrk="1" latinLnBrk="0" hangingPunct="1">
+              <a:lnSpc>
+                <a:spcPct val="90000"/>
+              </a:lnSpc>
+              <a:spcBef>
+                <a:spcPts val="500"/>
+              </a:spcBef>
+              <a:buFont typeface="Arial" panose="020B0604020202020204" pitchFamily="34" charset="0"/>
+              <a:buChar char="•"/>
+              <a:defRPr sz="1600" kern="1200">
+                <a:solidFill>
+                  <a:schemeClr val="tx1"/>
+                </a:solidFill>
+                <a:latin typeface="+mn-lt"/>
+                <a:ea typeface="+mn-ea"/>
+                <a:cs typeface="+mn-cs"/>
+              </a:defRPr>
+            </a:lvl9pPr>
+          </a:lstStyle>
+          <a:p>
+            <a:pPr>
+              <a:lnSpc>
+                <a:spcPct val="150000"/>
+              </a:lnSpc>
+            </a:pPr>
+            <a:r>
+              <a:rPr lang="en-US" b="1" u="sng" dirty="0"/>
+              <a:t>Nursery:</a:t>
+            </a:r>
+          </a:p>
+          <a:p>
+            <a:pPr lvl="1">
+              <a:lnSpc>
+                <a:spcPct val="150000"/>
+              </a:lnSpc>
+              <a:buFont typeface="Wingdings" panose="05000000000000000000" pitchFamily="2" charset="2"/>
+              <a:buChar char="§"/>
+            </a:pPr>
+            <a:r>
+              <a:rPr lang="en-US" b="1" dirty="0"/>
+              <a:t>Teacher1</a:t>
+            </a:r>
+            <a:r>
+              <a:rPr lang="en-US" dirty="0"/>
+              <a:t>:</a:t>
+            </a:r>
+          </a:p>
+          <a:p>
+            <a:pPr lvl="2">
+              <a:lnSpc>
+                <a:spcPct val="150000"/>
+              </a:lnSpc>
+              <a:buFont typeface="Courier New" panose="02070309020205020404" pitchFamily="49" charset="0"/>
+              <a:buChar char="o"/>
+            </a:pPr>
+            <a:r>
+              <a:rPr lang="en-US" dirty="0">
+                <a:hlinkClick r:id="rId12" action="ppaction://hlinkfile"/>
+              </a:rPr>
+              <a:t>Run1</a:t>
+            </a:r>
+            <a:r>
+              <a:rPr lang="en-US" dirty="0"/>
+              <a:t>, </a:t>
+            </a:r>
+            <a:r>
+              <a:rPr lang="en-US" dirty="0">
+                <a:hlinkClick r:id="rId13" action="ppaction://hlinkfile"/>
+              </a:rPr>
+              <a:t>Run2</a:t>
+            </a:r>
+            <a:r>
+              <a:rPr lang="en-US" dirty="0"/>
+              <a:t>, </a:t>
+            </a:r>
+            <a:r>
+              <a:rPr lang="en-US" dirty="0">
+                <a:hlinkClick r:id="rId14" action="ppaction://hlinkfile"/>
+              </a:rPr>
+              <a:t>Run3</a:t>
+            </a:r>
+            <a:r>
+              <a:rPr lang="en-US" dirty="0"/>
+              <a:t>, </a:t>
+            </a:r>
+            <a:r>
+              <a:rPr lang="en-US" dirty="0">
+                <a:hlinkClick r:id="rId15" action="ppaction://hlinkfile"/>
+              </a:rPr>
+              <a:t>Run4</a:t>
+            </a:r>
+            <a:r>
+              <a:rPr lang="en-US" dirty="0"/>
+              <a:t>, </a:t>
+            </a:r>
+            <a:r>
+              <a:rPr lang="en-US" dirty="0">
+                <a:hlinkClick r:id="rId16" action="ppaction://hlinkfile"/>
+              </a:rPr>
+              <a:t>Run5</a:t>
+            </a:r>
+            <a:endParaRPr lang="en-US" dirty="0"/>
+          </a:p>
+          <a:p>
+            <a:pPr lvl="1">
+              <a:lnSpc>
+                <a:spcPct val="150000"/>
+              </a:lnSpc>
+              <a:buFont typeface="Wingdings" panose="05000000000000000000" pitchFamily="2" charset="2"/>
+              <a:buChar char="§"/>
+            </a:pPr>
+            <a:r>
+              <a:rPr lang="en-US" b="1" dirty="0"/>
+              <a:t>Teacher2</a:t>
+            </a:r>
+            <a:r>
+              <a:rPr lang="en-US" dirty="0"/>
+              <a:t>:</a:t>
+            </a:r>
+          </a:p>
+          <a:p>
+            <a:pPr lvl="2">
+              <a:lnSpc>
+                <a:spcPct val="150000"/>
+              </a:lnSpc>
+              <a:buFont typeface="Courier New" panose="02070309020205020404" pitchFamily="49" charset="0"/>
+              <a:buChar char="o"/>
+            </a:pPr>
+            <a:r>
+              <a:rPr lang="en-US" dirty="0">
+                <a:hlinkClick r:id="rId17" action="ppaction://hlinkfile"/>
+              </a:rPr>
+              <a:t>Run1</a:t>
+            </a:r>
+            <a:r>
+              <a:rPr lang="en-US" dirty="0"/>
+              <a:t>, </a:t>
+            </a:r>
+            <a:r>
+              <a:rPr lang="en-US" dirty="0">
+                <a:hlinkClick r:id="rId18" action="ppaction://hlinkfile"/>
+              </a:rPr>
+              <a:t>Run2</a:t>
+            </a:r>
+            <a:r>
+              <a:rPr lang="en-US" dirty="0"/>
+              <a:t>, </a:t>
+            </a:r>
+            <a:r>
+              <a:rPr lang="en-US" dirty="0">
+                <a:hlinkClick r:id="rId19" action="ppaction://hlinkfile"/>
+              </a:rPr>
+              <a:t>Run3</a:t>
+            </a:r>
+            <a:r>
+              <a:rPr lang="en-US" dirty="0"/>
+              <a:t>, </a:t>
+            </a:r>
+            <a:r>
+              <a:rPr lang="en-US" dirty="0">
+                <a:hlinkClick r:id="rId20" action="ppaction://hlinkfile"/>
+              </a:rPr>
+              <a:t>Run4</a:t>
+            </a:r>
+            <a:r>
+              <a:rPr lang="en-US" dirty="0"/>
+              <a:t>, </a:t>
+            </a:r>
+            <a:r>
+              <a:rPr lang="en-US" dirty="0">
+                <a:hlinkClick r:id="rId21" action="ppaction://hlinkfile"/>
+              </a:rPr>
+              <a:t>Run5</a:t>
+            </a:r>
+            <a:endParaRPr lang="en-US" dirty="0"/>
+          </a:p>
+          <a:p>
+            <a:pPr lvl="1">
+              <a:lnSpc>
+                <a:spcPct val="150000"/>
+              </a:lnSpc>
+              <a:buFont typeface="Wingdings" panose="05000000000000000000" pitchFamily="2" charset="2"/>
+              <a:buChar char="§"/>
+            </a:pPr>
+            <a:endParaRPr lang="en-US" dirty="0"/>
+          </a:p>
+          <a:p>
+            <a:pPr lvl="1">
+              <a:lnSpc>
+                <a:spcPct val="150000"/>
+              </a:lnSpc>
+              <a:buFont typeface="Wingdings" panose="05000000000000000000" pitchFamily="2" charset="2"/>
+              <a:buChar char="§"/>
+            </a:pPr>
+            <a:endParaRPr lang="LID4096" dirty="0"/>
           </a:p>
         </p:txBody>
       </p:sp>
@@ -8108,7 +8814,7 @@
           <p:cNvPr id="2" name="Title 1">
             <a:extLst>
               <a:ext uri="{FF2B5EF4-FFF2-40B4-BE49-F238E27FC236}">
-                <a16:creationId xmlns:a16="http://schemas.microsoft.com/office/drawing/2014/main" id="{36033CDE-21B4-A42D-5576-24B0188001B3}"/>
+                <a16:creationId xmlns:a16="http://schemas.microsoft.com/office/drawing/2014/main" id="{2E421BE1-DDFA-A2ED-D191-96DB64F3EF03}"/>
               </a:ext>
             </a:extLst>
           </p:cNvPr>
@@ -8116,61 +8822,39 @@
             <a:spLocks noGrp="1"/>
           </p:cNvSpPr>
           <p:nvPr>
-            <p:ph type="title"/>
+            <p:ph type="ctrTitle"/>
           </p:nvPr>
         </p:nvSpPr>
         <p:spPr/>
         <p:txBody>
           <a:bodyPr>
-            <a:normAutofit/>
+            <a:normAutofit fontScale="90000"/>
           </a:bodyPr>
           <a:lstStyle/>
           <a:p>
             <a:pPr algn="ctr"/>
             <a:r>
-              <a:rPr lang="en-US" sz="3200" dirty="0"/>
-              <a:t>Decision lists of teachers 1,2</a:t>
+              <a:rPr lang="en-US" b="1" u="sng" dirty="0"/>
+              <a:t>Conclusion:</a:t>
             </a:r>
             <a:br>
-              <a:rPr lang="en-US" sz="3200" dirty="0"/>
+              <a:rPr lang="en-US" b="1" u="sng" dirty="0"/>
             </a:br>
-            <a:r>
-              <a:rPr lang="en-US" sz="3200" dirty="0"/>
-              <a:t>on Nursery dataset</a:t>
-            </a:r>
-            <a:endParaRPr lang="LID4096" sz="3200" dirty="0"/>
-          </a:p>
-        </p:txBody>
-      </p:sp>
-      <p:sp>
-        <p:nvSpPr>
-          <p:cNvPr id="3" name="Content Placeholder 2">
-            <a:extLst>
-              <a:ext uri="{FF2B5EF4-FFF2-40B4-BE49-F238E27FC236}">
-                <a16:creationId xmlns:a16="http://schemas.microsoft.com/office/drawing/2014/main" id="{D11957BC-B012-23F3-91F3-C7D780F66CB8}"/>
-              </a:ext>
-            </a:extLst>
-          </p:cNvPr>
-          <p:cNvSpPr>
-            <a:spLocks noGrp="1"/>
-          </p:cNvSpPr>
-          <p:nvPr>
-            <p:ph idx="1"/>
-          </p:nvPr>
-        </p:nvSpPr>
-        <p:spPr/>
-        <p:txBody>
-          <a:bodyPr/>
-          <a:lstStyle/>
-          <a:p>
-            <a:endParaRPr lang="LID4096"/>
+            <a:br>
+              <a:rPr lang="en-US" sz="4000" b="1" u="sng" dirty="0"/>
+            </a:br>
+            <a:r>
+              <a:rPr lang="en-US" sz="4000" dirty="0"/>
+              <a:t>teacher2 performs consistently better than teacher1</a:t>
+            </a:r>
+            <a:endParaRPr lang="LID4096" b="1" u="sng" dirty="0"/>
           </a:p>
         </p:txBody>
       </p:sp>
     </p:spTree>
     <p:extLst>
       <p:ext uri="{BB962C8B-B14F-4D97-AF65-F5344CB8AC3E}">
-        <p14:creationId xmlns:p14="http://schemas.microsoft.com/office/powerpoint/2010/main" val="3845273675"/>
+        <p14:creationId xmlns:p14="http://schemas.microsoft.com/office/powerpoint/2010/main" val="2921607320"/>
       </p:ext>
     </p:extLst>
   </p:cSld>
@@ -8202,7 +8886,7 @@
           <p:cNvPr id="2" name="Title 1">
             <a:extLst>
               <a:ext uri="{FF2B5EF4-FFF2-40B4-BE49-F238E27FC236}">
-                <a16:creationId xmlns:a16="http://schemas.microsoft.com/office/drawing/2014/main" id="{D6DE0B5C-5265-478D-7095-3B59B58FA3DE}"/>
+                <a16:creationId xmlns:a16="http://schemas.microsoft.com/office/drawing/2014/main" id="{2E421BE1-DDFA-A2ED-D191-96DB64F3EF03}"/>
               </a:ext>
             </a:extLst>
           </p:cNvPr>
@@ -8210,7 +8894,7 @@
             <a:spLocks noGrp="1"/>
           </p:cNvSpPr>
           <p:nvPr>
-            <p:ph type="title"/>
+            <p:ph type="ctrTitle"/>
           </p:nvPr>
         </p:nvSpPr>
         <p:spPr/>
@@ -8221,41 +8905,16 @@
             <a:pPr algn="ctr"/>
             <a:r>
               <a:rPr lang="en-US" dirty="0"/>
-              <a:t>conclusion</a:t>
+              <a:t>Part b</a:t>
             </a:r>
             <a:endParaRPr lang="LID4096" dirty="0"/>
-          </a:p>
-        </p:txBody>
-      </p:sp>
-      <p:sp>
-        <p:nvSpPr>
-          <p:cNvPr id="3" name="Content Placeholder 2">
-            <a:extLst>
-              <a:ext uri="{FF2B5EF4-FFF2-40B4-BE49-F238E27FC236}">
-                <a16:creationId xmlns:a16="http://schemas.microsoft.com/office/drawing/2014/main" id="{BD1FB012-CD74-62C7-1602-31E71412F279}"/>
-              </a:ext>
-            </a:extLst>
-          </p:cNvPr>
-          <p:cNvSpPr>
-            <a:spLocks noGrp="1"/>
-          </p:cNvSpPr>
-          <p:nvPr>
-            <p:ph idx="1"/>
-          </p:nvPr>
-        </p:nvSpPr>
-        <p:spPr/>
-        <p:txBody>
-          <a:bodyPr/>
-          <a:lstStyle/>
-          <a:p>
-            <a:endParaRPr lang="LID4096"/>
           </a:p>
         </p:txBody>
       </p:sp>
     </p:spTree>
     <p:extLst>
       <p:ext uri="{BB962C8B-B14F-4D97-AF65-F5344CB8AC3E}">
-        <p14:creationId xmlns:p14="http://schemas.microsoft.com/office/powerpoint/2010/main" val="3122263022"/>
+        <p14:creationId xmlns:p14="http://schemas.microsoft.com/office/powerpoint/2010/main" val="1725609116"/>
       </p:ext>
     </p:extLst>
   </p:cSld>
@@ -8287,7 +8946,7 @@
           <p:cNvPr id="2" name="Title 1">
             <a:extLst>
               <a:ext uri="{FF2B5EF4-FFF2-40B4-BE49-F238E27FC236}">
-                <a16:creationId xmlns:a16="http://schemas.microsoft.com/office/drawing/2014/main" id="{2E421BE1-DDFA-A2ED-D191-96DB64F3EF03}"/>
+                <a16:creationId xmlns:a16="http://schemas.microsoft.com/office/drawing/2014/main" id="{AC4D309A-D1F8-2D80-0248-F4A9E565526E}"/>
               </a:ext>
             </a:extLst>
           </p:cNvPr>
@@ -8295,7 +8954,7 @@
             <a:spLocks noGrp="1"/>
           </p:cNvSpPr>
           <p:nvPr>
-            <p:ph type="ctrTitle"/>
+            <p:ph type="title"/>
           </p:nvPr>
         </p:nvSpPr>
         <p:spPr/>
@@ -8306,7 +8965,122 @@
             <a:pPr algn="ctr"/>
             <a:r>
               <a:rPr lang="en-US" dirty="0"/>
-              <a:t>Part b</a:t>
+              <a:t>The new dataset</a:t>
+            </a:r>
+            <a:endParaRPr lang="LID4096" dirty="0"/>
+          </a:p>
+        </p:txBody>
+      </p:sp>
+      <p:sp>
+        <p:nvSpPr>
+          <p:cNvPr id="3" name="Content Placeholder 2">
+            <a:extLst>
+              <a:ext uri="{FF2B5EF4-FFF2-40B4-BE49-F238E27FC236}">
+                <a16:creationId xmlns:a16="http://schemas.microsoft.com/office/drawing/2014/main" id="{18F840A2-EA5C-1EB6-7122-EC9444CCABCE}"/>
+              </a:ext>
+            </a:extLst>
+          </p:cNvPr>
+          <p:cNvSpPr>
+            <a:spLocks noGrp="1"/>
+          </p:cNvSpPr>
+          <p:nvPr>
+            <p:ph idx="1"/>
+          </p:nvPr>
+        </p:nvSpPr>
+        <p:spPr/>
+        <p:txBody>
+          <a:bodyPr/>
+          <a:lstStyle/>
+          <a:p>
+            <a:pPr>
+              <a:lnSpc>
+                <a:spcPct val="150000"/>
+              </a:lnSpc>
+            </a:pPr>
+            <a:r>
+              <a:rPr lang="en-US" b="1" dirty="0"/>
+              <a:t>The dataset: </a:t>
+            </a:r>
+            <a:r>
+              <a:rPr lang="en-US" dirty="0">
+                <a:hlinkClick r:id="rId2"/>
+              </a:rPr>
+              <a:t>wifi_localization</a:t>
+            </a:r>
+            <a:endParaRPr lang="en-US" dirty="0"/>
+          </a:p>
+          <a:p>
+            <a:pPr>
+              <a:lnSpc>
+                <a:spcPct val="150000"/>
+              </a:lnSpc>
+            </a:pPr>
+            <a:r>
+              <a:rPr lang="en-US" b="1" dirty="0"/>
+              <a:t>Explanation: </a:t>
+            </a:r>
+            <a:r>
+              <a:rPr lang="en-US" dirty="0"/>
+              <a:t>predicts the location of a smartphone (1 of 4 rooms) based on the strength of 7 different </a:t>
+            </a:r>
+            <a:r>
+              <a:rPr lang="en-US" dirty="0" err="1"/>
+              <a:t>wifi</a:t>
+            </a:r>
+            <a:r>
+              <a:rPr lang="en-US" dirty="0"/>
+              <a:t> signals</a:t>
+            </a:r>
+          </a:p>
+          <a:p>
+            <a:pPr>
+              <a:lnSpc>
+                <a:spcPct val="150000"/>
+              </a:lnSpc>
+            </a:pPr>
+            <a:r>
+              <a:rPr lang="en-US" b="1" dirty="0"/>
+              <a:t>Number of instances: </a:t>
+            </a:r>
+            <a:r>
+              <a:rPr lang="en-US" b="0" i="0" dirty="0">
+                <a:solidFill>
+                  <a:srgbClr val="303030"/>
+                </a:solidFill>
+                <a:effectLst/>
+                <a:latin typeface="ui-sans-serif"/>
+              </a:rPr>
+              <a:t>2000</a:t>
+            </a:r>
+          </a:p>
+          <a:p>
+            <a:pPr>
+              <a:lnSpc>
+                <a:spcPct val="150000"/>
+              </a:lnSpc>
+            </a:pPr>
+            <a:r>
+              <a:rPr lang="en-US" b="1" dirty="0"/>
+              <a:t>Number of attributes per instance: </a:t>
+            </a:r>
+            <a:r>
+              <a:rPr lang="en-US" dirty="0"/>
+              <a:t>7</a:t>
+            </a:r>
+          </a:p>
+          <a:p>
+            <a:pPr>
+              <a:lnSpc>
+                <a:spcPct val="150000"/>
+              </a:lnSpc>
+            </a:pPr>
+            <a:r>
+              <a:rPr lang="en-US" b="1" dirty="0"/>
+              <a:t>Labels: </a:t>
+            </a:r>
+            <a:r>
+              <a:rPr lang="en-US" dirty="0"/>
+              <a:t>1 - 4</a:t>
             </a:r>
             <a:endParaRPr lang="LID4096" dirty="0"/>
           </a:p>
@@ -8315,7 +9089,7 @@
     </p:spTree>
     <p:extLst>
       <p:ext uri="{BB962C8B-B14F-4D97-AF65-F5344CB8AC3E}">
-        <p14:creationId xmlns:p14="http://schemas.microsoft.com/office/powerpoint/2010/main" val="2921607320"/>
+        <p14:creationId xmlns:p14="http://schemas.microsoft.com/office/powerpoint/2010/main" val="3991079006"/>
       </p:ext>
     </p:extLst>
   </p:cSld>
@@ -8347,7 +9121,7 @@
           <p:cNvPr id="2" name="Title 1">
             <a:extLst>
               <a:ext uri="{FF2B5EF4-FFF2-40B4-BE49-F238E27FC236}">
-                <a16:creationId xmlns:a16="http://schemas.microsoft.com/office/drawing/2014/main" id="{AC4D309A-D1F8-2D80-0248-F4A9E565526E}"/>
+                <a16:creationId xmlns:a16="http://schemas.microsoft.com/office/drawing/2014/main" id="{7E4A59BF-4524-1B0F-D230-23E10D3EADC0}"/>
               </a:ext>
             </a:extLst>
           </p:cNvPr>
@@ -8360,15 +9134,17 @@
         </p:nvSpPr>
         <p:spPr/>
         <p:txBody>
-          <a:bodyPr/>
+          <a:bodyPr>
+            <a:normAutofit/>
+          </a:bodyPr>
           <a:lstStyle/>
           <a:p>
             <a:pPr algn="ctr"/>
             <a:r>
-              <a:rPr lang="en-US" dirty="0"/>
-              <a:t>The new dataset</a:t>
-            </a:r>
-            <a:endParaRPr lang="LID4096" dirty="0"/>
+              <a:rPr lang="en-US" sz="3600" dirty="0"/>
+              <a:t>Improvements to the algorithm</a:t>
+            </a:r>
+            <a:endParaRPr lang="LID4096" sz="3600" dirty="0"/>
           </a:p>
         </p:txBody>
       </p:sp>
@@ -8377,7 +9153,7 @@
           <p:cNvPr id="3" name="Content Placeholder 2">
             <a:extLst>
               <a:ext uri="{FF2B5EF4-FFF2-40B4-BE49-F238E27FC236}">
-                <a16:creationId xmlns:a16="http://schemas.microsoft.com/office/drawing/2014/main" id="{18F840A2-EA5C-1EB6-7122-EC9444CCABCE}"/>
+                <a16:creationId xmlns:a16="http://schemas.microsoft.com/office/drawing/2014/main" id="{50397489-80B8-0A40-CF36-6E0FCB13A9B4}"/>
               </a:ext>
             </a:extLst>
           </p:cNvPr>
@@ -8390,7 +9166,9 @@
         </p:nvSpPr>
         <p:spPr/>
         <p:txBody>
-          <a:bodyPr/>
+          <a:bodyPr>
+            <a:normAutofit lnSpcReduction="10000"/>
+          </a:bodyPr>
           <a:lstStyle/>
           <a:p>
             <a:pPr>
@@ -8399,14 +9177,28 @@
               </a:lnSpc>
             </a:pPr>
             <a:r>
+              <a:rPr lang="en-US" b="1" u="sng" dirty="0"/>
+              <a:t>feedbackModel.predict2():</a:t>
+            </a:r>
+            <a:r>
               <a:rPr lang="en-US" b="1" dirty="0"/>
-              <a:t>The dataset: </a:t>
-            </a:r>
-            <a:r>
-              <a:rPr lang="en-US" dirty="0">
-                <a:hlinkClick r:id="rId2"/>
-              </a:rPr>
-              <a:t>wifi_localization</a:t>
+              <a:t> </a:t>
+            </a:r>
+            <a:r>
+              <a:rPr lang="en-US" dirty="0"/>
+              <a:t>If an example doesn’t fit any law – guess the </a:t>
+            </a:r>
+            <a:r>
+              <a:rPr lang="en-US" b="1" dirty="0"/>
+              <a:t>best fitting law</a:t>
+            </a:r>
+            <a:r>
+              <a:rPr lang="en-US" dirty="0"/>
+              <a:t> instead of the default label. </a:t>
+            </a:r>
+            <a:r>
+              <a:rPr lang="en-US" b="1" dirty="0"/>
+              <a:t> - improves performance</a:t>
             </a:r>
             <a:endParaRPr lang="en-US" dirty="0"/>
           </a:p>
@@ -8417,71 +9209,65 @@
               </a:lnSpc>
             </a:pPr>
             <a:r>
+              <a:rPr lang="en-US" b="1" u="sng" dirty="0"/>
+              <a:t>Teacher3:</a:t>
+            </a:r>
+            <a:r>
               <a:rPr lang="en-US" b="1" dirty="0"/>
-              <a:t>Explanation: </a:t>
-            </a:r>
-            <a:r>
-              <a:rPr lang="en-US" dirty="0"/>
-              <a:t>predicts the location of a smartphone (1 of 4 rooms) based on the strength of 7 different </a:t>
-            </a:r>
-            <a:r>
-              <a:rPr lang="en-US" dirty="0" err="1"/>
-              <a:t>wifi</a:t>
-            </a:r>
-            <a:r>
-              <a:rPr lang="en-US" dirty="0"/>
-              <a:t> signals</a:t>
-            </a:r>
-          </a:p>
-          <a:p>
-            <a:pPr>
+              <a:t> </a:t>
+            </a:r>
+            <a:endParaRPr lang="en-US" dirty="0"/>
+          </a:p>
+          <a:p>
+            <a:pPr lvl="1">
               <a:lnSpc>
                 <a:spcPct val="150000"/>
               </a:lnSpc>
+              <a:buFont typeface="Wingdings" panose="05000000000000000000" pitchFamily="2" charset="2"/>
+              <a:buChar char="§"/>
             </a:pPr>
             <a:r>
-              <a:rPr lang="en-US" b="1" dirty="0"/>
-              <a:t>Number of instances: </a:t>
-            </a:r>
-            <a:r>
-              <a:rPr lang="en-US" b="0" i="0" dirty="0">
-                <a:solidFill>
-                  <a:srgbClr val="303030"/>
-                </a:solidFill>
-                <a:effectLst/>
-                <a:latin typeface="ui-sans-serif"/>
-              </a:rPr>
-              <a:t>2000</a:t>
-            </a:r>
-          </a:p>
-          <a:p>
-            <a:pPr>
+              <a:rPr lang="en-US" dirty="0"/>
+              <a:t>Array of Teacher2s.</a:t>
+            </a:r>
+          </a:p>
+          <a:p>
+            <a:pPr lvl="1">
               <a:lnSpc>
                 <a:spcPct val="150000"/>
               </a:lnSpc>
+              <a:buFont typeface="Wingdings" panose="05000000000000000000" pitchFamily="2" charset="2"/>
+              <a:buChar char="§"/>
             </a:pPr>
             <a:r>
-              <a:rPr lang="en-US" b="1" dirty="0"/>
-              <a:t>Number of attributes per instance: </a:t>
-            </a:r>
-            <a:r>
               <a:rPr lang="en-US" dirty="0"/>
-              <a:t>7</a:t>
-            </a:r>
-          </a:p>
-          <a:p>
-            <a:pPr>
+              <a:t>Each teacher gets a random subset of the dataset.</a:t>
+            </a:r>
+          </a:p>
+          <a:p>
+            <a:pPr lvl="1">
               <a:lnSpc>
                 <a:spcPct val="150000"/>
               </a:lnSpc>
+              <a:buFont typeface="Wingdings" panose="05000000000000000000" pitchFamily="2" charset="2"/>
+              <a:buChar char="§"/>
             </a:pPr>
             <a:r>
-              <a:rPr lang="en-US" b="1" dirty="0"/>
-              <a:t>Labels: </a:t>
-            </a:r>
-            <a:r>
               <a:rPr lang="en-US" dirty="0"/>
-              <a:t>1 - 4</a:t>
+              <a:t>Each Teacher2 gives a “discriminative score” to the discriminative feature it suggests.</a:t>
+            </a:r>
+          </a:p>
+          <a:p>
+            <a:pPr lvl="1">
+              <a:lnSpc>
+                <a:spcPct val="150000"/>
+              </a:lnSpc>
+              <a:buFont typeface="Wingdings" panose="05000000000000000000" pitchFamily="2" charset="2"/>
+              <a:buChar char="§"/>
+            </a:pPr>
+            <a:r>
+              <a:rPr lang="en-US" dirty="0"/>
+              <a:t>Teacher3 returns the feature that had the max sum of “discriminative scores” .</a:t>
             </a:r>
             <a:endParaRPr lang="LID4096" dirty="0"/>
           </a:p>
@@ -8490,7 +9276,7 @@
     </p:spTree>
     <p:extLst>
       <p:ext uri="{BB962C8B-B14F-4D97-AF65-F5344CB8AC3E}">
-        <p14:creationId xmlns:p14="http://schemas.microsoft.com/office/powerpoint/2010/main" val="3991079006"/>
+        <p14:creationId xmlns:p14="http://schemas.microsoft.com/office/powerpoint/2010/main" val="3486056161"/>
       </p:ext>
     </p:extLst>
   </p:cSld>

--- a/data_analysis_presentation_206100968_311128847.pptx
+++ b/data_analysis_presentation_206100968_311128847.pptx
@@ -5924,8 +5924,8 @@
           </a:p>
         </p:txBody>
       </p:sp>
-      <mc:AlternateContent xmlns:mc="http://schemas.openxmlformats.org/markup-compatibility/2006">
-        <mc:Choice xmlns:a14="http://schemas.microsoft.com/office/drawing/2010/main" Requires="a14">
+      <mc:AlternateContent xmlns:mc="http://schemas.openxmlformats.org/markup-compatibility/2006" xmlns:a14="http://schemas.microsoft.com/office/drawing/2010/main">
+        <mc:Choice Requires="a14">
           <p:sp>
             <p:nvSpPr>
               <p:cNvPr id="3" name="Content Placeholder 2">
@@ -6143,7 +6143,7 @@
             </p:txBody>
           </p:sp>
         </mc:Choice>
-        <mc:Fallback>
+        <mc:Fallback xmlns="">
           <p:sp>
             <p:nvSpPr>
               <p:cNvPr id="3" name="Content Placeholder 2">
@@ -6866,8 +6866,8 @@
         </p:nvSpPr>
         <p:spPr>
           <a:xfrm>
-            <a:off x="5647464" y="2036189"/>
-            <a:ext cx="1981722" cy="782810"/>
+            <a:off x="5647464" y="2036188"/>
+            <a:ext cx="1992856" cy="1278664"/>
           </a:xfrm>
           <a:prstGeom prst="roundRect">
             <a:avLst/>
@@ -6902,15 +6902,11 @@
           <a:bodyPr rtlCol="0" anchor="ctr" anchorCtr="0"/>
           <a:lstStyle/>
           <a:p>
-            <a:pPr algn="ctr"/>
-            <a:endParaRPr lang="en-US" sz="1600" b="1" dirty="0">
-              <a:solidFill>
-                <a:schemeClr val="tx1"/>
-              </a:solidFill>
-            </a:endParaRPr>
-          </a:p>
-          <a:p>
-            <a:pPr algn="ctr"/>
+            <a:pPr algn="ctr">
+              <a:lnSpc>
+                <a:spcPct val="150000"/>
+              </a:lnSpc>
+            </a:pPr>
             <a:r>
               <a:rPr lang="en-US" sz="1600" b="1" dirty="0" err="1">
                 <a:solidFill>
@@ -6919,11 +6915,77 @@
               </a:rPr>
               <a:t>FeedbackModel</a:t>
             </a:r>
+            <a:endParaRPr lang="en-US" sz="1600" b="1" dirty="0">
+              <a:solidFill>
+                <a:schemeClr val="tx1"/>
+              </a:solidFill>
+            </a:endParaRPr>
+          </a:p>
+          <a:p>
+            <a:pPr marL="171450" indent="-171450">
+              <a:buFont typeface="Arial" panose="020B0604020202020204" pitchFamily="34" charset="0"/>
+              <a:buChar char="•"/>
+            </a:pPr>
+            <a:r>
+              <a:rPr lang="en-US" sz="1100" dirty="0" err="1">
+                <a:solidFill>
+                  <a:schemeClr val="tx1"/>
+                </a:solidFill>
+              </a:rPr>
+              <a:t>default_label</a:t>
+            </a:r>
             <a:endParaRPr lang="en-US" sz="1100" dirty="0">
               <a:solidFill>
                 <a:schemeClr val="tx1"/>
               </a:solidFill>
             </a:endParaRPr>
+          </a:p>
+          <a:p>
+            <a:pPr marL="171450" indent="-171450">
+              <a:buFont typeface="Arial" panose="020B0604020202020204" pitchFamily="34" charset="0"/>
+              <a:buChar char="•"/>
+            </a:pPr>
+            <a:r>
+              <a:rPr lang="en-US" sz="1100" dirty="0" err="1">
+                <a:solidFill>
+                  <a:schemeClr val="tx1"/>
+                </a:solidFill>
+              </a:rPr>
+              <a:t>default_explanation</a:t>
+            </a:r>
+            <a:endParaRPr lang="en-US" sz="1100" dirty="0">
+              <a:solidFill>
+                <a:schemeClr val="tx1"/>
+              </a:solidFill>
+            </a:endParaRPr>
+          </a:p>
+          <a:p>
+            <a:pPr marL="171450" indent="-171450">
+              <a:buFont typeface="Arial" panose="020B0604020202020204" pitchFamily="34" charset="0"/>
+              <a:buChar char="•"/>
+            </a:pPr>
+            <a:r>
+              <a:rPr lang="en-US" sz="1100" dirty="0">
+                <a:solidFill>
+                  <a:schemeClr val="tx1"/>
+                </a:solidFill>
+              </a:rPr>
+              <a:t>laws</a:t>
+            </a:r>
+          </a:p>
+          <a:p>
+            <a:pPr marL="171450" indent="-171450">
+              <a:buFont typeface="Arial" panose="020B0604020202020204" pitchFamily="34" charset="0"/>
+              <a:buChar char="•"/>
+            </a:pPr>
+            <a:r>
+              <a:rPr lang="en-US" sz="1100" dirty="0">
+                <a:solidFill>
+                  <a:schemeClr val="tx1"/>
+                </a:solidFill>
+              </a:rPr>
+              <a:t>teacher</a:t>
+            </a:r>
           </a:p>
           <a:p>
             <a:pPr marL="171450" indent="-171450">
@@ -6955,8 +7017,8 @@
         </p:nvSpPr>
         <p:spPr>
           <a:xfrm>
-            <a:off x="3269224" y="3139085"/>
-            <a:ext cx="1981722" cy="715788"/>
+            <a:off x="3111182" y="3454044"/>
+            <a:ext cx="2212658" cy="796129"/>
           </a:xfrm>
           <a:prstGeom prst="roundRect">
             <a:avLst/>
@@ -6992,14 +7054,6 @@
           <a:lstStyle/>
           <a:p>
             <a:pPr algn="ctr"/>
-            <a:endParaRPr lang="en-US" sz="1600" b="1" dirty="0">
-              <a:solidFill>
-                <a:schemeClr val="tx1"/>
-              </a:solidFill>
-            </a:endParaRPr>
-          </a:p>
-          <a:p>
-            <a:pPr algn="ctr"/>
             <a:r>
               <a:rPr lang="en-US" sz="1600" b="1" dirty="0">
                 <a:solidFill>
@@ -7024,12 +7078,31 @@
           </a:p>
           <a:p>
             <a:pPr marL="171450" indent="-171450">
-              <a:lnSpc>
-                <a:spcPct val="150000"/>
-              </a:lnSpc>
               <a:buFont typeface="Arial" panose="020B0604020202020204" pitchFamily="34" charset="0"/>
               <a:buChar char="•"/>
             </a:pPr>
+            <a:r>
+              <a:rPr lang="en-US" sz="1100" dirty="0">
+                <a:solidFill>
+                  <a:schemeClr val="tx1"/>
+                </a:solidFill>
+              </a:rPr>
+              <a:t>X</a:t>
+            </a:r>
+          </a:p>
+          <a:p>
+            <a:pPr marL="171450" indent="-171450">
+              <a:buFont typeface="Arial" panose="020B0604020202020204" pitchFamily="34" charset="0"/>
+              <a:buChar char="•"/>
+            </a:pPr>
+            <a:r>
+              <a:rPr lang="en-US" sz="1100" dirty="0" err="1">
+                <a:solidFill>
+                  <a:schemeClr val="tx1"/>
+                </a:solidFill>
+              </a:rPr>
+              <a:t>features_labels_dict</a:t>
+            </a:r>
             <a:endParaRPr lang="LID4096" sz="1100" dirty="0">
               <a:solidFill>
                 <a:schemeClr val="tx1"/>
@@ -7052,8 +7125,8 @@
         </p:nvSpPr>
         <p:spPr>
           <a:xfrm>
-            <a:off x="8201720" y="3152404"/>
-            <a:ext cx="1981722" cy="782810"/>
+            <a:off x="8201720" y="3467362"/>
+            <a:ext cx="1981722" cy="1065055"/>
           </a:xfrm>
           <a:prstGeom prst="roundRect">
             <a:avLst/>
@@ -7089,14 +7162,6 @@
           <a:lstStyle/>
           <a:p>
             <a:pPr algn="ctr"/>
-            <a:endParaRPr lang="en-US" sz="1600" b="1" dirty="0">
-              <a:solidFill>
-                <a:schemeClr val="tx1"/>
-              </a:solidFill>
-            </a:endParaRPr>
-          </a:p>
-          <a:p>
-            <a:pPr algn="ctr"/>
             <a:r>
               <a:rPr lang="en-US" sz="1600" b="1" dirty="0">
                 <a:solidFill>
@@ -7104,6 +7169,48 @@
                 </a:solidFill>
               </a:rPr>
               <a:t>Law</a:t>
+            </a:r>
+          </a:p>
+          <a:p>
+            <a:pPr marL="171450" indent="-171450">
+              <a:buFont typeface="Arial" panose="020B0604020202020204" pitchFamily="34" charset="0"/>
+              <a:buChar char="•"/>
+            </a:pPr>
+            <a:r>
+              <a:rPr lang="en-US" sz="1100" dirty="0">
+                <a:solidFill>
+                  <a:schemeClr val="tx1"/>
+                </a:solidFill>
+              </a:rPr>
+              <a:t>explanation</a:t>
+            </a:r>
+          </a:p>
+          <a:p>
+            <a:pPr marL="171450" indent="-171450">
+              <a:buFont typeface="Arial" panose="020B0604020202020204" pitchFamily="34" charset="0"/>
+              <a:buChar char="•"/>
+            </a:pPr>
+            <a:r>
+              <a:rPr lang="en-US" sz="1100" dirty="0">
+                <a:solidFill>
+                  <a:schemeClr val="tx1"/>
+                </a:solidFill>
+              </a:rPr>
+              <a:t>label</a:t>
+            </a:r>
+          </a:p>
+          <a:p>
+            <a:pPr marL="171450" indent="-171450">
+              <a:buFont typeface="Arial" panose="020B0604020202020204" pitchFamily="34" charset="0"/>
+              <a:buChar char="•"/>
+            </a:pPr>
+            <a:r>
+              <a:rPr lang="en-US" sz="1100" dirty="0" err="1">
+                <a:solidFill>
+                  <a:schemeClr val="tx1"/>
+                </a:solidFill>
+              </a:rPr>
+              <a:t>discriminative_feature</a:t>
             </a:r>
             <a:endParaRPr lang="en-US" sz="1100" dirty="0">
               <a:solidFill>
@@ -7141,7 +7248,7 @@
         </p:nvSpPr>
         <p:spPr>
           <a:xfrm>
-            <a:off x="5477615" y="4152924"/>
+            <a:off x="5589375" y="4457724"/>
             <a:ext cx="1527545" cy="715788"/>
           </a:xfrm>
           <a:prstGeom prst="roundRect">
@@ -7230,8 +7337,8 @@
         </p:nvSpPr>
         <p:spPr>
           <a:xfrm>
-            <a:off x="4832016" y="5168478"/>
-            <a:ext cx="1527545" cy="715788"/>
+            <a:off x="4730416" y="5412318"/>
+            <a:ext cx="1883744" cy="1029122"/>
           </a:xfrm>
           <a:prstGeom prst="roundRect">
             <a:avLst/>
@@ -7267,14 +7374,6 @@
           <a:lstStyle/>
           <a:p>
             <a:pPr algn="ctr"/>
-            <a:endParaRPr lang="en-US" sz="1600" b="1" dirty="0">
-              <a:solidFill>
-                <a:schemeClr val="tx1"/>
-              </a:solidFill>
-            </a:endParaRPr>
-          </a:p>
-          <a:p>
-            <a:pPr algn="ctr"/>
             <a:r>
               <a:rPr lang="en-US" sz="1600" b="1" dirty="0">
                 <a:solidFill>
@@ -7282,6 +7381,20 @@
                 </a:solidFill>
               </a:rPr>
               <a:t>Teacher3</a:t>
+            </a:r>
+          </a:p>
+          <a:p>
+            <a:pPr marL="171450" indent="-171450">
+              <a:buFont typeface="Arial" panose="020B0604020202020204" pitchFamily="34" charset="0"/>
+              <a:buChar char="•"/>
+            </a:pPr>
+            <a:r>
+              <a:rPr lang="en-US" sz="1100" dirty="0" err="1">
+                <a:solidFill>
+                  <a:schemeClr val="tx1"/>
+                </a:solidFill>
+              </a:rPr>
+              <a:t>num_of_teachers</a:t>
             </a:r>
             <a:endParaRPr lang="en-US" sz="1100" dirty="0">
               <a:solidFill>
@@ -7297,6 +7410,36 @@
               <a:buFont typeface="Arial" panose="020B0604020202020204" pitchFamily="34" charset="0"/>
               <a:buChar char="•"/>
             </a:pPr>
+            <a:r>
+              <a:rPr lang="en-US" sz="1100" dirty="0" err="1">
+                <a:solidFill>
+                  <a:schemeClr val="tx1"/>
+                </a:solidFill>
+              </a:rPr>
+              <a:t>sample_percentage</a:t>
+            </a:r>
+            <a:endParaRPr lang="en-US" sz="1100" dirty="0">
+              <a:solidFill>
+                <a:schemeClr val="tx1"/>
+              </a:solidFill>
+            </a:endParaRPr>
+          </a:p>
+          <a:p>
+            <a:pPr marL="171450" indent="-171450">
+              <a:lnSpc>
+                <a:spcPct val="150000"/>
+              </a:lnSpc>
+              <a:buFont typeface="Arial" panose="020B0604020202020204" pitchFamily="34" charset="0"/>
+              <a:buChar char="•"/>
+            </a:pPr>
+            <a:r>
+              <a:rPr lang="en-US" sz="1100" dirty="0">
+                <a:solidFill>
+                  <a:schemeClr val="tx1"/>
+                </a:solidFill>
+              </a:rPr>
+              <a:t>teachers</a:t>
+            </a:r>
             <a:endParaRPr lang="LID4096" sz="1100" dirty="0">
               <a:solidFill>
                 <a:schemeClr val="tx1"/>
@@ -7319,7 +7462,7 @@
         </p:nvSpPr>
         <p:spPr>
           <a:xfrm>
-            <a:off x="2274081" y="5166762"/>
+            <a:off x="2274081" y="5573162"/>
             <a:ext cx="1527545" cy="715788"/>
           </a:xfrm>
           <a:prstGeom prst="roundRect">
@@ -7408,7 +7551,7 @@
         </p:nvSpPr>
         <p:spPr>
           <a:xfrm>
-            <a:off x="1583637" y="4156498"/>
+            <a:off x="1583637" y="4532418"/>
             <a:ext cx="1527545" cy="715788"/>
           </a:xfrm>
           <a:prstGeom prst="roundRect">
@@ -7493,15 +7636,15 @@
             </a:extLst>
           </p:cNvPr>
           <p:cNvCxnSpPr>
+            <a:cxnSpLocks/>
             <a:stCxn id="4" idx="0"/>
-            <a:endCxn id="12" idx="3"/>
           </p:cNvCxnSpPr>
           <p:nvPr/>
         </p:nvCxnSpPr>
         <p:spPr>
           <a:xfrm flipH="1" flipV="1">
-            <a:off x="7629186" y="2427594"/>
-            <a:ext cx="1563395" cy="724810"/>
+            <a:off x="6298091" y="2861747"/>
+            <a:ext cx="2894490" cy="605615"/>
           </a:xfrm>
           <a:prstGeom prst="straightConnector1">
             <a:avLst/>
@@ -7538,15 +7681,15 @@
             </a:extLst>
           </p:cNvPr>
           <p:cNvCxnSpPr>
+            <a:cxnSpLocks/>
             <a:stCxn id="3" idx="0"/>
-            <a:endCxn id="12" idx="1"/>
           </p:cNvCxnSpPr>
           <p:nvPr/>
         </p:nvCxnSpPr>
         <p:spPr>
           <a:xfrm flipV="1">
-            <a:off x="4260085" y="2427594"/>
-            <a:ext cx="1387379" cy="711491"/>
+            <a:off x="4217511" y="3005891"/>
+            <a:ext cx="1676400" cy="448153"/>
           </a:xfrm>
           <a:prstGeom prst="straightConnector1">
             <a:avLst/>
@@ -7591,8 +7734,8 @@
         </p:nvCxnSpPr>
         <p:spPr>
           <a:xfrm flipV="1">
-            <a:off x="2347410" y="3496979"/>
-            <a:ext cx="921814" cy="659519"/>
+            <a:off x="2347410" y="3852109"/>
+            <a:ext cx="763772" cy="680309"/>
           </a:xfrm>
           <a:prstGeom prst="straightConnector1">
             <a:avLst/>
@@ -7633,7 +7776,7 @@
         </p:nvCxnSpPr>
         <p:spPr>
           <a:xfrm flipV="1">
-            <a:off x="3037854" y="3850576"/>
+            <a:off x="3037854" y="4256976"/>
             <a:ext cx="657878" cy="1316186"/>
           </a:xfrm>
           <a:prstGeom prst="straightConnector1">
@@ -7675,8 +7818,8 @@
         </p:nvCxnSpPr>
         <p:spPr>
           <a:xfrm flipH="1" flipV="1">
-            <a:off x="4832016" y="3850576"/>
-            <a:ext cx="763773" cy="1317902"/>
+            <a:off x="4826000" y="4250173"/>
+            <a:ext cx="846288" cy="1162145"/>
           </a:xfrm>
           <a:prstGeom prst="straightConnector1">
             <a:avLst/>
@@ -7718,8 +7861,8 @@
         </p:nvCxnSpPr>
         <p:spPr>
           <a:xfrm flipH="1" flipV="1">
-            <a:off x="5250946" y="3496979"/>
-            <a:ext cx="990442" cy="655945"/>
+            <a:off x="5323840" y="3852109"/>
+            <a:ext cx="1029308" cy="605615"/>
           </a:xfrm>
           <a:prstGeom prst="straightConnector1">
             <a:avLst/>
@@ -7755,14 +7898,13 @@
           <p:cNvCxnSpPr>
             <a:cxnSpLocks/>
             <a:stCxn id="8" idx="3"/>
-            <a:endCxn id="7" idx="1"/>
           </p:cNvCxnSpPr>
           <p:nvPr/>
         </p:nvCxnSpPr>
         <p:spPr>
           <a:xfrm>
-            <a:off x="3801626" y="5524656"/>
-            <a:ext cx="1030390" cy="1716"/>
+            <a:off x="3801626" y="5931056"/>
+            <a:ext cx="1081709" cy="357894"/>
           </a:xfrm>
           <a:prstGeom prst="straightConnector1">
             <a:avLst/>
@@ -7800,7 +7942,7 @@
         </p:nvSpPr>
         <p:spPr>
           <a:xfrm>
-            <a:off x="3478621" y="5227722"/>
+            <a:off x="3427821" y="5718458"/>
             <a:ext cx="1676400" cy="261610"/>
           </a:xfrm>
           <a:prstGeom prst="rect">
@@ -7837,7 +7979,7 @@
         </p:nvSpPr>
         <p:spPr>
           <a:xfrm>
-            <a:off x="3478621" y="5573656"/>
+            <a:off x="3374874" y="6125270"/>
             <a:ext cx="1676400" cy="261610"/>
           </a:xfrm>
           <a:prstGeom prst="rect">
@@ -7874,8 +8016,8 @@
         </p:nvSpPr>
         <p:spPr>
           <a:xfrm>
-            <a:off x="7586569" y="2437301"/>
-            <a:ext cx="1676400" cy="261610"/>
+            <a:off x="7511068" y="2893735"/>
+            <a:ext cx="905382" cy="261610"/>
           </a:xfrm>
           <a:prstGeom prst="rect">
             <a:avLst/>
@@ -7911,8 +8053,8 @@
         </p:nvSpPr>
         <p:spPr>
           <a:xfrm>
-            <a:off x="7286417" y="2749478"/>
-            <a:ext cx="1676400" cy="261610"/>
+            <a:off x="7569568" y="3209251"/>
+            <a:ext cx="788382" cy="261610"/>
           </a:xfrm>
           <a:prstGeom prst="rect">
             <a:avLst/>
@@ -7948,7 +8090,7 @@
         </p:nvSpPr>
         <p:spPr>
           <a:xfrm>
-            <a:off x="3875533" y="2500503"/>
+            <a:off x="4045135" y="2916786"/>
             <a:ext cx="1676400" cy="261610"/>
           </a:xfrm>
           <a:prstGeom prst="rect">
